--- a/pptx/UmfrageErgebnissePLUSPlatformenUNDDashboard.pptx
+++ b/pptx/UmfrageErgebnissePLUSPlatformenUNDDashboard.pptx
@@ -284,16 +284,63 @@
 </p:presentation>
 </file>
 
-<file path=ppt/revisionInfo.xml><?xml version="1.0" encoding="utf-8"?>
-<p1510:revInfo xmlns:a="http://schemas.openxmlformats.org/drawingml/2006/main" xmlns:r="http://schemas.openxmlformats.org/officeDocument/2006/relationships" xmlns:p1510="http://schemas.microsoft.com/office/powerpoint/2015/10/main">
-  <p1510:revLst>
-    <p1510:client id="{235AD3CA-1B59-45BC-B357-805F5A4BF4BC}" v="13" dt="2022-10-16T09:52:31.579"/>
-  </p1510:revLst>
-</p1510:revInfo>
-</file>
-
 <file path=ppt/changesInfos/changesInfo1.xml><?xml version="1.0" encoding="utf-8"?>
 <pc:chgInfo xmlns:a="http://schemas.openxmlformats.org/drawingml/2006/main" xmlns:r="http://schemas.openxmlformats.org/officeDocument/2006/relationships" xmlns:ac="http://schemas.microsoft.com/office/drawing/2013/main/command" xmlns:pc="http://schemas.microsoft.com/office/powerpoint/2013/main/command">
+  <pc:docChgLst>
+    <pc:chgData name="Simon RS" userId="8de322db93951f0c" providerId="LiveId" clId="{2BDF6C5B-60DD-47E5-8292-8AB879DEE815}"/>
+    <pc:docChg chg="undo custSel modSld">
+      <pc:chgData name="Simon RS" userId="8de322db93951f0c" providerId="LiveId" clId="{2BDF6C5B-60DD-47E5-8292-8AB879DEE815}" dt="2022-10-17T17:48:50.453" v="844" actId="113"/>
+      <pc:docMkLst>
+        <pc:docMk/>
+      </pc:docMkLst>
+      <pc:sldChg chg="modSp mod">
+        <pc:chgData name="Simon RS" userId="8de322db93951f0c" providerId="LiveId" clId="{2BDF6C5B-60DD-47E5-8292-8AB879DEE815}" dt="2022-10-17T17:45:48.322" v="460" actId="113"/>
+        <pc:sldMkLst>
+          <pc:docMk/>
+          <pc:sldMk cId="1588736127" sldId="317"/>
+        </pc:sldMkLst>
+        <pc:spChg chg="mod">
+          <ac:chgData name="Simon RS" userId="8de322db93951f0c" providerId="LiveId" clId="{2BDF6C5B-60DD-47E5-8292-8AB879DEE815}" dt="2022-10-17T17:36:03.097" v="9" actId="20577"/>
+          <ac:spMkLst>
+            <pc:docMk/>
+            <pc:sldMk cId="1588736127" sldId="317"/>
+            <ac:spMk id="2" creationId="{10CD2168-6997-0D9F-51A4-3C3012A49142}"/>
+          </ac:spMkLst>
+        </pc:spChg>
+        <pc:spChg chg="mod">
+          <ac:chgData name="Simon RS" userId="8de322db93951f0c" providerId="LiveId" clId="{2BDF6C5B-60DD-47E5-8292-8AB879DEE815}" dt="2022-10-17T17:45:48.322" v="460" actId="113"/>
+          <ac:spMkLst>
+            <pc:docMk/>
+            <pc:sldMk cId="1588736127" sldId="317"/>
+            <ac:spMk id="3" creationId="{D54E37F2-22AE-CAAF-F379-706B60C27C91}"/>
+          </ac:spMkLst>
+        </pc:spChg>
+      </pc:sldChg>
+      <pc:sldChg chg="modSp mod">
+        <pc:chgData name="Simon RS" userId="8de322db93951f0c" providerId="LiveId" clId="{2BDF6C5B-60DD-47E5-8292-8AB879DEE815}" dt="2022-10-17T17:48:50.453" v="844" actId="113"/>
+        <pc:sldMkLst>
+          <pc:docMk/>
+          <pc:sldMk cId="1409133261" sldId="318"/>
+        </pc:sldMkLst>
+        <pc:spChg chg="mod">
+          <ac:chgData name="Simon RS" userId="8de322db93951f0c" providerId="LiveId" clId="{2BDF6C5B-60DD-47E5-8292-8AB879DEE815}" dt="2022-10-17T17:46:06.763" v="483" actId="14100"/>
+          <ac:spMkLst>
+            <pc:docMk/>
+            <pc:sldMk cId="1409133261" sldId="318"/>
+            <ac:spMk id="2" creationId="{7A6478A6-DEF4-FC05-6CF2-ED0A992D7D15}"/>
+          </ac:spMkLst>
+        </pc:spChg>
+        <pc:spChg chg="mod">
+          <ac:chgData name="Simon RS" userId="8de322db93951f0c" providerId="LiveId" clId="{2BDF6C5B-60DD-47E5-8292-8AB879DEE815}" dt="2022-10-17T17:48:50.453" v="844" actId="113"/>
+          <ac:spMkLst>
+            <pc:docMk/>
+            <pc:sldMk cId="1409133261" sldId="318"/>
+            <ac:spMk id="3" creationId="{2672E439-C03E-BE36-B74C-340A98094E8B}"/>
+          </ac:spMkLst>
+        </pc:spChg>
+      </pc:sldChg>
+    </pc:docChg>
+  </pc:docChgLst>
   <pc:docChgLst>
     <pc:chgData name="Simon RS" userId="8de322db93951f0c" providerId="LiveId" clId="{235AD3CA-1B59-45BC-B357-805F5A4BF4BC}"/>
     <pc:docChg chg="undo custSel addSld modSld">
@@ -13398,25 +13445,70 @@
             <p:ph type="body" idx="1"/>
           </p:nvPr>
         </p:nvSpPr>
-        <p:spPr/>
+        <p:spPr>
+          <a:xfrm>
+            <a:off x="713400" y="1812450"/>
+            <a:ext cx="7809876" cy="2750100"/>
+          </a:xfrm>
+        </p:spPr>
         <p:txBody>
           <a:bodyPr/>
           <a:lstStyle/>
           <a:p>
             <a:r>
-              <a:rPr lang="de-AT" dirty="0"/>
+              <a:rPr lang="de-AT" b="1" dirty="0"/>
               <a:t>Shelly</a:t>
             </a:r>
           </a:p>
           <a:p>
+            <a:pPr lvl="1"/>
+            <a:r>
+              <a:rPr lang="de-AT" dirty="0"/>
+              <a:t>Open Source</a:t>
+            </a:r>
+          </a:p>
+          <a:p>
+            <a:pPr lvl="1"/>
+            <a:r>
+              <a:rPr lang="de-AT" dirty="0"/>
+              <a:t>Nachrüstbare Teile f. bestehende Infrastruktur (zB. Smarte-</a:t>
+            </a:r>
             <a:r>
               <a:rPr lang="de-AT" dirty="0" err="1"/>
+              <a:t>Relays</a:t>
+            </a:r>
+            <a:r>
+              <a:rPr lang="de-AT" dirty="0"/>
+              <a:t>)</a:t>
+            </a:r>
+          </a:p>
+          <a:p>
+            <a:r>
+              <a:rPr lang="de-AT" b="1" dirty="0" err="1"/>
               <a:t>Tinkerforge</a:t>
             </a:r>
-            <a:endParaRPr lang="de-AT" dirty="0"/>
+            <a:endParaRPr lang="de-AT" b="1" dirty="0"/>
           </a:p>
           <a:p>
-            <a:endParaRPr lang="de-AT" dirty="0"/>
+            <a:pPr lvl="1"/>
+            <a:r>
+              <a:rPr lang="de-AT" dirty="0"/>
+              <a:t>Open Source</a:t>
+            </a:r>
+          </a:p>
+          <a:p>
+            <a:pPr lvl="1"/>
+            <a:r>
+              <a:rPr lang="de-AT" dirty="0"/>
+              <a:t>34 Sensoren verfügbar</a:t>
+            </a:r>
+          </a:p>
+          <a:p>
+            <a:pPr lvl="1"/>
+            <a:r>
+              <a:rPr lang="de-AT" dirty="0"/>
+              <a:t>Eher modularer/atomarer („kleinere Teile“ =&gt; mehr selbst bauen)</a:t>
+            </a:r>
           </a:p>
         </p:txBody>
       </p:sp>
@@ -13468,8 +13560,8 @@
         </p:nvSpPr>
         <p:spPr>
           <a:xfrm>
-            <a:off x="713400" y="580950"/>
-            <a:ext cx="4719604" cy="1231500"/>
+            <a:off x="713399" y="580950"/>
+            <a:ext cx="6414915" cy="1231500"/>
           </a:xfrm>
         </p:spPr>
         <p:txBody>
@@ -13478,7 +13570,7 @@
           <a:p>
             <a:r>
               <a:rPr lang="de-AT" dirty="0"/>
-              <a:t>Dashboard Funktionalitäten</a:t>
+              <a:t>Dashboard Ansichten - Gliederung</a:t>
             </a:r>
           </a:p>
         </p:txBody>
@@ -13502,7 +13594,7 @@
         <p:spPr>
           <a:xfrm>
             <a:off x="713400" y="1812450"/>
-            <a:ext cx="4719604" cy="2750100"/>
+            <a:ext cx="5427096" cy="2750100"/>
           </a:xfrm>
         </p:spPr>
         <p:txBody>
@@ -13514,31 +13606,59 @@
             </a:pPr>
             <a:r>
               <a:rPr lang="de-AT" sz="1600" b="1" u="sng" dirty="0"/>
-              <a:t>Ansichten</a:t>
+              <a:t>Mögliche Ansichten:</a:t>
             </a:r>
           </a:p>
           <a:p>
             <a:r>
-              <a:rPr lang="de-AT" dirty="0"/>
+              <a:rPr lang="de-AT" b="1" dirty="0"/>
               <a:t>Sicherheit</a:t>
             </a:r>
           </a:p>
           <a:p>
+            <a:pPr lvl="1"/>
             <a:r>
               <a:rPr lang="de-AT" dirty="0"/>
+              <a:t>Zeigt zB. ob Türen abgeschlossen sind oder ob jemand ums Haus schleicht</a:t>
+            </a:r>
+          </a:p>
+          <a:p>
+            <a:r>
+              <a:rPr lang="de-AT" b="1" dirty="0"/>
               <a:t>Komfort</a:t>
             </a:r>
           </a:p>
           <a:p>
+            <a:pPr lvl="1"/>
             <a:r>
               <a:rPr lang="de-AT" dirty="0"/>
+              <a:t>zB. Temperaturen, Luftfeuchtigkeit, Lichter, etc.</a:t>
+            </a:r>
+          </a:p>
+          <a:p>
+            <a:r>
+              <a:rPr lang="de-AT" b="1" dirty="0"/>
               <a:t>Outdoor</a:t>
             </a:r>
           </a:p>
           <a:p>
+            <a:pPr lvl="1"/>
             <a:r>
               <a:rPr lang="de-AT" dirty="0"/>
+              <a:t>zB. Außentemperatur, andere Geräte im Außenbereich, etc.</a:t>
+            </a:r>
+          </a:p>
+          <a:p>
+            <a:r>
+              <a:rPr lang="de-AT" b="1" dirty="0"/>
               <a:t>Indoor</a:t>
+            </a:r>
+          </a:p>
+          <a:p>
+            <a:pPr lvl="1"/>
+            <a:r>
+              <a:rPr lang="de-AT" dirty="0"/>
+              <a:t>Sonstige Geräte im Innenbereich</a:t>
             </a:r>
           </a:p>
         </p:txBody>

--- a/pptx/UmfrageErgebnissePLUSPlatformenUNDDashboard.pptx
+++ b/pptx/UmfrageErgebnissePLUSPlatformenUNDDashboard.pptx
@@ -5,46 +5,50 @@
     <p:sldMasterId id="2147483674" r:id="rId1"/>
   </p:sldMasterIdLst>
   <p:notesMasterIdLst>
-    <p:notesMasterId r:id="rId21"/>
+    <p:notesMasterId r:id="rId25"/>
   </p:notesMasterIdLst>
   <p:sldIdLst>
     <p:sldId id="256" r:id="rId2"/>
-    <p:sldId id="269" r:id="rId3"/>
-    <p:sldId id="263" r:id="rId4"/>
-    <p:sldId id="274" r:id="rId5"/>
-    <p:sldId id="262" r:id="rId6"/>
-    <p:sldId id="302" r:id="rId7"/>
-    <p:sldId id="303" r:id="rId8"/>
-    <p:sldId id="304" r:id="rId9"/>
-    <p:sldId id="305" r:id="rId10"/>
-    <p:sldId id="306" r:id="rId11"/>
-    <p:sldId id="313" r:id="rId12"/>
-    <p:sldId id="314" r:id="rId13"/>
-    <p:sldId id="315" r:id="rId14"/>
-    <p:sldId id="310" r:id="rId15"/>
-    <p:sldId id="311" r:id="rId16"/>
-    <p:sldId id="312" r:id="rId17"/>
-    <p:sldId id="317" r:id="rId18"/>
-    <p:sldId id="318" r:id="rId19"/>
-    <p:sldId id="316" r:id="rId20"/>
+    <p:sldId id="322" r:id="rId3"/>
+    <p:sldId id="323" r:id="rId4"/>
+    <p:sldId id="321" r:id="rId5"/>
+    <p:sldId id="269" r:id="rId6"/>
+    <p:sldId id="263" r:id="rId7"/>
+    <p:sldId id="262" r:id="rId8"/>
+    <p:sldId id="302" r:id="rId9"/>
+    <p:sldId id="303" r:id="rId10"/>
+    <p:sldId id="304" r:id="rId11"/>
+    <p:sldId id="305" r:id="rId12"/>
+    <p:sldId id="306" r:id="rId13"/>
+    <p:sldId id="313" r:id="rId14"/>
+    <p:sldId id="314" r:id="rId15"/>
+    <p:sldId id="319" r:id="rId16"/>
+    <p:sldId id="315" r:id="rId17"/>
+    <p:sldId id="320" r:id="rId18"/>
+    <p:sldId id="310" r:id="rId19"/>
+    <p:sldId id="311" r:id="rId20"/>
+    <p:sldId id="312" r:id="rId21"/>
+    <p:sldId id="317" r:id="rId22"/>
+    <p:sldId id="318" r:id="rId23"/>
+    <p:sldId id="316" r:id="rId24"/>
   </p:sldIdLst>
   <p:sldSz cx="9144000" cy="5143500" type="screen16x9"/>
   <p:notesSz cx="6858000" cy="9144000"/>
   <p:embeddedFontLst>
     <p:embeddedFont>
       <p:font typeface="Michroma" panose="020B0604020202020204" charset="0"/>
-      <p:regular r:id="rId22"/>
+      <p:regular r:id="rId26"/>
     </p:embeddedFont>
     <p:embeddedFont>
       <p:font typeface="MS Reference Sans Serif" panose="020B0604030504040204" pitchFamily="34" charset="0"/>
-      <p:regular r:id="rId23"/>
+      <p:regular r:id="rId27"/>
     </p:embeddedFont>
     <p:embeddedFont>
       <p:font typeface="Roboto Mono Medium" panose="020B0604020202020204" charset="0"/>
-      <p:regular r:id="rId24"/>
-      <p:bold r:id="rId25"/>
-      <p:italic r:id="rId26"/>
-      <p:boldItalic r:id="rId27"/>
+      <p:regular r:id="rId28"/>
+      <p:bold r:id="rId29"/>
+      <p:italic r:id="rId30"/>
+      <p:boldItalic r:id="rId31"/>
     </p:embeddedFont>
   </p:embeddedFontLst>
   <p:defaultTextStyle>
@@ -282,6 +286,14 @@
     </p:ext>
   </p:extLst>
 </p:presentation>
+</file>
+
+<file path=ppt/revisionInfo.xml><?xml version="1.0" encoding="utf-8"?>
+<p1510:revInfo xmlns:a="http://schemas.openxmlformats.org/drawingml/2006/main" xmlns:r="http://schemas.openxmlformats.org/officeDocument/2006/relationships" xmlns:p1510="http://schemas.microsoft.com/office/powerpoint/2015/10/main">
+  <p1510:revLst>
+    <p1510:client id="{0507498E-1D07-41D9-B256-FCD9EDCAF411}" v="29" dt="2022-10-19T08:56:51.330"/>
+  </p1510:revLst>
+</p1510:revInfo>
 </file>
 
 <file path=ppt/changesInfos/changesInfo1.xml><?xml version="1.0" encoding="utf-8"?>
@@ -579,6 +591,497 @@
           </ac:spMkLst>
         </pc:spChg>
       </pc:sldChg>
+    </pc:docChg>
+  </pc:docChgLst>
+  <pc:docChgLst>
+    <pc:chgData name="Simon RS" userId="8de322db93951f0c" providerId="LiveId" clId="{0507498E-1D07-41D9-B256-FCD9EDCAF411}"/>
+    <pc:docChg chg="undo custSel addSld delSld modSld">
+      <pc:chgData name="Simon RS" userId="8de322db93951f0c" providerId="LiveId" clId="{0507498E-1D07-41D9-B256-FCD9EDCAF411}" dt="2022-10-19T08:57:01.456" v="1176" actId="1076"/>
+      <pc:docMkLst>
+        <pc:docMk/>
+      </pc:docMkLst>
+      <pc:sldChg chg="modSp mod">
+        <pc:chgData name="Simon RS" userId="8de322db93951f0c" providerId="LiveId" clId="{0507498E-1D07-41D9-B256-FCD9EDCAF411}" dt="2022-10-18T13:01:16.961" v="563" actId="14100"/>
+        <pc:sldMkLst>
+          <pc:docMk/>
+          <pc:sldMk cId="0" sldId="263"/>
+        </pc:sldMkLst>
+        <pc:spChg chg="mod">
+          <ac:chgData name="Simon RS" userId="8de322db93951f0c" providerId="LiveId" clId="{0507498E-1D07-41D9-B256-FCD9EDCAF411}" dt="2022-10-18T13:01:16.961" v="563" actId="14100"/>
+          <ac:spMkLst>
+            <pc:docMk/>
+            <pc:sldMk cId="0" sldId="263"/>
+            <ac:spMk id="396" creationId="{00000000-0000-0000-0000-000000000000}"/>
+          </ac:spMkLst>
+        </pc:spChg>
+      </pc:sldChg>
+      <pc:sldChg chg="addSp delSp modSp mod modNotesTx">
+        <pc:chgData name="Simon RS" userId="8de322db93951f0c" providerId="LiveId" clId="{0507498E-1D07-41D9-B256-FCD9EDCAF411}" dt="2022-10-19T08:57:01.456" v="1176" actId="1076"/>
+        <pc:sldMkLst>
+          <pc:docMk/>
+          <pc:sldMk cId="0" sldId="269"/>
+        </pc:sldMkLst>
+        <pc:spChg chg="del">
+          <ac:chgData name="Simon RS" userId="8de322db93951f0c" providerId="LiveId" clId="{0507498E-1D07-41D9-B256-FCD9EDCAF411}" dt="2022-10-19T08:56:08.559" v="1174" actId="478"/>
+          <ac:spMkLst>
+            <pc:docMk/>
+            <pc:sldMk cId="0" sldId="269"/>
+            <ac:spMk id="2" creationId="{3FE5CC57-39F9-D139-43FE-CE580B3A76CF}"/>
+          </ac:spMkLst>
+        </pc:spChg>
+        <pc:spChg chg="add mod">
+          <ac:chgData name="Simon RS" userId="8de322db93951f0c" providerId="LiveId" clId="{0507498E-1D07-41D9-B256-FCD9EDCAF411}" dt="2022-10-19T08:53:00.273" v="1155" actId="1076"/>
+          <ac:spMkLst>
+            <pc:docMk/>
+            <pc:sldMk cId="0" sldId="269"/>
+            <ac:spMk id="3" creationId="{808C678D-E3AF-3E2D-77D4-02506FB5C0B9}"/>
+          </ac:spMkLst>
+        </pc:spChg>
+        <pc:spChg chg="add mod">
+          <ac:chgData name="Simon RS" userId="8de322db93951f0c" providerId="LiveId" clId="{0507498E-1D07-41D9-B256-FCD9EDCAF411}" dt="2022-10-19T08:53:38.401" v="1159" actId="1076"/>
+          <ac:spMkLst>
+            <pc:docMk/>
+            <pc:sldMk cId="0" sldId="269"/>
+            <ac:spMk id="4" creationId="{DFD403F1-4B4A-71C4-F9A2-C53FAF4250B7}"/>
+          </ac:spMkLst>
+        </pc:spChg>
+        <pc:spChg chg="add mod">
+          <ac:chgData name="Simon RS" userId="8de322db93951f0c" providerId="LiveId" clId="{0507498E-1D07-41D9-B256-FCD9EDCAF411}" dt="2022-10-19T08:52:46.496" v="1152" actId="1076"/>
+          <ac:spMkLst>
+            <pc:docMk/>
+            <pc:sldMk cId="0" sldId="269"/>
+            <ac:spMk id="5" creationId="{FF670319-0AC0-A7A2-453B-774D062636CA}"/>
+          </ac:spMkLst>
+        </pc:spChg>
+        <pc:spChg chg="add del mod">
+          <ac:chgData name="Simon RS" userId="8de322db93951f0c" providerId="LiveId" clId="{0507498E-1D07-41D9-B256-FCD9EDCAF411}" dt="2022-10-19T08:53:28.704" v="1157" actId="478"/>
+          <ac:spMkLst>
+            <pc:docMk/>
+            <pc:sldMk cId="0" sldId="269"/>
+            <ac:spMk id="7" creationId="{2DCC194F-601B-F850-DEE5-C54632155536}"/>
+          </ac:spMkLst>
+        </pc:spChg>
+        <pc:spChg chg="add del mod">
+          <ac:chgData name="Simon RS" userId="8de322db93951f0c" providerId="LiveId" clId="{0507498E-1D07-41D9-B256-FCD9EDCAF411}" dt="2022-10-19T08:55:13.298" v="1163" actId="478"/>
+          <ac:spMkLst>
+            <pc:docMk/>
+            <pc:sldMk cId="0" sldId="269"/>
+            <ac:spMk id="9" creationId="{9051F319-6F8B-9D5B-1A99-956AB5D8A256}"/>
+          </ac:spMkLst>
+        </pc:spChg>
+        <pc:spChg chg="add del mod">
+          <ac:chgData name="Simon RS" userId="8de322db93951f0c" providerId="LiveId" clId="{0507498E-1D07-41D9-B256-FCD9EDCAF411}" dt="2022-10-19T08:55:23.430" v="1166" actId="478"/>
+          <ac:spMkLst>
+            <pc:docMk/>
+            <pc:sldMk cId="0" sldId="269"/>
+            <ac:spMk id="11" creationId="{CB8EE9D2-9174-35B7-50CB-5262E1C9558B}"/>
+          </ac:spMkLst>
+        </pc:spChg>
+        <pc:spChg chg="mod">
+          <ac:chgData name="Simon RS" userId="8de322db93951f0c" providerId="LiveId" clId="{0507498E-1D07-41D9-B256-FCD9EDCAF411}" dt="2022-10-19T08:56:51.330" v="1175"/>
+          <ac:spMkLst>
+            <pc:docMk/>
+            <pc:sldMk cId="0" sldId="269"/>
+            <ac:spMk id="13" creationId="{C05B8145-7CCF-6137-E7FA-0C44A5D9193F}"/>
+          </ac:spMkLst>
+        </pc:spChg>
+        <pc:spChg chg="mod">
+          <ac:chgData name="Simon RS" userId="8de322db93951f0c" providerId="LiveId" clId="{0507498E-1D07-41D9-B256-FCD9EDCAF411}" dt="2022-10-19T08:56:51.330" v="1175"/>
+          <ac:spMkLst>
+            <pc:docMk/>
+            <pc:sldMk cId="0" sldId="269"/>
+            <ac:spMk id="14" creationId="{23815BE2-8A63-7178-A2BF-BAB5362F643B}"/>
+          </ac:spMkLst>
+        </pc:spChg>
+        <pc:spChg chg="mod">
+          <ac:chgData name="Simon RS" userId="8de322db93951f0c" providerId="LiveId" clId="{0507498E-1D07-41D9-B256-FCD9EDCAF411}" dt="2022-10-19T08:56:51.330" v="1175"/>
+          <ac:spMkLst>
+            <pc:docMk/>
+            <pc:sldMk cId="0" sldId="269"/>
+            <ac:spMk id="15" creationId="{1AD97EC7-8FD9-178B-19E7-E8152743D410}"/>
+          </ac:spMkLst>
+        </pc:spChg>
+        <pc:spChg chg="mod">
+          <ac:chgData name="Simon RS" userId="8de322db93951f0c" providerId="LiveId" clId="{0507498E-1D07-41D9-B256-FCD9EDCAF411}" dt="2022-10-19T08:56:51.330" v="1175"/>
+          <ac:spMkLst>
+            <pc:docMk/>
+            <pc:sldMk cId="0" sldId="269"/>
+            <ac:spMk id="16" creationId="{26CCFA25-CC40-AB20-FD89-D7EE06AEE723}"/>
+          </ac:spMkLst>
+        </pc:spChg>
+        <pc:spChg chg="mod">
+          <ac:chgData name="Simon RS" userId="8de322db93951f0c" providerId="LiveId" clId="{0507498E-1D07-41D9-B256-FCD9EDCAF411}" dt="2022-10-19T08:56:51.330" v="1175"/>
+          <ac:spMkLst>
+            <pc:docMk/>
+            <pc:sldMk cId="0" sldId="269"/>
+            <ac:spMk id="17" creationId="{6303A990-7506-CD29-61D7-9049946DDDF6}"/>
+          </ac:spMkLst>
+        </pc:spChg>
+        <pc:spChg chg="mod">
+          <ac:chgData name="Simon RS" userId="8de322db93951f0c" providerId="LiveId" clId="{0507498E-1D07-41D9-B256-FCD9EDCAF411}" dt="2022-10-19T08:56:51.330" v="1175"/>
+          <ac:spMkLst>
+            <pc:docMk/>
+            <pc:sldMk cId="0" sldId="269"/>
+            <ac:spMk id="18" creationId="{89D9BBDB-AA28-A738-E5C8-EC3DC6A058B3}"/>
+          </ac:spMkLst>
+        </pc:spChg>
+        <pc:spChg chg="mod">
+          <ac:chgData name="Simon RS" userId="8de322db93951f0c" providerId="LiveId" clId="{0507498E-1D07-41D9-B256-FCD9EDCAF411}" dt="2022-10-19T08:56:51.330" v="1175"/>
+          <ac:spMkLst>
+            <pc:docMk/>
+            <pc:sldMk cId="0" sldId="269"/>
+            <ac:spMk id="19" creationId="{B13870AD-79C9-3907-64F6-D7C4926CB7C3}"/>
+          </ac:spMkLst>
+        </pc:spChg>
+        <pc:spChg chg="mod">
+          <ac:chgData name="Simon RS" userId="8de322db93951f0c" providerId="LiveId" clId="{0507498E-1D07-41D9-B256-FCD9EDCAF411}" dt="2022-10-19T08:56:51.330" v="1175"/>
+          <ac:spMkLst>
+            <pc:docMk/>
+            <pc:sldMk cId="0" sldId="269"/>
+            <ac:spMk id="20" creationId="{02B2F837-624D-1716-BEF8-93F44884938C}"/>
+          </ac:spMkLst>
+        </pc:spChg>
+        <pc:spChg chg="mod">
+          <ac:chgData name="Simon RS" userId="8de322db93951f0c" providerId="LiveId" clId="{0507498E-1D07-41D9-B256-FCD9EDCAF411}" dt="2022-10-19T08:55:36.171" v="1173" actId="20577"/>
+          <ac:spMkLst>
+            <pc:docMk/>
+            <pc:sldMk cId="0" sldId="269"/>
+            <ac:spMk id="624" creationId="{00000000-0000-0000-0000-000000000000}"/>
+          </ac:spMkLst>
+        </pc:spChg>
+        <pc:spChg chg="del">
+          <ac:chgData name="Simon RS" userId="8de322db93951f0c" providerId="LiveId" clId="{0507498E-1D07-41D9-B256-FCD9EDCAF411}" dt="2022-10-19T08:55:21.102" v="1165" actId="478"/>
+          <ac:spMkLst>
+            <pc:docMk/>
+            <pc:sldMk cId="0" sldId="269"/>
+            <ac:spMk id="625" creationId="{00000000-0000-0000-0000-000000000000}"/>
+          </ac:spMkLst>
+        </pc:spChg>
+        <pc:spChg chg="del">
+          <ac:chgData name="Simon RS" userId="8de322db93951f0c" providerId="LiveId" clId="{0507498E-1D07-41D9-B256-FCD9EDCAF411}" dt="2022-10-19T08:53:25.390" v="1156" actId="478"/>
+          <ac:spMkLst>
+            <pc:docMk/>
+            <pc:sldMk cId="0" sldId="269"/>
+            <ac:spMk id="626" creationId="{00000000-0000-0000-0000-000000000000}"/>
+          </ac:spMkLst>
+        </pc:spChg>
+        <pc:spChg chg="add del mod">
+          <ac:chgData name="Simon RS" userId="8de322db93951f0c" providerId="LiveId" clId="{0507498E-1D07-41D9-B256-FCD9EDCAF411}" dt="2022-10-19T08:55:31.673" v="1167" actId="1076"/>
+          <ac:spMkLst>
+            <pc:docMk/>
+            <pc:sldMk cId="0" sldId="269"/>
+            <ac:spMk id="627" creationId="{00000000-0000-0000-0000-000000000000}"/>
+          </ac:spMkLst>
+        </pc:spChg>
+        <pc:grpChg chg="add mod">
+          <ac:chgData name="Simon RS" userId="8de322db93951f0c" providerId="LiveId" clId="{0507498E-1D07-41D9-B256-FCD9EDCAF411}" dt="2022-10-19T08:57:01.456" v="1176" actId="1076"/>
+          <ac:grpSpMkLst>
+            <pc:docMk/>
+            <pc:sldMk cId="0" sldId="269"/>
+            <ac:grpSpMk id="12" creationId="{969F4742-032A-10E4-FDFD-F83468D803A0}"/>
+          </ac:grpSpMkLst>
+        </pc:grpChg>
+        <pc:grpChg chg="del">
+          <ac:chgData name="Simon RS" userId="8de322db93951f0c" providerId="LiveId" clId="{0507498E-1D07-41D9-B256-FCD9EDCAF411}" dt="2022-10-19T08:52:50.674" v="1153" actId="478"/>
+          <ac:grpSpMkLst>
+            <pc:docMk/>
+            <pc:sldMk cId="0" sldId="269"/>
+            <ac:grpSpMk id="631" creationId="{00000000-0000-0000-0000-000000000000}"/>
+          </ac:grpSpMkLst>
+        </pc:grpChg>
+      </pc:sldChg>
+      <pc:sldChg chg="del">
+        <pc:chgData name="Simon RS" userId="8de322db93951f0c" providerId="LiveId" clId="{0507498E-1D07-41D9-B256-FCD9EDCAF411}" dt="2022-10-18T13:01:20.756" v="564" actId="47"/>
+        <pc:sldMkLst>
+          <pc:docMk/>
+          <pc:sldMk cId="0" sldId="274"/>
+        </pc:sldMkLst>
+      </pc:sldChg>
+      <pc:sldChg chg="delSp mod">
+        <pc:chgData name="Simon RS" userId="8de322db93951f0c" providerId="LiveId" clId="{0507498E-1D07-41D9-B256-FCD9EDCAF411}" dt="2022-10-18T13:01:55.652" v="565" actId="478"/>
+        <pc:sldMkLst>
+          <pc:docMk/>
+          <pc:sldMk cId="3961476141" sldId="302"/>
+        </pc:sldMkLst>
+        <pc:spChg chg="del">
+          <ac:chgData name="Simon RS" userId="8de322db93951f0c" providerId="LiveId" clId="{0507498E-1D07-41D9-B256-FCD9EDCAF411}" dt="2022-10-18T13:01:55.652" v="565" actId="478"/>
+          <ac:spMkLst>
+            <pc:docMk/>
+            <pc:sldMk cId="3961476141" sldId="302"/>
+            <ac:spMk id="2" creationId="{DD316B7F-C354-4863-48F9-0FF9FA33BFF4}"/>
+          </ac:spMkLst>
+        </pc:spChg>
+      </pc:sldChg>
+      <pc:sldChg chg="addSp modSp mod">
+        <pc:chgData name="Simon RS" userId="8de322db93951f0c" providerId="LiveId" clId="{0507498E-1D07-41D9-B256-FCD9EDCAF411}" dt="2022-10-18T11:33:32.611" v="429" actId="20577"/>
+        <pc:sldMkLst>
+          <pc:docMk/>
+          <pc:sldMk cId="2365727251" sldId="310"/>
+        </pc:sldMkLst>
+        <pc:spChg chg="add mod">
+          <ac:chgData name="Simon RS" userId="8de322db93951f0c" providerId="LiveId" clId="{0507498E-1D07-41D9-B256-FCD9EDCAF411}" dt="2022-10-18T11:33:32.611" v="429" actId="20577"/>
+          <ac:spMkLst>
+            <pc:docMk/>
+            <pc:sldMk cId="2365727251" sldId="310"/>
+            <ac:spMk id="2" creationId="{D89F6692-3192-B81A-B327-9CA136ED15E6}"/>
+          </ac:spMkLst>
+        </pc:spChg>
+        <pc:spChg chg="mod">
+          <ac:chgData name="Simon RS" userId="8de322db93951f0c" providerId="LiveId" clId="{0507498E-1D07-41D9-B256-FCD9EDCAF411}" dt="2022-10-18T11:30:46.587" v="360" actId="1076"/>
+          <ac:spMkLst>
+            <pc:docMk/>
+            <pc:sldMk cId="2365727251" sldId="310"/>
+            <ac:spMk id="3" creationId="{1AD93070-F4B8-7362-535B-1C8C70814DD0}"/>
+          </ac:spMkLst>
+        </pc:spChg>
+        <pc:graphicFrameChg chg="mod">
+          <ac:chgData name="Simon RS" userId="8de322db93951f0c" providerId="LiveId" clId="{0507498E-1D07-41D9-B256-FCD9EDCAF411}" dt="2022-10-18T11:30:41.173" v="359"/>
+          <ac:graphicFrameMkLst>
+            <pc:docMk/>
+            <pc:sldMk cId="2365727251" sldId="310"/>
+            <ac:graphicFrameMk id="4" creationId="{982DF0DF-1218-BBB5-01DE-0E2E7FD26EED}"/>
+          </ac:graphicFrameMkLst>
+        </pc:graphicFrameChg>
+      </pc:sldChg>
+      <pc:sldChg chg="addSp delSp modSp">
+        <pc:chgData name="Simon RS" userId="8de322db93951f0c" providerId="LiveId" clId="{0507498E-1D07-41D9-B256-FCD9EDCAF411}" dt="2022-10-18T11:02:07.075" v="3" actId="478"/>
+        <pc:sldMkLst>
+          <pc:docMk/>
+          <pc:sldMk cId="294008370" sldId="314"/>
+        </pc:sldMkLst>
+        <pc:picChg chg="add del mod">
+          <ac:chgData name="Simon RS" userId="8de322db93951f0c" providerId="LiveId" clId="{0507498E-1D07-41D9-B256-FCD9EDCAF411}" dt="2022-10-18T11:02:07.075" v="3" actId="478"/>
+          <ac:picMkLst>
+            <pc:docMk/>
+            <pc:sldMk cId="294008370" sldId="314"/>
+            <ac:picMk id="1026" creationId="{A58913E2-1C08-9909-699C-50A8F7050FC9}"/>
+          </ac:picMkLst>
+        </pc:picChg>
+      </pc:sldChg>
+      <pc:sldChg chg="addSp modSp mod">
+        <pc:chgData name="Simon RS" userId="8de322db93951f0c" providerId="LiveId" clId="{0507498E-1D07-41D9-B256-FCD9EDCAF411}" dt="2022-10-18T12:37:24.719" v="525" actId="313"/>
+        <pc:sldMkLst>
+          <pc:docMk/>
+          <pc:sldMk cId="1588736127" sldId="317"/>
+        </pc:sldMkLst>
+        <pc:spChg chg="mod">
+          <ac:chgData name="Simon RS" userId="8de322db93951f0c" providerId="LiveId" clId="{0507498E-1D07-41D9-B256-FCD9EDCAF411}" dt="2022-10-18T12:37:24.719" v="525" actId="313"/>
+          <ac:spMkLst>
+            <pc:docMk/>
+            <pc:sldMk cId="1588736127" sldId="317"/>
+            <ac:spMk id="2" creationId="{10CD2168-6997-0D9F-51A4-3C3012A49142}"/>
+          </ac:spMkLst>
+        </pc:spChg>
+        <pc:spChg chg="mod">
+          <ac:chgData name="Simon RS" userId="8de322db93951f0c" providerId="LiveId" clId="{0507498E-1D07-41D9-B256-FCD9EDCAF411}" dt="2022-10-18T11:59:41.340" v="465" actId="14100"/>
+          <ac:spMkLst>
+            <pc:docMk/>
+            <pc:sldMk cId="1588736127" sldId="317"/>
+            <ac:spMk id="3" creationId="{D54E37F2-22AE-CAAF-F379-706B60C27C91}"/>
+          </ac:spMkLst>
+        </pc:spChg>
+        <pc:spChg chg="add mod">
+          <ac:chgData name="Simon RS" userId="8de322db93951f0c" providerId="LiveId" clId="{0507498E-1D07-41D9-B256-FCD9EDCAF411}" dt="2022-10-18T12:00:42.882" v="524" actId="20577"/>
+          <ac:spMkLst>
+            <pc:docMk/>
+            <pc:sldMk cId="1588736127" sldId="317"/>
+            <ac:spMk id="4" creationId="{5A10A224-1290-52F3-479F-7466721FFD47}"/>
+          </ac:spMkLst>
+        </pc:spChg>
+      </pc:sldChg>
+      <pc:sldChg chg="addSp delSp modSp new mod">
+        <pc:chgData name="Simon RS" userId="8de322db93951f0c" providerId="LiveId" clId="{0507498E-1D07-41D9-B256-FCD9EDCAF411}" dt="2022-10-18T11:23:42.387" v="327" actId="14100"/>
+        <pc:sldMkLst>
+          <pc:docMk/>
+          <pc:sldMk cId="3820652759" sldId="319"/>
+        </pc:sldMkLst>
+        <pc:spChg chg="mod">
+          <ac:chgData name="Simon RS" userId="8de322db93951f0c" providerId="LiveId" clId="{0507498E-1D07-41D9-B256-FCD9EDCAF411}" dt="2022-10-18T11:23:42.387" v="327" actId="14100"/>
+          <ac:spMkLst>
+            <pc:docMk/>
+            <pc:sldMk cId="3820652759" sldId="319"/>
+            <ac:spMk id="2" creationId="{B3863E5E-DA4B-7C56-B1E5-8D03C321388F}"/>
+          </ac:spMkLst>
+        </pc:spChg>
+        <pc:spChg chg="add del mod">
+          <ac:chgData name="Simon RS" userId="8de322db93951f0c" providerId="LiveId" clId="{0507498E-1D07-41D9-B256-FCD9EDCAF411}" dt="2022-10-18T11:19:42.875" v="235" actId="115"/>
+          <ac:spMkLst>
+            <pc:docMk/>
+            <pc:sldMk cId="3820652759" sldId="319"/>
+            <ac:spMk id="3" creationId="{DE09689E-0EA4-C146-B510-127165DD2AF3}"/>
+          </ac:spMkLst>
+        </pc:spChg>
+        <pc:spChg chg="add mod">
+          <ac:chgData name="Simon RS" userId="8de322db93951f0c" providerId="LiveId" clId="{0507498E-1D07-41D9-B256-FCD9EDCAF411}" dt="2022-10-18T11:23:19.122" v="326" actId="6549"/>
+          <ac:spMkLst>
+            <pc:docMk/>
+            <pc:sldMk cId="3820652759" sldId="319"/>
+            <ac:spMk id="4" creationId="{97C2CEC9-3931-3539-7F5E-BCC268820DD1}"/>
+          </ac:spMkLst>
+        </pc:spChg>
+        <pc:picChg chg="add del mod">
+          <ac:chgData name="Simon RS" userId="8de322db93951f0c" providerId="LiveId" clId="{0507498E-1D07-41D9-B256-FCD9EDCAF411}" dt="2022-10-18T11:03:14.562" v="21"/>
+          <ac:picMkLst>
+            <pc:docMk/>
+            <pc:sldMk cId="3820652759" sldId="319"/>
+            <ac:picMk id="2050" creationId="{1301B265-352C-D61E-0607-9379B6B7B0ED}"/>
+          </ac:picMkLst>
+        </pc:picChg>
+      </pc:sldChg>
+      <pc:sldChg chg="modSp new mod">
+        <pc:chgData name="Simon RS" userId="8de322db93951f0c" providerId="LiveId" clId="{0507498E-1D07-41D9-B256-FCD9EDCAF411}" dt="2022-10-18T13:02:18.158" v="568" actId="20577"/>
+        <pc:sldMkLst>
+          <pc:docMk/>
+          <pc:sldMk cId="426925579" sldId="320"/>
+        </pc:sldMkLst>
+        <pc:spChg chg="mod">
+          <ac:chgData name="Simon RS" userId="8de322db93951f0c" providerId="LiveId" clId="{0507498E-1D07-41D9-B256-FCD9EDCAF411}" dt="2022-10-18T13:02:18.158" v="568" actId="20577"/>
+          <ac:spMkLst>
+            <pc:docMk/>
+            <pc:sldMk cId="426925579" sldId="320"/>
+            <ac:spMk id="2" creationId="{1BE02226-439F-D467-1AA2-952CC48EB5C4}"/>
+          </ac:spMkLst>
+        </pc:spChg>
+      </pc:sldChg>
+      <pc:sldChg chg="new del">
+        <pc:chgData name="Simon RS" userId="8de322db93951f0c" providerId="LiveId" clId="{0507498E-1D07-41D9-B256-FCD9EDCAF411}" dt="2022-10-18T11:59:24.407" v="461" actId="47"/>
+        <pc:sldMkLst>
+          <pc:docMk/>
+          <pc:sldMk cId="1656865632" sldId="320"/>
+        </pc:sldMkLst>
+      </pc:sldChg>
+      <pc:sldChg chg="addSp delSp modSp new mod">
+        <pc:chgData name="Simon RS" userId="8de322db93951f0c" providerId="LiveId" clId="{0507498E-1D07-41D9-B256-FCD9EDCAF411}" dt="2022-10-18T13:05:04.078" v="650" actId="1076"/>
+        <pc:sldMkLst>
+          <pc:docMk/>
+          <pc:sldMk cId="1280412472" sldId="321"/>
+        </pc:sldMkLst>
+        <pc:spChg chg="mod">
+          <ac:chgData name="Simon RS" userId="8de322db93951f0c" providerId="LiveId" clId="{0507498E-1D07-41D9-B256-FCD9EDCAF411}" dt="2022-10-18T13:05:04.078" v="650" actId="1076"/>
+          <ac:spMkLst>
+            <pc:docMk/>
+            <pc:sldMk cId="1280412472" sldId="321"/>
+            <ac:spMk id="2" creationId="{E9DB7102-9457-C989-4A24-771A5A6C304F}"/>
+          </ac:spMkLst>
+        </pc:spChg>
+        <pc:spChg chg="del">
+          <ac:chgData name="Simon RS" userId="8de322db93951f0c" providerId="LiveId" clId="{0507498E-1D07-41D9-B256-FCD9EDCAF411}" dt="2022-10-18T13:03:57.060" v="620" actId="478"/>
+          <ac:spMkLst>
+            <pc:docMk/>
+            <pc:sldMk cId="1280412472" sldId="321"/>
+            <ac:spMk id="3" creationId="{E13154EA-117A-B802-0151-D865BB01D3AF}"/>
+          </ac:spMkLst>
+        </pc:spChg>
+        <pc:spChg chg="add del mod">
+          <ac:chgData name="Simon RS" userId="8de322db93951f0c" providerId="LiveId" clId="{0507498E-1D07-41D9-B256-FCD9EDCAF411}" dt="2022-10-18T13:04:48.430" v="645" actId="1076"/>
+          <ac:spMkLst>
+            <pc:docMk/>
+            <pc:sldMk cId="1280412472" sldId="321"/>
+            <ac:spMk id="4" creationId="{39BEB1E8-0E0A-CA3D-D379-91DA996DF3A2}"/>
+          </ac:spMkLst>
+        </pc:spChg>
+      </pc:sldChg>
+      <pc:sldChg chg="addSp delSp modSp new mod modClrScheme chgLayout modNotesTx">
+        <pc:chgData name="Simon RS" userId="8de322db93951f0c" providerId="LiveId" clId="{0507498E-1D07-41D9-B256-FCD9EDCAF411}" dt="2022-10-18T13:22:39.658" v="1150" actId="20577"/>
+        <pc:sldMkLst>
+          <pc:docMk/>
+          <pc:sldMk cId="1214710852" sldId="322"/>
+        </pc:sldMkLst>
+        <pc:spChg chg="mod ord">
+          <ac:chgData name="Simon RS" userId="8de322db93951f0c" providerId="LiveId" clId="{0507498E-1D07-41D9-B256-FCD9EDCAF411}" dt="2022-10-18T13:05:54.355" v="688" actId="700"/>
+          <ac:spMkLst>
+            <pc:docMk/>
+            <pc:sldMk cId="1214710852" sldId="322"/>
+            <ac:spMk id="2" creationId="{F3DD32B3-174F-52C9-5943-042730B2AEEE}"/>
+          </ac:spMkLst>
+        </pc:spChg>
+        <pc:spChg chg="del">
+          <ac:chgData name="Simon RS" userId="8de322db93951f0c" providerId="LiveId" clId="{0507498E-1D07-41D9-B256-FCD9EDCAF411}" dt="2022-10-18T13:05:54.355" v="688" actId="700"/>
+          <ac:spMkLst>
+            <pc:docMk/>
+            <pc:sldMk cId="1214710852" sldId="322"/>
+            <ac:spMk id="3" creationId="{0B194EDE-2C75-0A5C-4C4A-E78329BD6F6A}"/>
+          </ac:spMkLst>
+        </pc:spChg>
+        <pc:spChg chg="del mod ord">
+          <ac:chgData name="Simon RS" userId="8de322db93951f0c" providerId="LiveId" clId="{0507498E-1D07-41D9-B256-FCD9EDCAF411}" dt="2022-10-18T13:05:54.355" v="688" actId="700"/>
+          <ac:spMkLst>
+            <pc:docMk/>
+            <pc:sldMk cId="1214710852" sldId="322"/>
+            <ac:spMk id="4" creationId="{C882CE60-E7B7-797C-F9FE-9EF6A2307F06}"/>
+          </ac:spMkLst>
+        </pc:spChg>
+        <pc:spChg chg="del">
+          <ac:chgData name="Simon RS" userId="8de322db93951f0c" providerId="LiveId" clId="{0507498E-1D07-41D9-B256-FCD9EDCAF411}" dt="2022-10-18T13:05:54.355" v="688" actId="700"/>
+          <ac:spMkLst>
+            <pc:docMk/>
+            <pc:sldMk cId="1214710852" sldId="322"/>
+            <ac:spMk id="5" creationId="{6C725C84-BCD5-BA7D-0445-549D9F8E0DE1}"/>
+          </ac:spMkLst>
+        </pc:spChg>
+        <pc:spChg chg="del">
+          <ac:chgData name="Simon RS" userId="8de322db93951f0c" providerId="LiveId" clId="{0507498E-1D07-41D9-B256-FCD9EDCAF411}" dt="2022-10-18T13:05:54.355" v="688" actId="700"/>
+          <ac:spMkLst>
+            <pc:docMk/>
+            <pc:sldMk cId="1214710852" sldId="322"/>
+            <ac:spMk id="6" creationId="{442DE882-9791-1449-0420-ED01511BCB55}"/>
+          </ac:spMkLst>
+        </pc:spChg>
+        <pc:spChg chg="add mod ord">
+          <ac:chgData name="Simon RS" userId="8de322db93951f0c" providerId="LiveId" clId="{0507498E-1D07-41D9-B256-FCD9EDCAF411}" dt="2022-10-18T13:20:25.482" v="1019" actId="20577"/>
+          <ac:spMkLst>
+            <pc:docMk/>
+            <pc:sldMk cId="1214710852" sldId="322"/>
+            <ac:spMk id="7" creationId="{22A8EDB7-AE2D-2FE5-41BB-965B1B7F271D}"/>
+          </ac:spMkLst>
+        </pc:spChg>
+        <pc:picChg chg="add mod modCrop">
+          <ac:chgData name="Simon RS" userId="8de322db93951f0c" providerId="LiveId" clId="{0507498E-1D07-41D9-B256-FCD9EDCAF411}" dt="2022-10-18T13:13:27.629" v="811" actId="1076"/>
+          <ac:picMkLst>
+            <pc:docMk/>
+            <pc:sldMk cId="1214710852" sldId="322"/>
+            <ac:picMk id="9" creationId="{82657900-F99C-A5E1-A0DE-FDBDD17B7EB8}"/>
+          </ac:picMkLst>
+        </pc:picChg>
+      </pc:sldChg>
+      <pc:sldChg chg="modSp new mod">
+        <pc:chgData name="Simon RS" userId="8de322db93951f0c" providerId="LiveId" clId="{0507498E-1D07-41D9-B256-FCD9EDCAF411}" dt="2022-10-18T13:21:31.094" v="1062" actId="20577"/>
+        <pc:sldMkLst>
+          <pc:docMk/>
+          <pc:sldMk cId="3211226818" sldId="323"/>
+        </pc:sldMkLst>
+        <pc:spChg chg="mod">
+          <ac:chgData name="Simon RS" userId="8de322db93951f0c" providerId="LiveId" clId="{0507498E-1D07-41D9-B256-FCD9EDCAF411}" dt="2022-10-18T13:21:21.127" v="1043" actId="14100"/>
+          <ac:spMkLst>
+            <pc:docMk/>
+            <pc:sldMk cId="3211226818" sldId="323"/>
+            <ac:spMk id="2" creationId="{4ED3E4F5-4F1B-80E7-A439-B698C0489AFD}"/>
+          </ac:spMkLst>
+        </pc:spChg>
+        <pc:spChg chg="mod">
+          <ac:chgData name="Simon RS" userId="8de322db93951f0c" providerId="LiveId" clId="{0507498E-1D07-41D9-B256-FCD9EDCAF411}" dt="2022-10-18T13:21:31.094" v="1062" actId="20577"/>
+          <ac:spMkLst>
+            <pc:docMk/>
+            <pc:sldMk cId="3211226818" sldId="323"/>
+            <ac:spMk id="3" creationId="{54196253-66F6-2468-5CCD-E93FEA091BEB}"/>
+          </ac:spMkLst>
+        </pc:spChg>
+      </pc:sldChg>
+      <pc:sldMasterChg chg="delSldLayout">
+        <pc:chgData name="Simon RS" userId="8de322db93951f0c" providerId="LiveId" clId="{0507498E-1D07-41D9-B256-FCD9EDCAF411}" dt="2022-10-18T13:01:20.756" v="564" actId="47"/>
+        <pc:sldMasterMkLst>
+          <pc:docMk/>
+          <pc:sldMasterMk cId="0" sldId="2147483674"/>
+        </pc:sldMasterMkLst>
+        <pc:sldLayoutChg chg="del">
+          <pc:chgData name="Simon RS" userId="8de322db93951f0c" providerId="LiveId" clId="{0507498E-1D07-41D9-B256-FCD9EDCAF411}" dt="2022-10-18T13:01:20.756" v="564" actId="47"/>
+          <pc:sldLayoutMkLst>
+            <pc:docMk/>
+            <pc:sldMasterMk cId="0" sldId="2147483674"/>
+            <pc:sldLayoutMk cId="0" sldId="2147483657"/>
+          </pc:sldLayoutMkLst>
+        </pc:sldLayoutChg>
+      </pc:sldMasterChg>
     </pc:docChg>
   </pc:docChgLst>
 </pc:chgInfo>
@@ -2039,6 +2542,14 @@
           </a:p>
         </c:rich>
       </c:tx>
+      <c:layout>
+        <c:manualLayout>
+          <c:xMode val="edge"/>
+          <c:yMode val="edge"/>
+          <c:x val="0.21703441399434009"/>
+          <c:y val="1.5625E-2"/>
+        </c:manualLayout>
+      </c:layout>
       <c:overlay val="0"/>
       <c:spPr>
         <a:noFill/>
@@ -6164,6 +6675,75 @@
 </file>
 
 <file path=ppt/notesSlides/notesSlide2.xml><?xml version="1.0" encoding="utf-8"?>
+<p:notes xmlns:a="http://schemas.openxmlformats.org/drawingml/2006/main" xmlns:r="http://schemas.openxmlformats.org/officeDocument/2006/relationships" xmlns:p="http://schemas.openxmlformats.org/presentationml/2006/main">
+  <p:cSld>
+    <p:spTree>
+      <p:nvGrpSpPr>
+        <p:cNvPr id="1" name=""/>
+        <p:cNvGrpSpPr/>
+        <p:nvPr/>
+      </p:nvGrpSpPr>
+      <p:grpSpPr>
+        <a:xfrm>
+          <a:off x="0" y="0"/>
+          <a:ext cx="0" cy="0"/>
+          <a:chOff x="0" y="0"/>
+          <a:chExt cx="0" cy="0"/>
+        </a:xfrm>
+      </p:grpSpPr>
+      <p:sp>
+        <p:nvSpPr>
+          <p:cNvPr id="2" name="Folienbildplatzhalter 1"/>
+          <p:cNvSpPr>
+            <a:spLocks noGrp="1" noRot="1" noChangeAspect="1"/>
+          </p:cNvSpPr>
+          <p:nvPr>
+            <p:ph type="sldImg"/>
+          </p:nvPr>
+        </p:nvSpPr>
+        <p:spPr>
+          <a:xfrm>
+            <a:off x="381000" y="685800"/>
+            <a:ext cx="6096000" cy="3429000"/>
+          </a:xfrm>
+        </p:spPr>
+      </p:sp>
+      <p:sp>
+        <p:nvSpPr>
+          <p:cNvPr id="3" name="Notizenplatzhalter 2"/>
+          <p:cNvSpPr>
+            <a:spLocks noGrp="1"/>
+          </p:cNvSpPr>
+          <p:nvPr>
+            <p:ph type="body" idx="1"/>
+          </p:nvPr>
+        </p:nvSpPr>
+        <p:spPr/>
+        <p:txBody>
+          <a:bodyPr/>
+          <a:lstStyle/>
+          <a:p>
+            <a:pPr marL="158750" indent="0">
+              <a:buNone/>
+            </a:pPr>
+            <a:endParaRPr lang="de-AT" dirty="0"/>
+          </a:p>
+        </p:txBody>
+      </p:sp>
+    </p:spTree>
+    <p:extLst>
+      <p:ext uri="{BB962C8B-B14F-4D97-AF65-F5344CB8AC3E}">
+        <p14:creationId xmlns:p14="http://schemas.microsoft.com/office/powerpoint/2010/main" val="4242792328"/>
+      </p:ext>
+    </p:extLst>
+  </p:cSld>
+  <p:clrMapOvr>
+    <a:masterClrMapping/>
+  </p:clrMapOvr>
+</p:notes>
+</file>
+
+<file path=ppt/notesSlides/notesSlide3.xml><?xml version="1.0" encoding="utf-8"?>
 <p:notes xmlns:a="http://schemas.openxmlformats.org/drawingml/2006/main" xmlns:r="http://schemas.openxmlformats.org/officeDocument/2006/relationships" xmlns:p="http://schemas.openxmlformats.org/presentationml/2006/main" showMasterSp="0" showMasterPhAnim="0">
   <p:cSld>
     <p:spTree>
@@ -6255,7 +6835,11 @@
               </a:spcAft>
               <a:buNone/>
             </a:pPr>
-            <a:endParaRPr/>
+            <a:r>
+              <a:rPr lang="de-AT" dirty="0"/>
+              <a:t>Vision – Mission - Leitbild</a:t>
+            </a:r>
+            <a:endParaRPr dirty="0"/>
           </a:p>
         </p:txBody>
       </p:sp>
@@ -6267,7 +6851,7 @@
 </p:notes>
 </file>
 
-<file path=ppt/notesSlides/notesSlide3.xml><?xml version="1.0" encoding="utf-8"?>
+<file path=ppt/notesSlides/notesSlide4.xml><?xml version="1.0" encoding="utf-8"?>
 <p:notes xmlns:a="http://schemas.openxmlformats.org/drawingml/2006/main" xmlns:r="http://schemas.openxmlformats.org/officeDocument/2006/relationships" xmlns:p="http://schemas.openxmlformats.org/presentationml/2006/main" showMasterSp="0" showMasterPhAnim="0">
   <p:cSld>
     <p:spTree>
@@ -6328,110 +6912,6 @@
       <p:sp>
         <p:nvSpPr>
           <p:cNvPr id="394" name="Google Shape;394;g11bc263f502_0_2826:notes"/>
-          <p:cNvSpPr txBox="1">
-            <a:spLocks noGrp="1"/>
-          </p:cNvSpPr>
-          <p:nvPr>
-            <p:ph type="body" idx="1"/>
-          </p:nvPr>
-        </p:nvSpPr>
-        <p:spPr>
-          <a:xfrm>
-            <a:off x="685800" y="4343400"/>
-            <a:ext cx="5486400" cy="4114800"/>
-          </a:xfrm>
-          <a:prstGeom prst="rect">
-            <a:avLst/>
-          </a:prstGeom>
-        </p:spPr>
-        <p:txBody>
-          <a:bodyPr spcFirstLastPara="1" wrap="square" lIns="91425" tIns="91425" rIns="91425" bIns="91425" anchor="t" anchorCtr="0">
-            <a:noAutofit/>
-          </a:bodyPr>
-          <a:lstStyle/>
-          <a:p>
-            <a:pPr marL="0" lvl="0" indent="0" algn="l" rtl="0">
-              <a:spcBef>
-                <a:spcPts val="0"/>
-              </a:spcBef>
-              <a:spcAft>
-                <a:spcPts val="0"/>
-              </a:spcAft>
-              <a:buNone/>
-            </a:pPr>
-            <a:endParaRPr/>
-          </a:p>
-        </p:txBody>
-      </p:sp>
-    </p:spTree>
-  </p:cSld>
-  <p:clrMapOvr>
-    <a:masterClrMapping/>
-  </p:clrMapOvr>
-</p:notes>
-</file>
-
-<file path=ppt/notesSlides/notesSlide4.xml><?xml version="1.0" encoding="utf-8"?>
-<p:notes xmlns:a="http://schemas.openxmlformats.org/drawingml/2006/main" xmlns:r="http://schemas.openxmlformats.org/officeDocument/2006/relationships" xmlns:p="http://schemas.openxmlformats.org/presentationml/2006/main" showMasterSp="0" showMasterPhAnim="0">
-  <p:cSld>
-    <p:spTree>
-      <p:nvGrpSpPr>
-        <p:cNvPr id="1" name="Shape 753"/>
-        <p:cNvGrpSpPr/>
-        <p:nvPr/>
-      </p:nvGrpSpPr>
-      <p:grpSpPr>
-        <a:xfrm>
-          <a:off x="0" y="0"/>
-          <a:ext cx="0" cy="0"/>
-          <a:chOff x="0" y="0"/>
-          <a:chExt cx="0" cy="0"/>
-        </a:xfrm>
-      </p:grpSpPr>
-      <p:sp>
-        <p:nvSpPr>
-          <p:cNvPr id="754" name="Google Shape;754;g11bc263f502_0_2680:notes"/>
-          <p:cNvSpPr>
-            <a:spLocks noGrp="1" noRot="1" noChangeAspect="1"/>
-          </p:cNvSpPr>
-          <p:nvPr>
-            <p:ph type="sldImg" idx="2"/>
-          </p:nvPr>
-        </p:nvSpPr>
-        <p:spPr>
-          <a:xfrm>
-            <a:off x="381000" y="685800"/>
-            <a:ext cx="6096000" cy="3429000"/>
-          </a:xfrm>
-          <a:custGeom>
-            <a:avLst/>
-            <a:gdLst/>
-            <a:ahLst/>
-            <a:cxnLst/>
-            <a:rect l="l" t="t" r="r" b="b"/>
-            <a:pathLst>
-              <a:path w="120000" h="120000" extrusionOk="0">
-                <a:moveTo>
-                  <a:pt x="0" y="0"/>
-                </a:moveTo>
-                <a:lnTo>
-                  <a:pt x="120000" y="0"/>
-                </a:lnTo>
-                <a:lnTo>
-                  <a:pt x="120000" y="120000"/>
-                </a:lnTo>
-                <a:lnTo>
-                  <a:pt x="0" y="120000"/>
-                </a:lnTo>
-                <a:close/>
-              </a:path>
-            </a:pathLst>
-          </a:custGeom>
-        </p:spPr>
-      </p:sp>
-      <p:sp>
-        <p:nvSpPr>
-          <p:cNvPr id="755" name="Google Shape;755;g11bc263f502_0_2680:notes"/>
           <p:cNvSpPr txBox="1">
             <a:spLocks noGrp="1"/>
           </p:cNvSpPr>
@@ -8807,648 +9287,6 @@
 </file>
 
 <file path=ppt/slideLayouts/slideLayout6.xml><?xml version="1.0" encoding="utf-8"?>
-<p:sldLayout xmlns:a="http://schemas.openxmlformats.org/drawingml/2006/main" xmlns:r="http://schemas.openxmlformats.org/officeDocument/2006/relationships" xmlns:p="http://schemas.openxmlformats.org/presentationml/2006/main" matchingName="Big number">
-  <p:cSld name="BIG_NUMBER">
-    <p:spTree>
-      <p:nvGrpSpPr>
-        <p:cNvPr id="1" name="Shape 70"/>
-        <p:cNvGrpSpPr/>
-        <p:nvPr/>
-      </p:nvGrpSpPr>
-      <p:grpSpPr>
-        <a:xfrm>
-          <a:off x="0" y="0"/>
-          <a:ext cx="0" cy="0"/>
-          <a:chOff x="0" y="0"/>
-          <a:chExt cx="0" cy="0"/>
-        </a:xfrm>
-      </p:grpSpPr>
-      <p:pic>
-        <p:nvPicPr>
-          <p:cNvPr id="71" name="Google Shape;71;p11"/>
-          <p:cNvPicPr preferRelativeResize="0"/>
-          <p:nvPr/>
-        </p:nvPicPr>
-        <p:blipFill>
-          <a:blip r:embed="rId2">
-            <a:alphaModFix/>
-          </a:blip>
-          <a:stretch>
-            <a:fillRect/>
-          </a:stretch>
-        </p:blipFill>
-        <p:spPr>
-          <a:xfrm>
-            <a:off x="0" y="0"/>
-            <a:ext cx="9144000" cy="5143500"/>
-          </a:xfrm>
-          <a:prstGeom prst="rect">
-            <a:avLst/>
-          </a:prstGeom>
-          <a:noFill/>
-          <a:ln>
-            <a:noFill/>
-          </a:ln>
-        </p:spPr>
-      </p:pic>
-      <p:sp>
-        <p:nvSpPr>
-          <p:cNvPr id="72" name="Google Shape;72;p11"/>
-          <p:cNvSpPr txBox="1">
-            <a:spLocks noGrp="1"/>
-          </p:cNvSpPr>
-          <p:nvPr>
-            <p:ph type="title" hasCustomPrompt="1"/>
-          </p:nvPr>
-        </p:nvSpPr>
-        <p:spPr>
-          <a:xfrm>
-            <a:off x="2114575" y="1385675"/>
-            <a:ext cx="4914900" cy="1416000"/>
-          </a:xfrm>
-          <a:prstGeom prst="rect">
-            <a:avLst/>
-          </a:prstGeom>
-        </p:spPr>
-        <p:txBody>
-          <a:bodyPr spcFirstLastPara="1" wrap="square" lIns="91425" tIns="91425" rIns="91425" bIns="91425" anchor="b" anchorCtr="0">
-            <a:noAutofit/>
-          </a:bodyPr>
-          <a:lstStyle>
-            <a:lvl1pPr lvl="0" algn="ctr">
-              <a:spcBef>
-                <a:spcPts val="0"/>
-              </a:spcBef>
-              <a:spcAft>
-                <a:spcPts val="0"/>
-              </a:spcAft>
-              <a:buSzPts val="12000"/>
-              <a:buNone/>
-              <a:defRPr sz="8000"/>
-            </a:lvl1pPr>
-            <a:lvl2pPr lvl="1" algn="ctr">
-              <a:spcBef>
-                <a:spcPts val="0"/>
-              </a:spcBef>
-              <a:spcAft>
-                <a:spcPts val="0"/>
-              </a:spcAft>
-              <a:buSzPts val="12000"/>
-              <a:buNone/>
-              <a:defRPr sz="12000"/>
-            </a:lvl2pPr>
-            <a:lvl3pPr lvl="2" algn="ctr">
-              <a:spcBef>
-                <a:spcPts val="0"/>
-              </a:spcBef>
-              <a:spcAft>
-                <a:spcPts val="0"/>
-              </a:spcAft>
-              <a:buSzPts val="12000"/>
-              <a:buNone/>
-              <a:defRPr sz="12000"/>
-            </a:lvl3pPr>
-            <a:lvl4pPr lvl="3" algn="ctr">
-              <a:spcBef>
-                <a:spcPts val="0"/>
-              </a:spcBef>
-              <a:spcAft>
-                <a:spcPts val="0"/>
-              </a:spcAft>
-              <a:buSzPts val="12000"/>
-              <a:buNone/>
-              <a:defRPr sz="12000"/>
-            </a:lvl4pPr>
-            <a:lvl5pPr lvl="4" algn="ctr">
-              <a:spcBef>
-                <a:spcPts val="0"/>
-              </a:spcBef>
-              <a:spcAft>
-                <a:spcPts val="0"/>
-              </a:spcAft>
-              <a:buSzPts val="12000"/>
-              <a:buNone/>
-              <a:defRPr sz="12000"/>
-            </a:lvl5pPr>
-            <a:lvl6pPr lvl="5" algn="ctr">
-              <a:spcBef>
-                <a:spcPts val="0"/>
-              </a:spcBef>
-              <a:spcAft>
-                <a:spcPts val="0"/>
-              </a:spcAft>
-              <a:buSzPts val="12000"/>
-              <a:buNone/>
-              <a:defRPr sz="12000"/>
-            </a:lvl6pPr>
-            <a:lvl7pPr lvl="6" algn="ctr">
-              <a:spcBef>
-                <a:spcPts val="0"/>
-              </a:spcBef>
-              <a:spcAft>
-                <a:spcPts val="0"/>
-              </a:spcAft>
-              <a:buSzPts val="12000"/>
-              <a:buNone/>
-              <a:defRPr sz="12000"/>
-            </a:lvl7pPr>
-            <a:lvl8pPr lvl="7" algn="ctr">
-              <a:spcBef>
-                <a:spcPts val="0"/>
-              </a:spcBef>
-              <a:spcAft>
-                <a:spcPts val="0"/>
-              </a:spcAft>
-              <a:buSzPts val="12000"/>
-              <a:buNone/>
-              <a:defRPr sz="12000"/>
-            </a:lvl8pPr>
-            <a:lvl9pPr lvl="8" algn="ctr">
-              <a:spcBef>
-                <a:spcPts val="0"/>
-              </a:spcBef>
-              <a:spcAft>
-                <a:spcPts val="0"/>
-              </a:spcAft>
-              <a:buSzPts val="12000"/>
-              <a:buNone/>
-              <a:defRPr sz="12000"/>
-            </a:lvl9pPr>
-          </a:lstStyle>
-          <a:p>
-            <a:r>
-              <a:t>xx%</a:t>
-            </a:r>
-          </a:p>
-        </p:txBody>
-      </p:sp>
-      <p:sp>
-        <p:nvSpPr>
-          <p:cNvPr id="73" name="Google Shape;73;p11"/>
-          <p:cNvSpPr txBox="1">
-            <a:spLocks noGrp="1"/>
-          </p:cNvSpPr>
-          <p:nvPr>
-            <p:ph type="subTitle" idx="1"/>
-          </p:nvPr>
-        </p:nvSpPr>
-        <p:spPr>
-          <a:xfrm>
-            <a:off x="2381350" y="3455250"/>
-            <a:ext cx="4381500" cy="738900"/>
-          </a:xfrm>
-          <a:prstGeom prst="rect">
-            <a:avLst/>
-          </a:prstGeom>
-        </p:spPr>
-        <p:txBody>
-          <a:bodyPr spcFirstLastPara="1" wrap="square" lIns="91425" tIns="91425" rIns="91425" bIns="91425" anchor="t" anchorCtr="0">
-            <a:noAutofit/>
-          </a:bodyPr>
-          <a:lstStyle>
-            <a:lvl1pPr lvl="0" algn="ctr" rtl="0">
-              <a:lnSpc>
-                <a:spcPct val="100000"/>
-              </a:lnSpc>
-              <a:spcBef>
-                <a:spcPts val="0"/>
-              </a:spcBef>
-              <a:spcAft>
-                <a:spcPts val="0"/>
-              </a:spcAft>
-              <a:buSzPts val="2100"/>
-              <a:buNone/>
-              <a:defRPr sz="1800"/>
-            </a:lvl1pPr>
-            <a:lvl2pPr lvl="1" algn="ctr" rtl="0">
-              <a:lnSpc>
-                <a:spcPct val="100000"/>
-              </a:lnSpc>
-              <a:spcBef>
-                <a:spcPts val="0"/>
-              </a:spcBef>
-              <a:spcAft>
-                <a:spcPts val="0"/>
-              </a:spcAft>
-              <a:buSzPts val="2100"/>
-              <a:buNone/>
-              <a:defRPr sz="2100"/>
-            </a:lvl2pPr>
-            <a:lvl3pPr lvl="2" algn="ctr" rtl="0">
-              <a:lnSpc>
-                <a:spcPct val="100000"/>
-              </a:lnSpc>
-              <a:spcBef>
-                <a:spcPts val="0"/>
-              </a:spcBef>
-              <a:spcAft>
-                <a:spcPts val="0"/>
-              </a:spcAft>
-              <a:buSzPts val="2100"/>
-              <a:buNone/>
-              <a:defRPr sz="2100"/>
-            </a:lvl3pPr>
-            <a:lvl4pPr lvl="3" algn="ctr" rtl="0">
-              <a:lnSpc>
-                <a:spcPct val="100000"/>
-              </a:lnSpc>
-              <a:spcBef>
-                <a:spcPts val="0"/>
-              </a:spcBef>
-              <a:spcAft>
-                <a:spcPts val="0"/>
-              </a:spcAft>
-              <a:buSzPts val="2100"/>
-              <a:buNone/>
-              <a:defRPr sz="2100"/>
-            </a:lvl4pPr>
-            <a:lvl5pPr lvl="4" algn="ctr" rtl="0">
-              <a:lnSpc>
-                <a:spcPct val="100000"/>
-              </a:lnSpc>
-              <a:spcBef>
-                <a:spcPts val="0"/>
-              </a:spcBef>
-              <a:spcAft>
-                <a:spcPts val="0"/>
-              </a:spcAft>
-              <a:buSzPts val="2100"/>
-              <a:buNone/>
-              <a:defRPr sz="2100"/>
-            </a:lvl5pPr>
-            <a:lvl6pPr lvl="5" algn="ctr" rtl="0">
-              <a:lnSpc>
-                <a:spcPct val="100000"/>
-              </a:lnSpc>
-              <a:spcBef>
-                <a:spcPts val="0"/>
-              </a:spcBef>
-              <a:spcAft>
-                <a:spcPts val="0"/>
-              </a:spcAft>
-              <a:buSzPts val="2100"/>
-              <a:buNone/>
-              <a:defRPr sz="2100"/>
-            </a:lvl6pPr>
-            <a:lvl7pPr lvl="6" algn="ctr" rtl="0">
-              <a:lnSpc>
-                <a:spcPct val="100000"/>
-              </a:lnSpc>
-              <a:spcBef>
-                <a:spcPts val="0"/>
-              </a:spcBef>
-              <a:spcAft>
-                <a:spcPts val="0"/>
-              </a:spcAft>
-              <a:buSzPts val="2100"/>
-              <a:buNone/>
-              <a:defRPr sz="2100"/>
-            </a:lvl7pPr>
-            <a:lvl8pPr lvl="7" algn="ctr" rtl="0">
-              <a:lnSpc>
-                <a:spcPct val="100000"/>
-              </a:lnSpc>
-              <a:spcBef>
-                <a:spcPts val="0"/>
-              </a:spcBef>
-              <a:spcAft>
-                <a:spcPts val="0"/>
-              </a:spcAft>
-              <a:buSzPts val="2100"/>
-              <a:buNone/>
-              <a:defRPr sz="2100"/>
-            </a:lvl8pPr>
-            <a:lvl9pPr lvl="8" algn="ctr" rtl="0">
-              <a:lnSpc>
-                <a:spcPct val="100000"/>
-              </a:lnSpc>
-              <a:spcBef>
-                <a:spcPts val="0"/>
-              </a:spcBef>
-              <a:spcAft>
-                <a:spcPts val="0"/>
-              </a:spcAft>
-              <a:buSzPts val="2100"/>
-              <a:buNone/>
-              <a:defRPr sz="2100"/>
-            </a:lvl9pPr>
-          </a:lstStyle>
-          <a:p>
-            <a:endParaRPr/>
-          </a:p>
-        </p:txBody>
-      </p:sp>
-      <p:sp>
-        <p:nvSpPr>
-          <p:cNvPr id="74" name="Google Shape;74;p11"/>
-          <p:cNvSpPr txBox="1"/>
-          <p:nvPr/>
-        </p:nvSpPr>
-        <p:spPr>
-          <a:xfrm>
-            <a:off x="1059075" y="269913"/>
-            <a:ext cx="575700" cy="369300"/>
-          </a:xfrm>
-          <a:prstGeom prst="rect">
-            <a:avLst/>
-          </a:prstGeom>
-          <a:noFill/>
-          <a:ln>
-            <a:noFill/>
-          </a:ln>
-        </p:spPr>
-        <p:txBody>
-          <a:bodyPr spcFirstLastPara="1" wrap="square" lIns="91425" tIns="91425" rIns="91425" bIns="91425" anchor="t" anchorCtr="0">
-            <a:noAutofit/>
-          </a:bodyPr>
-          <a:lstStyle/>
-          <a:p>
-            <a:pPr marL="0" lvl="0" indent="0" algn="l" rtl="0">
-              <a:spcBef>
-                <a:spcPts val="0"/>
-              </a:spcBef>
-              <a:spcAft>
-                <a:spcPts val="0"/>
-              </a:spcAft>
-              <a:buNone/>
-            </a:pPr>
-            <a:r>
-              <a:rPr lang="en" sz="600">
-                <a:solidFill>
-                  <a:schemeClr val="dk1"/>
-                </a:solidFill>
-                <a:latin typeface="Roboto Mono Medium"/>
-                <a:ea typeface="Roboto Mono Medium"/>
-                <a:cs typeface="Roboto Mono Medium"/>
-                <a:sym typeface="Roboto Mono Medium"/>
-              </a:rPr>
-              <a:t>FINDING TARGET…</a:t>
-            </a:r>
-            <a:endParaRPr sz="600">
-              <a:solidFill>
-                <a:schemeClr val="dk1"/>
-              </a:solidFill>
-              <a:latin typeface="Roboto Mono Medium"/>
-              <a:ea typeface="Roboto Mono Medium"/>
-              <a:cs typeface="Roboto Mono Medium"/>
-              <a:sym typeface="Roboto Mono Medium"/>
-            </a:endParaRPr>
-          </a:p>
-        </p:txBody>
-      </p:sp>
-      <p:grpSp>
-        <p:nvGrpSpPr>
-          <p:cNvPr id="75" name="Google Shape;75;p11"/>
-          <p:cNvGrpSpPr/>
-          <p:nvPr/>
-        </p:nvGrpSpPr>
-        <p:grpSpPr>
-          <a:xfrm flipH="1">
-            <a:off x="360876" y="392300"/>
-            <a:ext cx="429607" cy="124500"/>
-            <a:chOff x="4348157" y="866775"/>
-            <a:chExt cx="371697" cy="124500"/>
-          </a:xfrm>
-        </p:grpSpPr>
-        <p:cxnSp>
-          <p:nvCxnSpPr>
-            <p:cNvPr id="76" name="Google Shape;76;p11"/>
-            <p:cNvCxnSpPr/>
-            <p:nvPr/>
-          </p:nvCxnSpPr>
-          <p:spPr>
-            <a:xfrm>
-              <a:off x="4481654" y="866775"/>
-              <a:ext cx="238200" cy="0"/>
-            </a:xfrm>
-            <a:prstGeom prst="straightConnector1">
-              <a:avLst/>
-            </a:prstGeom>
-            <a:noFill/>
-            <a:ln w="19050" cap="flat" cmpd="sng">
-              <a:solidFill>
-                <a:schemeClr val="dk1"/>
-              </a:solidFill>
-              <a:prstDash val="solid"/>
-              <a:round/>
-              <a:headEnd type="none" w="med" len="med"/>
-              <a:tailEnd type="none" w="med" len="med"/>
-            </a:ln>
-          </p:spPr>
-        </p:cxnSp>
-        <p:cxnSp>
-          <p:nvCxnSpPr>
-            <p:cNvPr id="77" name="Google Shape;77;p11"/>
-            <p:cNvCxnSpPr/>
-            <p:nvPr/>
-          </p:nvCxnSpPr>
-          <p:spPr>
-            <a:xfrm>
-              <a:off x="4348157" y="991275"/>
-              <a:ext cx="133500" cy="0"/>
-            </a:xfrm>
-            <a:prstGeom prst="straightConnector1">
-              <a:avLst/>
-            </a:prstGeom>
-            <a:noFill/>
-            <a:ln w="19050" cap="flat" cmpd="sng">
-              <a:solidFill>
-                <a:schemeClr val="dk1"/>
-              </a:solidFill>
-              <a:prstDash val="solid"/>
-              <a:round/>
-              <a:headEnd type="none" w="med" len="med"/>
-              <a:tailEnd type="none" w="med" len="med"/>
-            </a:ln>
-          </p:spPr>
-        </p:cxnSp>
-      </p:grpSp>
-      <p:grpSp>
-        <p:nvGrpSpPr>
-          <p:cNvPr id="78" name="Google Shape;78;p11"/>
-          <p:cNvGrpSpPr/>
-          <p:nvPr/>
-        </p:nvGrpSpPr>
-        <p:grpSpPr>
-          <a:xfrm>
-            <a:off x="5467013" y="4622775"/>
-            <a:ext cx="1876575" cy="216900"/>
-            <a:chOff x="3762375" y="774375"/>
-            <a:chExt cx="1876575" cy="216900"/>
-          </a:xfrm>
-        </p:grpSpPr>
-        <p:cxnSp>
-          <p:nvCxnSpPr>
-            <p:cNvPr id="79" name="Google Shape;79;p11"/>
-            <p:cNvCxnSpPr/>
-            <p:nvPr/>
-          </p:nvCxnSpPr>
-          <p:spPr>
-            <a:xfrm>
-              <a:off x="3762375" y="866775"/>
-              <a:ext cx="238200" cy="0"/>
-            </a:xfrm>
-            <a:prstGeom prst="straightConnector1">
-              <a:avLst/>
-            </a:prstGeom>
-            <a:noFill/>
-            <a:ln w="19050" cap="flat" cmpd="sng">
-              <a:solidFill>
-                <a:schemeClr val="dk1"/>
-              </a:solidFill>
-              <a:prstDash val="solid"/>
-              <a:round/>
-              <a:headEnd type="none" w="med" len="med"/>
-              <a:tailEnd type="none" w="med" len="med"/>
-            </a:ln>
-          </p:spPr>
-        </p:cxnSp>
-        <p:cxnSp>
-          <p:nvCxnSpPr>
-            <p:cNvPr id="80" name="Google Shape;80;p11"/>
-            <p:cNvCxnSpPr/>
-            <p:nvPr/>
-          </p:nvCxnSpPr>
-          <p:spPr>
-            <a:xfrm>
-              <a:off x="4371975" y="866775"/>
-              <a:ext cx="238200" cy="0"/>
-            </a:xfrm>
-            <a:prstGeom prst="straightConnector1">
-              <a:avLst/>
-            </a:prstGeom>
-            <a:noFill/>
-            <a:ln w="19050" cap="flat" cmpd="sng">
-              <a:solidFill>
-                <a:schemeClr val="dk1"/>
-              </a:solidFill>
-              <a:prstDash val="solid"/>
-              <a:round/>
-              <a:headEnd type="none" w="med" len="med"/>
-              <a:tailEnd type="none" w="med" len="med"/>
-            </a:ln>
-          </p:spPr>
-        </p:cxnSp>
-        <p:cxnSp>
-          <p:nvCxnSpPr>
-            <p:cNvPr id="81" name="Google Shape;81;p11"/>
-            <p:cNvCxnSpPr/>
-            <p:nvPr/>
-          </p:nvCxnSpPr>
-          <p:spPr>
-            <a:xfrm>
-              <a:off x="4238625" y="991275"/>
-              <a:ext cx="133500" cy="0"/>
-            </a:xfrm>
-            <a:prstGeom prst="straightConnector1">
-              <a:avLst/>
-            </a:prstGeom>
-            <a:noFill/>
-            <a:ln w="19050" cap="flat" cmpd="sng">
-              <a:solidFill>
-                <a:schemeClr val="dk1"/>
-              </a:solidFill>
-              <a:prstDash val="solid"/>
-              <a:round/>
-              <a:headEnd type="none" w="med" len="med"/>
-              <a:tailEnd type="none" w="med" len="med"/>
-            </a:ln>
-          </p:spPr>
-        </p:cxnSp>
-        <p:cxnSp>
-          <p:nvCxnSpPr>
-            <p:cNvPr id="82" name="Google Shape;82;p11"/>
-            <p:cNvCxnSpPr/>
-            <p:nvPr/>
-          </p:nvCxnSpPr>
-          <p:spPr>
-            <a:xfrm>
-              <a:off x="5505450" y="774375"/>
-              <a:ext cx="133500" cy="0"/>
-            </a:xfrm>
-            <a:prstGeom prst="straightConnector1">
-              <a:avLst/>
-            </a:prstGeom>
-            <a:noFill/>
-            <a:ln w="19050" cap="flat" cmpd="sng">
-              <a:solidFill>
-                <a:schemeClr val="dk1"/>
-              </a:solidFill>
-              <a:prstDash val="solid"/>
-              <a:round/>
-              <a:headEnd type="none" w="med" len="med"/>
-              <a:tailEnd type="none" w="med" len="med"/>
-            </a:ln>
-          </p:spPr>
-        </p:cxnSp>
-      </p:grpSp>
-      <p:sp>
-        <p:nvSpPr>
-          <p:cNvPr id="83" name="Google Shape;83;p11"/>
-          <p:cNvSpPr txBox="1"/>
-          <p:nvPr/>
-        </p:nvSpPr>
-        <p:spPr>
-          <a:xfrm>
-            <a:off x="7895083" y="4592763"/>
-            <a:ext cx="1071300" cy="276900"/>
-          </a:xfrm>
-          <a:prstGeom prst="rect">
-            <a:avLst/>
-          </a:prstGeom>
-          <a:noFill/>
-          <a:ln>
-            <a:noFill/>
-          </a:ln>
-        </p:spPr>
-        <p:txBody>
-          <a:bodyPr spcFirstLastPara="1" wrap="square" lIns="91425" tIns="91425" rIns="91425" bIns="91425" anchor="t" anchorCtr="0">
-            <a:noAutofit/>
-          </a:bodyPr>
-          <a:lstStyle/>
-          <a:p>
-            <a:pPr marL="0" lvl="0" indent="0" algn="l" rtl="0">
-              <a:spcBef>
-                <a:spcPts val="0"/>
-              </a:spcBef>
-              <a:spcAft>
-                <a:spcPts val="0"/>
-              </a:spcAft>
-              <a:buNone/>
-            </a:pPr>
-            <a:r>
-              <a:rPr lang="en" sz="600">
-                <a:solidFill>
-                  <a:schemeClr val="dk1"/>
-                </a:solidFill>
-                <a:latin typeface="Roboto Mono Medium"/>
-                <a:ea typeface="Roboto Mono Medium"/>
-                <a:cs typeface="Roboto Mono Medium"/>
-                <a:sym typeface="Roboto Mono Medium"/>
-              </a:rPr>
-              <a:t>SYSTEM HALTED</a:t>
-            </a:r>
-            <a:endParaRPr sz="600">
-              <a:solidFill>
-                <a:schemeClr val="dk1"/>
-              </a:solidFill>
-              <a:latin typeface="Roboto Mono Medium"/>
-              <a:ea typeface="Roboto Mono Medium"/>
-              <a:cs typeface="Roboto Mono Medium"/>
-              <a:sym typeface="Roboto Mono Medium"/>
-            </a:endParaRPr>
-          </a:p>
-        </p:txBody>
-      </p:sp>
-    </p:spTree>
-  </p:cSld>
-  <p:clrMapOvr>
-    <a:masterClrMapping/>
-  </p:clrMapOvr>
-</p:sldLayout>
-</file>
-
-<file path=ppt/slideLayouts/slideLayout7.xml><?xml version="1.0" encoding="utf-8"?>
 <p:sldLayout xmlns:a="http://schemas.openxmlformats.org/drawingml/2006/main" xmlns:r="http://schemas.openxmlformats.org/officeDocument/2006/relationships" xmlns:p="http://schemas.openxmlformats.org/presentationml/2006/main" matchingName="Blank" type="blank">
   <p:cSld name="BLANK">
     <p:bg>
@@ -9564,7 +9402,7 @@
 </p:sldLayout>
 </file>
 
-<file path=ppt/slideLayouts/slideLayout8.xml><?xml version="1.0" encoding="utf-8"?>
+<file path=ppt/slideLayouts/slideLayout7.xml><?xml version="1.0" encoding="utf-8"?>
 <p:sldLayout xmlns:a="http://schemas.openxmlformats.org/drawingml/2006/main" xmlns:r="http://schemas.openxmlformats.org/officeDocument/2006/relationships" xmlns:p="http://schemas.openxmlformats.org/presentationml/2006/main" matchingName="Background">
   <p:cSld name="CUSTOM_8">
     <p:spTree>
@@ -9687,7 +9525,7 @@
 </p:sldLayout>
 </file>
 
-<file path=ppt/slideLayouts/slideLayout9.xml><?xml version="1.0" encoding="utf-8"?>
+<file path=ppt/slideLayouts/slideLayout8.xml><?xml version="1.0" encoding="utf-8"?>
 <p:sldLayout xmlns:a="http://schemas.openxmlformats.org/drawingml/2006/main" xmlns:r="http://schemas.openxmlformats.org/officeDocument/2006/relationships" xmlns:p="http://schemas.openxmlformats.org/presentationml/2006/main" matchingName="Background 1">
   <p:cSld name="CUSTOM_8_1">
     <p:spTree>
@@ -10360,10 +10198,9 @@
     <p:sldLayoutId id="2147483653" r:id="rId3"/>
     <p:sldLayoutId id="2147483654" r:id="rId4"/>
     <p:sldLayoutId id="2147483656" r:id="rId5"/>
-    <p:sldLayoutId id="2147483657" r:id="rId6"/>
-    <p:sldLayoutId id="2147483658" r:id="rId7"/>
-    <p:sldLayoutId id="2147483670" r:id="rId8"/>
-    <p:sldLayoutId id="2147483671" r:id="rId9"/>
+    <p:sldLayoutId id="2147483658" r:id="rId6"/>
+    <p:sldLayoutId id="2147483670" r:id="rId7"/>
+    <p:sldLayoutId id="2147483671" r:id="rId8"/>
   </p:sldLayoutIdLst>
   <p:hf sldNum="0" hdr="0" ftr="0" dt="0"/>
   <p:txStyles>
@@ -12078,6 +11915,797 @@
           <a:lstStyle/>
           <a:p>
             <a:r>
+              <a:rPr lang="de-AT" sz="2800" dirty="0">
+                <a:latin typeface="MS Reference Sans Serif" panose="020B0604030504040204" pitchFamily="34" charset="0"/>
+              </a:rPr>
+              <a:t>Wie kann der Alltag durch digitale Lösungen unterstützt werden?</a:t>
+            </a:r>
+            <a:endParaRPr lang="de-AT" sz="1600" dirty="0">
+              <a:latin typeface="MS Reference Sans Serif" panose="020B0604030504040204" pitchFamily="34" charset="0"/>
+            </a:endParaRPr>
+          </a:p>
+        </p:txBody>
+      </p:sp>
+      <p:sp>
+        <p:nvSpPr>
+          <p:cNvPr id="7" name="Inhaltsplatzhalter 2">
+            <a:extLst>
+              <a:ext uri="{FF2B5EF4-FFF2-40B4-BE49-F238E27FC236}">
+                <a16:creationId xmlns:a16="http://schemas.microsoft.com/office/drawing/2014/main" id="{90799B9B-1B7C-A357-C03C-B0ECDA273434}"/>
+              </a:ext>
+            </a:extLst>
+          </p:cNvPr>
+          <p:cNvSpPr txBox="1">
+            <a:spLocks/>
+          </p:cNvSpPr>
+          <p:nvPr/>
+        </p:nvSpPr>
+        <p:spPr>
+          <a:xfrm>
+            <a:off x="222250" y="1836056"/>
+            <a:ext cx="9048750" cy="2983593"/>
+          </a:xfrm>
+          <a:prstGeom prst="rect">
+            <a:avLst/>
+          </a:prstGeom>
+          <a:noFill/>
+          <a:ln>
+            <a:noFill/>
+          </a:ln>
+        </p:spPr>
+        <p:txBody>
+          <a:bodyPr spcFirstLastPara="1" wrap="square" lIns="91425" tIns="91425" rIns="91425" bIns="91425" anchor="t" anchorCtr="0">
+            <a:normAutofit/>
+          </a:bodyPr>
+          <a:lstStyle>
+            <a:defPPr marR="0" lvl="0" algn="l" rtl="0">
+              <a:lnSpc>
+                <a:spcPct val="100000"/>
+              </a:lnSpc>
+              <a:spcBef>
+                <a:spcPts val="0"/>
+              </a:spcBef>
+              <a:spcAft>
+                <a:spcPts val="0"/>
+              </a:spcAft>
+            </a:defPPr>
+            <a:lvl1pPr marL="457200" marR="0" lvl="0" indent="-292100" algn="l" rtl="0">
+              <a:lnSpc>
+                <a:spcPct val="100000"/>
+              </a:lnSpc>
+              <a:spcBef>
+                <a:spcPts val="0"/>
+              </a:spcBef>
+              <a:spcAft>
+                <a:spcPts val="0"/>
+              </a:spcAft>
+              <a:buClr>
+                <a:schemeClr val="dk1"/>
+              </a:buClr>
+              <a:buSzPts val="1000"/>
+              <a:buFont typeface="Open Sans Medium"/>
+              <a:buChar char="●"/>
+              <a:defRPr sz="1400" b="0" i="0" u="none" strike="noStrike" cap="none">
+                <a:solidFill>
+                  <a:schemeClr val="dk1"/>
+                </a:solidFill>
+                <a:latin typeface="Roboto Mono Medium"/>
+                <a:ea typeface="Roboto Mono Medium"/>
+                <a:cs typeface="Roboto Mono Medium"/>
+                <a:sym typeface="Roboto Mono Medium"/>
+              </a:defRPr>
+            </a:lvl1pPr>
+            <a:lvl2pPr marL="914400" marR="0" lvl="1" indent="-317500" algn="l" rtl="0">
+              <a:lnSpc>
+                <a:spcPct val="100000"/>
+              </a:lnSpc>
+              <a:spcBef>
+                <a:spcPts val="0"/>
+              </a:spcBef>
+              <a:spcAft>
+                <a:spcPts val="0"/>
+              </a:spcAft>
+              <a:buClr>
+                <a:schemeClr val="dk1"/>
+              </a:buClr>
+              <a:buSzPts val="1400"/>
+              <a:buFont typeface="Open Sans Medium"/>
+              <a:buChar char="○"/>
+              <a:defRPr sz="1400" b="0" i="0" u="none" strike="noStrike" cap="none">
+                <a:solidFill>
+                  <a:schemeClr val="dk1"/>
+                </a:solidFill>
+                <a:latin typeface="Roboto Mono Medium"/>
+                <a:ea typeface="Roboto Mono Medium"/>
+                <a:cs typeface="Roboto Mono Medium"/>
+                <a:sym typeface="Roboto Mono Medium"/>
+              </a:defRPr>
+            </a:lvl2pPr>
+            <a:lvl3pPr marL="1371600" marR="0" lvl="2" indent="-317500" algn="l" rtl="0">
+              <a:lnSpc>
+                <a:spcPct val="100000"/>
+              </a:lnSpc>
+              <a:spcBef>
+                <a:spcPts val="0"/>
+              </a:spcBef>
+              <a:spcAft>
+                <a:spcPts val="0"/>
+              </a:spcAft>
+              <a:buClr>
+                <a:schemeClr val="dk1"/>
+              </a:buClr>
+              <a:buSzPts val="1400"/>
+              <a:buFont typeface="Open Sans Medium"/>
+              <a:buChar char="■"/>
+              <a:defRPr sz="1400" b="0" i="0" u="none" strike="noStrike" cap="none">
+                <a:solidFill>
+                  <a:schemeClr val="dk1"/>
+                </a:solidFill>
+                <a:latin typeface="Roboto Mono Medium"/>
+                <a:ea typeface="Roboto Mono Medium"/>
+                <a:cs typeface="Roboto Mono Medium"/>
+                <a:sym typeface="Roboto Mono Medium"/>
+              </a:defRPr>
+            </a:lvl3pPr>
+            <a:lvl4pPr marL="1828800" marR="0" lvl="3" indent="-317500" algn="l" rtl="0">
+              <a:lnSpc>
+                <a:spcPct val="100000"/>
+              </a:lnSpc>
+              <a:spcBef>
+                <a:spcPts val="0"/>
+              </a:spcBef>
+              <a:spcAft>
+                <a:spcPts val="0"/>
+              </a:spcAft>
+              <a:buClr>
+                <a:schemeClr val="dk1"/>
+              </a:buClr>
+              <a:buSzPts val="1400"/>
+              <a:buFont typeface="Open Sans Medium"/>
+              <a:buChar char="●"/>
+              <a:defRPr sz="1400" b="0" i="0" u="none" strike="noStrike" cap="none">
+                <a:solidFill>
+                  <a:schemeClr val="dk1"/>
+                </a:solidFill>
+                <a:latin typeface="Roboto Mono Medium"/>
+                <a:ea typeface="Roboto Mono Medium"/>
+                <a:cs typeface="Roboto Mono Medium"/>
+                <a:sym typeface="Roboto Mono Medium"/>
+              </a:defRPr>
+            </a:lvl4pPr>
+            <a:lvl5pPr marL="2286000" marR="0" lvl="4" indent="-317500" algn="l" rtl="0">
+              <a:lnSpc>
+                <a:spcPct val="100000"/>
+              </a:lnSpc>
+              <a:spcBef>
+                <a:spcPts val="0"/>
+              </a:spcBef>
+              <a:spcAft>
+                <a:spcPts val="0"/>
+              </a:spcAft>
+              <a:buClr>
+                <a:schemeClr val="dk1"/>
+              </a:buClr>
+              <a:buSzPts val="1400"/>
+              <a:buFont typeface="Open Sans Medium"/>
+              <a:buChar char="○"/>
+              <a:defRPr sz="1400" b="0" i="0" u="none" strike="noStrike" cap="none">
+                <a:solidFill>
+                  <a:schemeClr val="dk1"/>
+                </a:solidFill>
+                <a:latin typeface="Roboto Mono Medium"/>
+                <a:ea typeface="Roboto Mono Medium"/>
+                <a:cs typeface="Roboto Mono Medium"/>
+                <a:sym typeface="Roboto Mono Medium"/>
+              </a:defRPr>
+            </a:lvl5pPr>
+            <a:lvl6pPr marL="2743200" marR="0" lvl="5" indent="-317500" algn="l" rtl="0">
+              <a:lnSpc>
+                <a:spcPct val="100000"/>
+              </a:lnSpc>
+              <a:spcBef>
+                <a:spcPts val="0"/>
+              </a:spcBef>
+              <a:spcAft>
+                <a:spcPts val="0"/>
+              </a:spcAft>
+              <a:buClr>
+                <a:schemeClr val="dk1"/>
+              </a:buClr>
+              <a:buSzPts val="1400"/>
+              <a:buFont typeface="Open Sans Medium"/>
+              <a:buChar char="■"/>
+              <a:defRPr sz="1400" b="0" i="0" u="none" strike="noStrike" cap="none">
+                <a:solidFill>
+                  <a:schemeClr val="dk1"/>
+                </a:solidFill>
+                <a:latin typeface="Roboto Mono Medium"/>
+                <a:ea typeface="Roboto Mono Medium"/>
+                <a:cs typeface="Roboto Mono Medium"/>
+                <a:sym typeface="Roboto Mono Medium"/>
+              </a:defRPr>
+            </a:lvl6pPr>
+            <a:lvl7pPr marL="3200400" marR="0" lvl="6" indent="-317500" algn="l" rtl="0">
+              <a:lnSpc>
+                <a:spcPct val="100000"/>
+              </a:lnSpc>
+              <a:spcBef>
+                <a:spcPts val="0"/>
+              </a:spcBef>
+              <a:spcAft>
+                <a:spcPts val="0"/>
+              </a:spcAft>
+              <a:buClr>
+                <a:schemeClr val="dk1"/>
+              </a:buClr>
+              <a:buSzPts val="1400"/>
+              <a:buFont typeface="Open Sans Medium"/>
+              <a:buChar char="●"/>
+              <a:defRPr sz="1400" b="0" i="0" u="none" strike="noStrike" cap="none">
+                <a:solidFill>
+                  <a:schemeClr val="dk1"/>
+                </a:solidFill>
+                <a:latin typeface="Roboto Mono Medium"/>
+                <a:ea typeface="Roboto Mono Medium"/>
+                <a:cs typeface="Roboto Mono Medium"/>
+                <a:sym typeface="Roboto Mono Medium"/>
+              </a:defRPr>
+            </a:lvl7pPr>
+            <a:lvl8pPr marL="3657600" marR="0" lvl="7" indent="-317500" algn="l" rtl="0">
+              <a:lnSpc>
+                <a:spcPct val="100000"/>
+              </a:lnSpc>
+              <a:spcBef>
+                <a:spcPts val="0"/>
+              </a:spcBef>
+              <a:spcAft>
+                <a:spcPts val="0"/>
+              </a:spcAft>
+              <a:buClr>
+                <a:schemeClr val="dk1"/>
+              </a:buClr>
+              <a:buSzPts val="1400"/>
+              <a:buFont typeface="Open Sans Medium"/>
+              <a:buChar char="○"/>
+              <a:defRPr sz="1400" b="0" i="0" u="none" strike="noStrike" cap="none">
+                <a:solidFill>
+                  <a:schemeClr val="dk1"/>
+                </a:solidFill>
+                <a:latin typeface="Roboto Mono Medium"/>
+                <a:ea typeface="Roboto Mono Medium"/>
+                <a:cs typeface="Roboto Mono Medium"/>
+                <a:sym typeface="Roboto Mono Medium"/>
+              </a:defRPr>
+            </a:lvl8pPr>
+            <a:lvl9pPr marL="4114800" marR="0" lvl="8" indent="-317500" algn="l" rtl="0">
+              <a:lnSpc>
+                <a:spcPct val="100000"/>
+              </a:lnSpc>
+              <a:spcBef>
+                <a:spcPts val="0"/>
+              </a:spcBef>
+              <a:spcAft>
+                <a:spcPts val="0"/>
+              </a:spcAft>
+              <a:buClr>
+                <a:schemeClr val="dk1"/>
+              </a:buClr>
+              <a:buSzPts val="1400"/>
+              <a:buFont typeface="Open Sans Medium"/>
+              <a:buChar char="■"/>
+              <a:defRPr sz="1400" b="0" i="0" u="none" strike="noStrike" cap="none">
+                <a:solidFill>
+                  <a:schemeClr val="dk1"/>
+                </a:solidFill>
+                <a:latin typeface="Roboto Mono Medium"/>
+                <a:ea typeface="Roboto Mono Medium"/>
+                <a:cs typeface="Roboto Mono Medium"/>
+                <a:sym typeface="Roboto Mono Medium"/>
+              </a:defRPr>
+            </a:lvl9pPr>
+          </a:lstStyle>
+          <a:p>
+            <a:r>
+              <a:rPr lang="de-AT" sz="1800" dirty="0"/>
+              <a:t>Automatisierte Nachbestellung von Produkten (Lebensmittel, …)</a:t>
+            </a:r>
+          </a:p>
+          <a:p>
+            <a:r>
+              <a:rPr lang="de-AT" sz="1800" dirty="0"/>
+              <a:t>Home Office: Kommunikation durch VR, AR und Hologramme</a:t>
+            </a:r>
+          </a:p>
+          <a:p>
+            <a:r>
+              <a:rPr lang="de-DE" sz="1800" dirty="0"/>
+              <a:t>Automatisiertes Kochen</a:t>
+            </a:r>
+            <a:endParaRPr lang="de-AT" sz="1800" dirty="0"/>
+          </a:p>
+          <a:p>
+            <a:r>
+              <a:rPr lang="de-AT" sz="1800" dirty="0"/>
+              <a:t>Altenpfleger-Roboter (Bsp.: Tesla-Roboter „Optimus“)</a:t>
+            </a:r>
+          </a:p>
+          <a:p>
+            <a:r>
+              <a:rPr lang="de-AT" sz="1800" dirty="0"/>
+              <a:t>Sprachgesteuerte Elemente in Haushalten</a:t>
+            </a:r>
+          </a:p>
+          <a:p>
+            <a:r>
+              <a:rPr lang="de-DE" sz="1800" dirty="0"/>
+              <a:t>Digitalisierte Kalender (</a:t>
+            </a:r>
+            <a:r>
+              <a:rPr lang="de-DE" sz="1800" dirty="0" err="1"/>
+              <a:t>Reminder</a:t>
+            </a:r>
+            <a:r>
+              <a:rPr lang="de-DE" sz="1800" dirty="0"/>
+              <a:t>)</a:t>
+            </a:r>
+            <a:endParaRPr lang="de-AT" sz="1800" dirty="0"/>
+          </a:p>
+        </p:txBody>
+      </p:sp>
+    </p:spTree>
+    <p:extLst>
+      <p:ext uri="{BB962C8B-B14F-4D97-AF65-F5344CB8AC3E}">
+        <p14:creationId xmlns:p14="http://schemas.microsoft.com/office/powerpoint/2010/main" val="608302222"/>
+      </p:ext>
+    </p:extLst>
+  </p:cSld>
+  <p:clrMapOvr>
+    <a:masterClrMapping/>
+  </p:clrMapOvr>
+</p:sld>
+</file>
+
+<file path=ppt/slides/slide11.xml><?xml version="1.0" encoding="utf-8"?>
+<p:sld xmlns:a="http://schemas.openxmlformats.org/drawingml/2006/main" xmlns:r="http://schemas.openxmlformats.org/officeDocument/2006/relationships" xmlns:p="http://schemas.openxmlformats.org/presentationml/2006/main">
+  <p:cSld>
+    <p:spTree>
+      <p:nvGrpSpPr>
+        <p:cNvPr id="1" name=""/>
+        <p:cNvGrpSpPr/>
+        <p:nvPr/>
+      </p:nvGrpSpPr>
+      <p:grpSpPr>
+        <a:xfrm>
+          <a:off x="0" y="0"/>
+          <a:ext cx="0" cy="0"/>
+          <a:chOff x="0" y="0"/>
+          <a:chExt cx="0" cy="0"/>
+        </a:xfrm>
+      </p:grpSpPr>
+      <p:sp>
+        <p:nvSpPr>
+          <p:cNvPr id="6" name="Titel 1">
+            <a:extLst>
+              <a:ext uri="{FF2B5EF4-FFF2-40B4-BE49-F238E27FC236}">
+                <a16:creationId xmlns:a16="http://schemas.microsoft.com/office/drawing/2014/main" id="{C5E154BD-8EBD-3770-3EA3-BA95391F7228}"/>
+              </a:ext>
+            </a:extLst>
+          </p:cNvPr>
+          <p:cNvSpPr>
+            <a:spLocks noGrp="1"/>
+          </p:cNvSpPr>
+          <p:nvPr>
+            <p:ph type="title"/>
+          </p:nvPr>
+        </p:nvSpPr>
+        <p:spPr>
+          <a:xfrm>
+            <a:off x="364127" y="592137"/>
+            <a:ext cx="7401923" cy="1243919"/>
+          </a:xfrm>
+        </p:spPr>
+        <p:txBody>
+          <a:bodyPr>
+            <a:noAutofit/>
+          </a:bodyPr>
+          <a:lstStyle/>
+          <a:p>
+            <a:r>
+              <a:rPr lang="de-AT" sz="2800" dirty="0">
+                <a:latin typeface="MS Reference Sans Serif" panose="020B0604030504040204" pitchFamily="34" charset="0"/>
+              </a:rPr>
+              <a:t>Welche Technologien werden die Zukunft des Wohnens bestimmen?</a:t>
+            </a:r>
+            <a:endParaRPr lang="de-AT" sz="2000" dirty="0">
+              <a:latin typeface="MS Reference Sans Serif" panose="020B0604030504040204" pitchFamily="34" charset="0"/>
+            </a:endParaRPr>
+          </a:p>
+        </p:txBody>
+      </p:sp>
+      <p:sp>
+        <p:nvSpPr>
+          <p:cNvPr id="7" name="Inhaltsplatzhalter 2">
+            <a:extLst>
+              <a:ext uri="{FF2B5EF4-FFF2-40B4-BE49-F238E27FC236}">
+                <a16:creationId xmlns:a16="http://schemas.microsoft.com/office/drawing/2014/main" id="{90799B9B-1B7C-A357-C03C-B0ECDA273434}"/>
+              </a:ext>
+            </a:extLst>
+          </p:cNvPr>
+          <p:cNvSpPr txBox="1">
+            <a:spLocks/>
+          </p:cNvSpPr>
+          <p:nvPr/>
+        </p:nvSpPr>
+        <p:spPr>
+          <a:xfrm>
+            <a:off x="215900" y="1856012"/>
+            <a:ext cx="9048750" cy="2983593"/>
+          </a:xfrm>
+          <a:prstGeom prst="rect">
+            <a:avLst/>
+          </a:prstGeom>
+          <a:noFill/>
+          <a:ln>
+            <a:noFill/>
+          </a:ln>
+        </p:spPr>
+        <p:txBody>
+          <a:bodyPr spcFirstLastPara="1" wrap="square" lIns="91425" tIns="91425" rIns="91425" bIns="91425" anchor="t" anchorCtr="0">
+            <a:normAutofit/>
+          </a:bodyPr>
+          <a:lstStyle>
+            <a:defPPr marR="0" lvl="0" algn="l" rtl="0">
+              <a:lnSpc>
+                <a:spcPct val="100000"/>
+              </a:lnSpc>
+              <a:spcBef>
+                <a:spcPts val="0"/>
+              </a:spcBef>
+              <a:spcAft>
+                <a:spcPts val="0"/>
+              </a:spcAft>
+            </a:defPPr>
+            <a:lvl1pPr marL="457200" marR="0" lvl="0" indent="-292100" algn="l" rtl="0">
+              <a:lnSpc>
+                <a:spcPct val="100000"/>
+              </a:lnSpc>
+              <a:spcBef>
+                <a:spcPts val="0"/>
+              </a:spcBef>
+              <a:spcAft>
+                <a:spcPts val="0"/>
+              </a:spcAft>
+              <a:buClr>
+                <a:schemeClr val="dk1"/>
+              </a:buClr>
+              <a:buSzPts val="1000"/>
+              <a:buFont typeface="Open Sans Medium"/>
+              <a:buChar char="●"/>
+              <a:defRPr sz="1400" b="0" i="0" u="none" strike="noStrike" cap="none">
+                <a:solidFill>
+                  <a:schemeClr val="dk1"/>
+                </a:solidFill>
+                <a:latin typeface="Roboto Mono Medium"/>
+                <a:ea typeface="Roboto Mono Medium"/>
+                <a:cs typeface="Roboto Mono Medium"/>
+                <a:sym typeface="Roboto Mono Medium"/>
+              </a:defRPr>
+            </a:lvl1pPr>
+            <a:lvl2pPr marL="914400" marR="0" lvl="1" indent="-317500" algn="l" rtl="0">
+              <a:lnSpc>
+                <a:spcPct val="100000"/>
+              </a:lnSpc>
+              <a:spcBef>
+                <a:spcPts val="0"/>
+              </a:spcBef>
+              <a:spcAft>
+                <a:spcPts val="0"/>
+              </a:spcAft>
+              <a:buClr>
+                <a:schemeClr val="dk1"/>
+              </a:buClr>
+              <a:buSzPts val="1400"/>
+              <a:buFont typeface="Open Sans Medium"/>
+              <a:buChar char="○"/>
+              <a:defRPr sz="1400" b="0" i="0" u="none" strike="noStrike" cap="none">
+                <a:solidFill>
+                  <a:schemeClr val="dk1"/>
+                </a:solidFill>
+                <a:latin typeface="Roboto Mono Medium"/>
+                <a:ea typeface="Roboto Mono Medium"/>
+                <a:cs typeface="Roboto Mono Medium"/>
+                <a:sym typeface="Roboto Mono Medium"/>
+              </a:defRPr>
+            </a:lvl2pPr>
+            <a:lvl3pPr marL="1371600" marR="0" lvl="2" indent="-317500" algn="l" rtl="0">
+              <a:lnSpc>
+                <a:spcPct val="100000"/>
+              </a:lnSpc>
+              <a:spcBef>
+                <a:spcPts val="0"/>
+              </a:spcBef>
+              <a:spcAft>
+                <a:spcPts val="0"/>
+              </a:spcAft>
+              <a:buClr>
+                <a:schemeClr val="dk1"/>
+              </a:buClr>
+              <a:buSzPts val="1400"/>
+              <a:buFont typeface="Open Sans Medium"/>
+              <a:buChar char="■"/>
+              <a:defRPr sz="1400" b="0" i="0" u="none" strike="noStrike" cap="none">
+                <a:solidFill>
+                  <a:schemeClr val="dk1"/>
+                </a:solidFill>
+                <a:latin typeface="Roboto Mono Medium"/>
+                <a:ea typeface="Roboto Mono Medium"/>
+                <a:cs typeface="Roboto Mono Medium"/>
+                <a:sym typeface="Roboto Mono Medium"/>
+              </a:defRPr>
+            </a:lvl3pPr>
+            <a:lvl4pPr marL="1828800" marR="0" lvl="3" indent="-317500" algn="l" rtl="0">
+              <a:lnSpc>
+                <a:spcPct val="100000"/>
+              </a:lnSpc>
+              <a:spcBef>
+                <a:spcPts val="0"/>
+              </a:spcBef>
+              <a:spcAft>
+                <a:spcPts val="0"/>
+              </a:spcAft>
+              <a:buClr>
+                <a:schemeClr val="dk1"/>
+              </a:buClr>
+              <a:buSzPts val="1400"/>
+              <a:buFont typeface="Open Sans Medium"/>
+              <a:buChar char="●"/>
+              <a:defRPr sz="1400" b="0" i="0" u="none" strike="noStrike" cap="none">
+                <a:solidFill>
+                  <a:schemeClr val="dk1"/>
+                </a:solidFill>
+                <a:latin typeface="Roboto Mono Medium"/>
+                <a:ea typeface="Roboto Mono Medium"/>
+                <a:cs typeface="Roboto Mono Medium"/>
+                <a:sym typeface="Roboto Mono Medium"/>
+              </a:defRPr>
+            </a:lvl4pPr>
+            <a:lvl5pPr marL="2286000" marR="0" lvl="4" indent="-317500" algn="l" rtl="0">
+              <a:lnSpc>
+                <a:spcPct val="100000"/>
+              </a:lnSpc>
+              <a:spcBef>
+                <a:spcPts val="0"/>
+              </a:spcBef>
+              <a:spcAft>
+                <a:spcPts val="0"/>
+              </a:spcAft>
+              <a:buClr>
+                <a:schemeClr val="dk1"/>
+              </a:buClr>
+              <a:buSzPts val="1400"/>
+              <a:buFont typeface="Open Sans Medium"/>
+              <a:buChar char="○"/>
+              <a:defRPr sz="1400" b="0" i="0" u="none" strike="noStrike" cap="none">
+                <a:solidFill>
+                  <a:schemeClr val="dk1"/>
+                </a:solidFill>
+                <a:latin typeface="Roboto Mono Medium"/>
+                <a:ea typeface="Roboto Mono Medium"/>
+                <a:cs typeface="Roboto Mono Medium"/>
+                <a:sym typeface="Roboto Mono Medium"/>
+              </a:defRPr>
+            </a:lvl5pPr>
+            <a:lvl6pPr marL="2743200" marR="0" lvl="5" indent="-317500" algn="l" rtl="0">
+              <a:lnSpc>
+                <a:spcPct val="100000"/>
+              </a:lnSpc>
+              <a:spcBef>
+                <a:spcPts val="0"/>
+              </a:spcBef>
+              <a:spcAft>
+                <a:spcPts val="0"/>
+              </a:spcAft>
+              <a:buClr>
+                <a:schemeClr val="dk1"/>
+              </a:buClr>
+              <a:buSzPts val="1400"/>
+              <a:buFont typeface="Open Sans Medium"/>
+              <a:buChar char="■"/>
+              <a:defRPr sz="1400" b="0" i="0" u="none" strike="noStrike" cap="none">
+                <a:solidFill>
+                  <a:schemeClr val="dk1"/>
+                </a:solidFill>
+                <a:latin typeface="Roboto Mono Medium"/>
+                <a:ea typeface="Roboto Mono Medium"/>
+                <a:cs typeface="Roboto Mono Medium"/>
+                <a:sym typeface="Roboto Mono Medium"/>
+              </a:defRPr>
+            </a:lvl6pPr>
+            <a:lvl7pPr marL="3200400" marR="0" lvl="6" indent="-317500" algn="l" rtl="0">
+              <a:lnSpc>
+                <a:spcPct val="100000"/>
+              </a:lnSpc>
+              <a:spcBef>
+                <a:spcPts val="0"/>
+              </a:spcBef>
+              <a:spcAft>
+                <a:spcPts val="0"/>
+              </a:spcAft>
+              <a:buClr>
+                <a:schemeClr val="dk1"/>
+              </a:buClr>
+              <a:buSzPts val="1400"/>
+              <a:buFont typeface="Open Sans Medium"/>
+              <a:buChar char="●"/>
+              <a:defRPr sz="1400" b="0" i="0" u="none" strike="noStrike" cap="none">
+                <a:solidFill>
+                  <a:schemeClr val="dk1"/>
+                </a:solidFill>
+                <a:latin typeface="Roboto Mono Medium"/>
+                <a:ea typeface="Roboto Mono Medium"/>
+                <a:cs typeface="Roboto Mono Medium"/>
+                <a:sym typeface="Roboto Mono Medium"/>
+              </a:defRPr>
+            </a:lvl7pPr>
+            <a:lvl8pPr marL="3657600" marR="0" lvl="7" indent="-317500" algn="l" rtl="0">
+              <a:lnSpc>
+                <a:spcPct val="100000"/>
+              </a:lnSpc>
+              <a:spcBef>
+                <a:spcPts val="0"/>
+              </a:spcBef>
+              <a:spcAft>
+                <a:spcPts val="0"/>
+              </a:spcAft>
+              <a:buClr>
+                <a:schemeClr val="dk1"/>
+              </a:buClr>
+              <a:buSzPts val="1400"/>
+              <a:buFont typeface="Open Sans Medium"/>
+              <a:buChar char="○"/>
+              <a:defRPr sz="1400" b="0" i="0" u="none" strike="noStrike" cap="none">
+                <a:solidFill>
+                  <a:schemeClr val="dk1"/>
+                </a:solidFill>
+                <a:latin typeface="Roboto Mono Medium"/>
+                <a:ea typeface="Roboto Mono Medium"/>
+                <a:cs typeface="Roboto Mono Medium"/>
+                <a:sym typeface="Roboto Mono Medium"/>
+              </a:defRPr>
+            </a:lvl8pPr>
+            <a:lvl9pPr marL="4114800" marR="0" lvl="8" indent="-317500" algn="l" rtl="0">
+              <a:lnSpc>
+                <a:spcPct val="100000"/>
+              </a:lnSpc>
+              <a:spcBef>
+                <a:spcPts val="0"/>
+              </a:spcBef>
+              <a:spcAft>
+                <a:spcPts val="0"/>
+              </a:spcAft>
+              <a:buClr>
+                <a:schemeClr val="dk1"/>
+              </a:buClr>
+              <a:buSzPts val="1400"/>
+              <a:buFont typeface="Open Sans Medium"/>
+              <a:buChar char="■"/>
+              <a:defRPr sz="1400" b="0" i="0" u="none" strike="noStrike" cap="none">
+                <a:solidFill>
+                  <a:schemeClr val="dk1"/>
+                </a:solidFill>
+                <a:latin typeface="Roboto Mono Medium"/>
+                <a:ea typeface="Roboto Mono Medium"/>
+                <a:cs typeface="Roboto Mono Medium"/>
+                <a:sym typeface="Roboto Mono Medium"/>
+              </a:defRPr>
+            </a:lvl9pPr>
+          </a:lstStyle>
+          <a:p>
+            <a:r>
+              <a:rPr lang="de-AT" sz="1800" dirty="0"/>
+              <a:t>KI &amp; Robotik</a:t>
+            </a:r>
+          </a:p>
+          <a:p>
+            <a:r>
+              <a:rPr lang="de-AT" sz="1800" dirty="0"/>
+              <a:t>3D Drucker</a:t>
+            </a:r>
+          </a:p>
+          <a:p>
+            <a:r>
+              <a:rPr lang="de-DE" sz="1800" dirty="0"/>
+              <a:t>KI für Routineanalysen</a:t>
+            </a:r>
+          </a:p>
+          <a:p>
+            <a:r>
+              <a:rPr lang="de-DE" sz="1800" dirty="0"/>
+              <a:t>Home Automation Bus (</a:t>
+            </a:r>
+            <a:r>
+              <a:rPr lang="de-DE" sz="1800" i="1" dirty="0" err="1"/>
+              <a:t>openHAB</a:t>
+            </a:r>
+            <a:r>
+              <a:rPr lang="de-DE" sz="1800" dirty="0"/>
+              <a:t>)</a:t>
+            </a:r>
+            <a:endParaRPr lang="de-AT" sz="1800" dirty="0"/>
+          </a:p>
+          <a:p>
+            <a:r>
+              <a:rPr lang="de-AT" sz="1800" dirty="0"/>
+              <a:t>Gesicht- und Spracherkennung</a:t>
+            </a:r>
+          </a:p>
+          <a:p>
+            <a:r>
+              <a:rPr lang="de-AT" sz="1800" dirty="0"/>
+              <a:t>Fingerabdruck Sensoren &amp; Pupillen Scanner</a:t>
+            </a:r>
+          </a:p>
+        </p:txBody>
+      </p:sp>
+    </p:spTree>
+    <p:extLst>
+      <p:ext uri="{BB962C8B-B14F-4D97-AF65-F5344CB8AC3E}">
+        <p14:creationId xmlns:p14="http://schemas.microsoft.com/office/powerpoint/2010/main" val="3684867070"/>
+      </p:ext>
+    </p:extLst>
+  </p:cSld>
+  <p:clrMapOvr>
+    <a:masterClrMapping/>
+  </p:clrMapOvr>
+</p:sld>
+</file>
+
+<file path=ppt/slides/slide12.xml><?xml version="1.0" encoding="utf-8"?>
+<p:sld xmlns:a="http://schemas.openxmlformats.org/drawingml/2006/main" xmlns:r="http://schemas.openxmlformats.org/officeDocument/2006/relationships" xmlns:p="http://schemas.openxmlformats.org/presentationml/2006/main">
+  <p:cSld>
+    <p:spTree>
+      <p:nvGrpSpPr>
+        <p:cNvPr id="1" name=""/>
+        <p:cNvGrpSpPr/>
+        <p:nvPr/>
+      </p:nvGrpSpPr>
+      <p:grpSpPr>
+        <a:xfrm>
+          <a:off x="0" y="0"/>
+          <a:ext cx="0" cy="0"/>
+          <a:chOff x="0" y="0"/>
+          <a:chExt cx="0" cy="0"/>
+        </a:xfrm>
+      </p:grpSpPr>
+      <p:sp>
+        <p:nvSpPr>
+          <p:cNvPr id="6" name="Titel 1">
+            <a:extLst>
+              <a:ext uri="{FF2B5EF4-FFF2-40B4-BE49-F238E27FC236}">
+                <a16:creationId xmlns:a16="http://schemas.microsoft.com/office/drawing/2014/main" id="{C5E154BD-8EBD-3770-3EA3-BA95391F7228}"/>
+              </a:ext>
+            </a:extLst>
+          </p:cNvPr>
+          <p:cNvSpPr>
+            <a:spLocks noGrp="1"/>
+          </p:cNvSpPr>
+          <p:nvPr>
+            <p:ph type="title"/>
+          </p:nvPr>
+        </p:nvSpPr>
+        <p:spPr>
+          <a:xfrm>
+            <a:off x="364127" y="592137"/>
+            <a:ext cx="7401923" cy="1243919"/>
+          </a:xfrm>
+        </p:spPr>
+        <p:txBody>
+          <a:bodyPr>
+            <a:noAutofit/>
+          </a:bodyPr>
+          <a:lstStyle/>
+          <a:p>
+            <a:r>
               <a:rPr lang="de-AT" sz="3600" dirty="0">
                 <a:latin typeface="MS Reference Sans Serif" panose="020B0604030504040204" pitchFamily="34" charset="0"/>
               </a:rPr>
@@ -12400,7 +13028,7 @@
 </p:sld>
 </file>
 
-<file path=ppt/slides/slide11.xml><?xml version="1.0" encoding="utf-8"?>
+<file path=ppt/slides/slide13.xml><?xml version="1.0" encoding="utf-8"?>
 <p:sld xmlns:a="http://schemas.openxmlformats.org/drawingml/2006/main" xmlns:r="http://schemas.openxmlformats.org/officeDocument/2006/relationships" xmlns:p="http://schemas.openxmlformats.org/presentationml/2006/main">
   <p:cSld>
     <p:spTree>
@@ -12509,7 +13137,7 @@
 </p:sld>
 </file>
 
-<file path=ppt/slides/slide12.xml><?xml version="1.0" encoding="utf-8"?>
+<file path=ppt/slides/slide14.xml><?xml version="1.0" encoding="utf-8"?>
 <p:sld xmlns:a="http://schemas.openxmlformats.org/drawingml/2006/main" xmlns:r="http://schemas.openxmlformats.org/officeDocument/2006/relationships" xmlns:p="http://schemas.openxmlformats.org/presentationml/2006/main">
   <p:cSld>
     <p:spTree>
@@ -12618,7 +13246,485 @@
 </p:sld>
 </file>
 
-<file path=ppt/slides/slide13.xml><?xml version="1.0" encoding="utf-8"?>
+<file path=ppt/slides/slide15.xml><?xml version="1.0" encoding="utf-8"?>
+<p:sld xmlns:a="http://schemas.openxmlformats.org/drawingml/2006/main" xmlns:r="http://schemas.openxmlformats.org/officeDocument/2006/relationships" xmlns:p="http://schemas.openxmlformats.org/presentationml/2006/main">
+  <p:cSld>
+    <p:spTree>
+      <p:nvGrpSpPr>
+        <p:cNvPr id="1" name=""/>
+        <p:cNvGrpSpPr/>
+        <p:nvPr/>
+      </p:nvGrpSpPr>
+      <p:grpSpPr>
+        <a:xfrm>
+          <a:off x="0" y="0"/>
+          <a:ext cx="0" cy="0"/>
+          <a:chOff x="0" y="0"/>
+          <a:chExt cx="0" cy="0"/>
+        </a:xfrm>
+      </p:grpSpPr>
+      <p:sp>
+        <p:nvSpPr>
+          <p:cNvPr id="2" name="Titel 1">
+            <a:extLst>
+              <a:ext uri="{FF2B5EF4-FFF2-40B4-BE49-F238E27FC236}">
+                <a16:creationId xmlns:a16="http://schemas.microsoft.com/office/drawing/2014/main" id="{B3863E5E-DA4B-7C56-B1E5-8D03C321388F}"/>
+              </a:ext>
+            </a:extLst>
+          </p:cNvPr>
+          <p:cNvSpPr>
+            <a:spLocks noGrp="1"/>
+          </p:cNvSpPr>
+          <p:nvPr>
+            <p:ph type="title"/>
+          </p:nvPr>
+        </p:nvSpPr>
+        <p:spPr>
+          <a:xfrm>
+            <a:off x="713400" y="580950"/>
+            <a:ext cx="6313042" cy="1231500"/>
+          </a:xfrm>
+        </p:spPr>
+        <p:txBody>
+          <a:bodyPr/>
+          <a:lstStyle/>
+          <a:p>
+            <a:r>
+              <a:rPr lang="de-AT" dirty="0"/>
+              <a:t>Heizarten – Vergleich</a:t>
+            </a:r>
+          </a:p>
+        </p:txBody>
+      </p:sp>
+      <p:sp>
+        <p:nvSpPr>
+          <p:cNvPr id="3" name="Textplatzhalter 2">
+            <a:extLst>
+              <a:ext uri="{FF2B5EF4-FFF2-40B4-BE49-F238E27FC236}">
+                <a16:creationId xmlns:a16="http://schemas.microsoft.com/office/drawing/2014/main" id="{DE09689E-0EA4-C146-B510-127165DD2AF3}"/>
+              </a:ext>
+            </a:extLst>
+          </p:cNvPr>
+          <p:cNvSpPr>
+            <a:spLocks noGrp="1"/>
+          </p:cNvSpPr>
+          <p:nvPr>
+            <p:ph type="body" idx="1"/>
+          </p:nvPr>
+        </p:nvSpPr>
+        <p:spPr>
+          <a:xfrm>
+            <a:off x="713400" y="2138182"/>
+            <a:ext cx="2861698" cy="2424367"/>
+          </a:xfrm>
+        </p:spPr>
+        <p:txBody>
+          <a:bodyPr/>
+          <a:lstStyle/>
+          <a:p>
+            <a:pPr marL="165100" indent="0" algn="ctr">
+              <a:buNone/>
+            </a:pPr>
+            <a:r>
+              <a:rPr lang="de-AT" sz="1600" b="1" u="sng" dirty="0"/>
+              <a:t>Umfrage</a:t>
+            </a:r>
+          </a:p>
+          <a:p>
+            <a:r>
+              <a:rPr lang="de-AT" dirty="0"/>
+              <a:t>Erdgas	32%</a:t>
+            </a:r>
+          </a:p>
+          <a:p>
+            <a:r>
+              <a:rPr lang="de-AT" dirty="0"/>
+              <a:t>Erdöl	 6%</a:t>
+            </a:r>
+          </a:p>
+          <a:p>
+            <a:r>
+              <a:rPr lang="de-AT" dirty="0"/>
+              <a:t>Wärmepumpe	13%</a:t>
+            </a:r>
+          </a:p>
+          <a:p>
+            <a:r>
+              <a:rPr lang="de-AT" dirty="0"/>
+              <a:t>Fernwärme	22%</a:t>
+            </a:r>
+          </a:p>
+          <a:p>
+            <a:r>
+              <a:rPr lang="de-AT" dirty="0"/>
+              <a:t>Pellets	19%</a:t>
+            </a:r>
+          </a:p>
+          <a:p>
+            <a:r>
+              <a:rPr lang="de-AT" dirty="0"/>
+              <a:t>Sonstige	 8%</a:t>
+            </a:r>
+          </a:p>
+          <a:p>
+            <a:endParaRPr lang="de-AT" dirty="0"/>
+          </a:p>
+          <a:p>
+            <a:endParaRPr lang="de-AT" dirty="0"/>
+          </a:p>
+          <a:p>
+            <a:endParaRPr lang="de-AT" dirty="0"/>
+          </a:p>
+        </p:txBody>
+      </p:sp>
+      <p:sp>
+        <p:nvSpPr>
+          <p:cNvPr id="4" name="Textplatzhalter 2">
+            <a:extLst>
+              <a:ext uri="{FF2B5EF4-FFF2-40B4-BE49-F238E27FC236}">
+                <a16:creationId xmlns:a16="http://schemas.microsoft.com/office/drawing/2014/main" id="{97C2CEC9-3931-3539-7F5E-BCC268820DD1}"/>
+              </a:ext>
+            </a:extLst>
+          </p:cNvPr>
+          <p:cNvSpPr txBox="1">
+            <a:spLocks/>
+          </p:cNvSpPr>
+          <p:nvPr/>
+        </p:nvSpPr>
+        <p:spPr>
+          <a:xfrm>
+            <a:off x="4572000" y="2138182"/>
+            <a:ext cx="4296992" cy="2424368"/>
+          </a:xfrm>
+          <a:prstGeom prst="rect">
+            <a:avLst/>
+          </a:prstGeom>
+          <a:noFill/>
+          <a:ln>
+            <a:noFill/>
+          </a:ln>
+        </p:spPr>
+        <p:txBody>
+          <a:bodyPr spcFirstLastPara="1" wrap="square" lIns="91425" tIns="91425" rIns="91425" bIns="91425" anchor="t" anchorCtr="0">
+            <a:noAutofit/>
+          </a:bodyPr>
+          <a:lstStyle>
+            <a:defPPr marR="0" lvl="0" algn="l" rtl="0">
+              <a:lnSpc>
+                <a:spcPct val="100000"/>
+              </a:lnSpc>
+              <a:spcBef>
+                <a:spcPts val="0"/>
+              </a:spcBef>
+              <a:spcAft>
+                <a:spcPts val="0"/>
+              </a:spcAft>
+            </a:defPPr>
+            <a:lvl1pPr marL="457200" marR="0" lvl="0" indent="-292100" algn="l" rtl="0">
+              <a:lnSpc>
+                <a:spcPct val="100000"/>
+              </a:lnSpc>
+              <a:spcBef>
+                <a:spcPts val="0"/>
+              </a:spcBef>
+              <a:spcAft>
+                <a:spcPts val="0"/>
+              </a:spcAft>
+              <a:buClr>
+                <a:schemeClr val="dk1"/>
+              </a:buClr>
+              <a:buSzPts val="1000"/>
+              <a:buFont typeface="Open Sans Medium"/>
+              <a:buChar char="●"/>
+              <a:defRPr sz="1400" b="0" i="0" u="none" strike="noStrike" cap="none">
+                <a:solidFill>
+                  <a:schemeClr val="dk1"/>
+                </a:solidFill>
+                <a:latin typeface="Roboto Mono Medium"/>
+                <a:ea typeface="Roboto Mono Medium"/>
+                <a:cs typeface="Roboto Mono Medium"/>
+                <a:sym typeface="Roboto Mono Medium"/>
+              </a:defRPr>
+            </a:lvl1pPr>
+            <a:lvl2pPr marL="914400" marR="0" lvl="1" indent="-317500" algn="l" rtl="0">
+              <a:lnSpc>
+                <a:spcPct val="100000"/>
+              </a:lnSpc>
+              <a:spcBef>
+                <a:spcPts val="0"/>
+              </a:spcBef>
+              <a:spcAft>
+                <a:spcPts val="0"/>
+              </a:spcAft>
+              <a:buClr>
+                <a:schemeClr val="dk1"/>
+              </a:buClr>
+              <a:buSzPts val="1400"/>
+              <a:buFont typeface="Open Sans Medium"/>
+              <a:buChar char="○"/>
+              <a:defRPr sz="1400" b="0" i="0" u="none" strike="noStrike" cap="none">
+                <a:solidFill>
+                  <a:schemeClr val="dk1"/>
+                </a:solidFill>
+                <a:latin typeface="Roboto Mono Medium"/>
+                <a:ea typeface="Roboto Mono Medium"/>
+                <a:cs typeface="Roboto Mono Medium"/>
+                <a:sym typeface="Roboto Mono Medium"/>
+              </a:defRPr>
+            </a:lvl2pPr>
+            <a:lvl3pPr marL="1371600" marR="0" lvl="2" indent="-317500" algn="l" rtl="0">
+              <a:lnSpc>
+                <a:spcPct val="100000"/>
+              </a:lnSpc>
+              <a:spcBef>
+                <a:spcPts val="0"/>
+              </a:spcBef>
+              <a:spcAft>
+                <a:spcPts val="0"/>
+              </a:spcAft>
+              <a:buClr>
+                <a:schemeClr val="dk1"/>
+              </a:buClr>
+              <a:buSzPts val="1400"/>
+              <a:buFont typeface="Open Sans Medium"/>
+              <a:buChar char="■"/>
+              <a:defRPr sz="1400" b="0" i="0" u="none" strike="noStrike" cap="none">
+                <a:solidFill>
+                  <a:schemeClr val="dk1"/>
+                </a:solidFill>
+                <a:latin typeface="Roboto Mono Medium"/>
+                <a:ea typeface="Roboto Mono Medium"/>
+                <a:cs typeface="Roboto Mono Medium"/>
+                <a:sym typeface="Roboto Mono Medium"/>
+              </a:defRPr>
+            </a:lvl3pPr>
+            <a:lvl4pPr marL="1828800" marR="0" lvl="3" indent="-317500" algn="l" rtl="0">
+              <a:lnSpc>
+                <a:spcPct val="100000"/>
+              </a:lnSpc>
+              <a:spcBef>
+                <a:spcPts val="0"/>
+              </a:spcBef>
+              <a:spcAft>
+                <a:spcPts val="0"/>
+              </a:spcAft>
+              <a:buClr>
+                <a:schemeClr val="dk1"/>
+              </a:buClr>
+              <a:buSzPts val="1400"/>
+              <a:buFont typeface="Open Sans Medium"/>
+              <a:buChar char="●"/>
+              <a:defRPr sz="1400" b="0" i="0" u="none" strike="noStrike" cap="none">
+                <a:solidFill>
+                  <a:schemeClr val="dk1"/>
+                </a:solidFill>
+                <a:latin typeface="Roboto Mono Medium"/>
+                <a:ea typeface="Roboto Mono Medium"/>
+                <a:cs typeface="Roboto Mono Medium"/>
+                <a:sym typeface="Roboto Mono Medium"/>
+              </a:defRPr>
+            </a:lvl4pPr>
+            <a:lvl5pPr marL="2286000" marR="0" lvl="4" indent="-317500" algn="l" rtl="0">
+              <a:lnSpc>
+                <a:spcPct val="100000"/>
+              </a:lnSpc>
+              <a:spcBef>
+                <a:spcPts val="0"/>
+              </a:spcBef>
+              <a:spcAft>
+                <a:spcPts val="0"/>
+              </a:spcAft>
+              <a:buClr>
+                <a:schemeClr val="dk1"/>
+              </a:buClr>
+              <a:buSzPts val="1400"/>
+              <a:buFont typeface="Open Sans Medium"/>
+              <a:buChar char="○"/>
+              <a:defRPr sz="1400" b="0" i="0" u="none" strike="noStrike" cap="none">
+                <a:solidFill>
+                  <a:schemeClr val="dk1"/>
+                </a:solidFill>
+                <a:latin typeface="Roboto Mono Medium"/>
+                <a:ea typeface="Roboto Mono Medium"/>
+                <a:cs typeface="Roboto Mono Medium"/>
+                <a:sym typeface="Roboto Mono Medium"/>
+              </a:defRPr>
+            </a:lvl5pPr>
+            <a:lvl6pPr marL="2743200" marR="0" lvl="5" indent="-317500" algn="l" rtl="0">
+              <a:lnSpc>
+                <a:spcPct val="100000"/>
+              </a:lnSpc>
+              <a:spcBef>
+                <a:spcPts val="0"/>
+              </a:spcBef>
+              <a:spcAft>
+                <a:spcPts val="0"/>
+              </a:spcAft>
+              <a:buClr>
+                <a:schemeClr val="dk1"/>
+              </a:buClr>
+              <a:buSzPts val="1400"/>
+              <a:buFont typeface="Open Sans Medium"/>
+              <a:buChar char="■"/>
+              <a:defRPr sz="1400" b="0" i="0" u="none" strike="noStrike" cap="none">
+                <a:solidFill>
+                  <a:schemeClr val="dk1"/>
+                </a:solidFill>
+                <a:latin typeface="Roboto Mono Medium"/>
+                <a:ea typeface="Roboto Mono Medium"/>
+                <a:cs typeface="Roboto Mono Medium"/>
+                <a:sym typeface="Roboto Mono Medium"/>
+              </a:defRPr>
+            </a:lvl6pPr>
+            <a:lvl7pPr marL="3200400" marR="0" lvl="6" indent="-317500" algn="l" rtl="0">
+              <a:lnSpc>
+                <a:spcPct val="100000"/>
+              </a:lnSpc>
+              <a:spcBef>
+                <a:spcPts val="0"/>
+              </a:spcBef>
+              <a:spcAft>
+                <a:spcPts val="0"/>
+              </a:spcAft>
+              <a:buClr>
+                <a:schemeClr val="dk1"/>
+              </a:buClr>
+              <a:buSzPts val="1400"/>
+              <a:buFont typeface="Open Sans Medium"/>
+              <a:buChar char="●"/>
+              <a:defRPr sz="1400" b="0" i="0" u="none" strike="noStrike" cap="none">
+                <a:solidFill>
+                  <a:schemeClr val="dk1"/>
+                </a:solidFill>
+                <a:latin typeface="Roboto Mono Medium"/>
+                <a:ea typeface="Roboto Mono Medium"/>
+                <a:cs typeface="Roboto Mono Medium"/>
+                <a:sym typeface="Roboto Mono Medium"/>
+              </a:defRPr>
+            </a:lvl7pPr>
+            <a:lvl8pPr marL="3657600" marR="0" lvl="7" indent="-317500" algn="l" rtl="0">
+              <a:lnSpc>
+                <a:spcPct val="100000"/>
+              </a:lnSpc>
+              <a:spcBef>
+                <a:spcPts val="0"/>
+              </a:spcBef>
+              <a:spcAft>
+                <a:spcPts val="0"/>
+              </a:spcAft>
+              <a:buClr>
+                <a:schemeClr val="dk1"/>
+              </a:buClr>
+              <a:buSzPts val="1400"/>
+              <a:buFont typeface="Open Sans Medium"/>
+              <a:buChar char="○"/>
+              <a:defRPr sz="1400" b="0" i="0" u="none" strike="noStrike" cap="none">
+                <a:solidFill>
+                  <a:schemeClr val="dk1"/>
+                </a:solidFill>
+                <a:latin typeface="Roboto Mono Medium"/>
+                <a:ea typeface="Roboto Mono Medium"/>
+                <a:cs typeface="Roboto Mono Medium"/>
+                <a:sym typeface="Roboto Mono Medium"/>
+              </a:defRPr>
+            </a:lvl8pPr>
+            <a:lvl9pPr marL="4114800" marR="0" lvl="8" indent="-317500" algn="l" rtl="0">
+              <a:lnSpc>
+                <a:spcPct val="100000"/>
+              </a:lnSpc>
+              <a:spcBef>
+                <a:spcPts val="0"/>
+              </a:spcBef>
+              <a:spcAft>
+                <a:spcPts val="0"/>
+              </a:spcAft>
+              <a:buClr>
+                <a:schemeClr val="dk1"/>
+              </a:buClr>
+              <a:buSzPts val="1400"/>
+              <a:buFont typeface="Open Sans Medium"/>
+              <a:buChar char="■"/>
+              <a:defRPr sz="1400" b="0" i="0" u="none" strike="noStrike" cap="none">
+                <a:solidFill>
+                  <a:schemeClr val="dk1"/>
+                </a:solidFill>
+                <a:latin typeface="Roboto Mono Medium"/>
+                <a:ea typeface="Roboto Mono Medium"/>
+                <a:cs typeface="Roboto Mono Medium"/>
+                <a:sym typeface="Roboto Mono Medium"/>
+              </a:defRPr>
+            </a:lvl9pPr>
+          </a:lstStyle>
+          <a:p>
+            <a:pPr marL="165100" indent="0" algn="ctr">
+              <a:buNone/>
+            </a:pPr>
+            <a:r>
+              <a:rPr lang="de-AT" sz="1600" b="1" u="sng" dirty="0"/>
+              <a:t>Österreich ∅</a:t>
+            </a:r>
+          </a:p>
+          <a:p>
+            <a:r>
+              <a:rPr lang="de-AT" dirty="0"/>
+              <a:t>Erdgas		23%</a:t>
+            </a:r>
+          </a:p>
+          <a:p>
+            <a:r>
+              <a:rPr lang="de-AT" dirty="0"/>
+              <a:t>Erdöl(+Flüssiggas)	16%</a:t>
+            </a:r>
+          </a:p>
+          <a:p>
+            <a:r>
+              <a:rPr lang="de-AT" dirty="0"/>
+              <a:t>Wärmepumpe(+Solar)	 8%</a:t>
+            </a:r>
+          </a:p>
+          <a:p>
+            <a:r>
+              <a:rPr lang="de-AT" dirty="0"/>
+              <a:t>Fernwärme		29%</a:t>
+            </a:r>
+          </a:p>
+          <a:p>
+            <a:r>
+              <a:rPr lang="de-AT" dirty="0"/>
+              <a:t>Pellets		19%</a:t>
+            </a:r>
+          </a:p>
+          <a:p>
+            <a:r>
+              <a:rPr lang="de-AT" dirty="0"/>
+              <a:t>Sonstige		 5%</a:t>
+            </a:r>
+          </a:p>
+          <a:p>
+            <a:endParaRPr lang="de-AT" dirty="0"/>
+          </a:p>
+          <a:p>
+            <a:endParaRPr lang="de-AT" dirty="0"/>
+          </a:p>
+          <a:p>
+            <a:endParaRPr lang="de-AT" dirty="0"/>
+          </a:p>
+        </p:txBody>
+      </p:sp>
+    </p:spTree>
+    <p:extLst>
+      <p:ext uri="{BB962C8B-B14F-4D97-AF65-F5344CB8AC3E}">
+        <p14:creationId xmlns:p14="http://schemas.microsoft.com/office/powerpoint/2010/main" val="3820652759"/>
+      </p:ext>
+    </p:extLst>
+  </p:cSld>
+  <p:clrMapOvr>
+    <a:masterClrMapping/>
+  </p:clrMapOvr>
+</p:sld>
+</file>
+
+<file path=ppt/slides/slide16.xml><?xml version="1.0" encoding="utf-8"?>
 <p:sld xmlns:a="http://schemas.openxmlformats.org/drawingml/2006/main" xmlns:r="http://schemas.openxmlformats.org/officeDocument/2006/relationships" xmlns:p="http://schemas.openxmlformats.org/presentationml/2006/main">
   <p:cSld>
     <p:spTree>
@@ -12766,7 +13872,87 @@
 </p:sld>
 </file>
 
-<file path=ppt/slides/slide14.xml><?xml version="1.0" encoding="utf-8"?>
+<file path=ppt/slides/slide17.xml><?xml version="1.0" encoding="utf-8"?>
+<p:sld xmlns:a="http://schemas.openxmlformats.org/drawingml/2006/main" xmlns:r="http://schemas.openxmlformats.org/officeDocument/2006/relationships" xmlns:p="http://schemas.openxmlformats.org/presentationml/2006/main">
+  <p:cSld>
+    <p:spTree>
+      <p:nvGrpSpPr>
+        <p:cNvPr id="1" name=""/>
+        <p:cNvGrpSpPr/>
+        <p:nvPr/>
+      </p:nvGrpSpPr>
+      <p:grpSpPr>
+        <a:xfrm>
+          <a:off x="0" y="0"/>
+          <a:ext cx="0" cy="0"/>
+          <a:chOff x="0" y="0"/>
+          <a:chExt cx="0" cy="0"/>
+        </a:xfrm>
+      </p:grpSpPr>
+      <p:sp>
+        <p:nvSpPr>
+          <p:cNvPr id="2" name="Titel 1">
+            <a:extLst>
+              <a:ext uri="{FF2B5EF4-FFF2-40B4-BE49-F238E27FC236}">
+                <a16:creationId xmlns:a16="http://schemas.microsoft.com/office/drawing/2014/main" id="{1BE02226-439F-D467-1AA2-952CC48EB5C4}"/>
+              </a:ext>
+            </a:extLst>
+          </p:cNvPr>
+          <p:cNvSpPr>
+            <a:spLocks noGrp="1"/>
+          </p:cNvSpPr>
+          <p:nvPr>
+            <p:ph type="ctrTitle"/>
+          </p:nvPr>
+        </p:nvSpPr>
+        <p:spPr/>
+        <p:txBody>
+          <a:bodyPr/>
+          <a:lstStyle/>
+          <a:p>
+            <a:endParaRPr lang="de-AT" dirty="0"/>
+          </a:p>
+        </p:txBody>
+      </p:sp>
+      <p:sp>
+        <p:nvSpPr>
+          <p:cNvPr id="3" name="Untertitel 2">
+            <a:extLst>
+              <a:ext uri="{FF2B5EF4-FFF2-40B4-BE49-F238E27FC236}">
+                <a16:creationId xmlns:a16="http://schemas.microsoft.com/office/drawing/2014/main" id="{B1B8F590-B56A-E836-E0D5-8179C6CA6CB8}"/>
+              </a:ext>
+            </a:extLst>
+          </p:cNvPr>
+          <p:cNvSpPr>
+            <a:spLocks noGrp="1"/>
+          </p:cNvSpPr>
+          <p:nvPr>
+            <p:ph type="subTitle" idx="1"/>
+          </p:nvPr>
+        </p:nvSpPr>
+        <p:spPr/>
+        <p:txBody>
+          <a:bodyPr/>
+          <a:lstStyle/>
+          <a:p>
+            <a:endParaRPr lang="de-AT"/>
+          </a:p>
+        </p:txBody>
+      </p:sp>
+    </p:spTree>
+    <p:extLst>
+      <p:ext uri="{BB962C8B-B14F-4D97-AF65-F5344CB8AC3E}">
+        <p14:creationId xmlns:p14="http://schemas.microsoft.com/office/powerpoint/2010/main" val="426925579"/>
+      </p:ext>
+    </p:extLst>
+  </p:cSld>
+  <p:clrMapOvr>
+    <a:masterClrMapping/>
+  </p:clrMapOvr>
+</p:sld>
+</file>
+
+<file path=ppt/slides/slide18.xml><?xml version="1.0" encoding="utf-8"?>
 <p:sld xmlns:a="http://schemas.openxmlformats.org/drawingml/2006/main" xmlns:r="http://schemas.openxmlformats.org/officeDocument/2006/relationships" xmlns:p="http://schemas.openxmlformats.org/presentationml/2006/main">
   <p:cSld>
     <p:spTree>
@@ -12796,13 +13982,13 @@
           <p:nvPr>
             <p:extLst>
               <p:ext uri="{D42A27DB-BD31-4B8C-83A1-F6EECF244321}">
-                <p14:modId xmlns:p14="http://schemas.microsoft.com/office/powerpoint/2010/main" val="3181549015"/>
+                <p14:modId xmlns:p14="http://schemas.microsoft.com/office/powerpoint/2010/main" val="751399756"/>
               </p:ext>
             </p:extLst>
           </p:nvPr>
         </p:nvGraphicFramePr>
         <p:xfrm>
-          <a:off x="914400" y="539750"/>
+          <a:off x="381000" y="539750"/>
           <a:ext cx="6819900" cy="4064000"/>
         </p:xfrm>
         <a:graphic>
@@ -12825,7 +14011,7 @@
         </p:nvSpPr>
         <p:spPr>
           <a:xfrm>
-            <a:off x="3540125" y="2927351"/>
+            <a:off x="3006725" y="2927351"/>
             <a:ext cx="1568450" cy="461665"/>
           </a:xfrm>
           <a:prstGeom prst="rect">
@@ -12862,6 +14048,134 @@
           </a:p>
         </p:txBody>
       </p:sp>
+      <p:sp>
+        <p:nvSpPr>
+          <p:cNvPr id="2" name="Textfeld 1">
+            <a:extLst>
+              <a:ext uri="{FF2B5EF4-FFF2-40B4-BE49-F238E27FC236}">
+                <a16:creationId xmlns:a16="http://schemas.microsoft.com/office/drawing/2014/main" id="{D89F6692-3192-B81A-B327-9CA136ED15E6}"/>
+              </a:ext>
+            </a:extLst>
+          </p:cNvPr>
+          <p:cNvSpPr txBox="1"/>
+          <p:nvPr/>
+        </p:nvSpPr>
+        <p:spPr>
+          <a:xfrm>
+            <a:off x="6063916" y="1505666"/>
+            <a:ext cx="2699084" cy="1384995"/>
+          </a:xfrm>
+          <a:prstGeom prst="rect">
+            <a:avLst/>
+          </a:prstGeom>
+          <a:noFill/>
+        </p:spPr>
+        <p:txBody>
+          <a:bodyPr wrap="square" rtlCol="0">
+            <a:spAutoFit/>
+          </a:bodyPr>
+          <a:lstStyle/>
+          <a:p>
+            <a:r>
+              <a:rPr lang="de-AT" sz="1600" b="1" u="sng" dirty="0">
+                <a:solidFill>
+                  <a:schemeClr val="tx1"/>
+                </a:solidFill>
+                <a:latin typeface="Roboto Mono Medium"/>
+                <a:ea typeface="Roboto Mono Medium"/>
+                <a:sym typeface="Roboto Mono Medium"/>
+              </a:rPr>
+              <a:t>E-Auto Bestand 2022</a:t>
+            </a:r>
+          </a:p>
+          <a:p>
+            <a:pPr marL="285750" indent="-285750">
+              <a:buFont typeface="Arial" panose="020B0604020202020204" pitchFamily="34" charset="0"/>
+              <a:buChar char="•"/>
+            </a:pPr>
+            <a:r>
+              <a:rPr lang="de-AT" sz="1200" dirty="0">
+                <a:solidFill>
+                  <a:schemeClr val="tx1"/>
+                </a:solidFill>
+                <a:latin typeface="Roboto Mono Medium"/>
+                <a:ea typeface="Roboto Mono Medium"/>
+                <a:sym typeface="Roboto Mono Medium"/>
+              </a:rPr>
+              <a:t>1,1%</a:t>
+            </a:r>
+          </a:p>
+          <a:p>
+            <a:pPr marL="285750" indent="-285750">
+              <a:buFont typeface="Arial" panose="020B0604020202020204" pitchFamily="34" charset="0"/>
+              <a:buChar char="•"/>
+            </a:pPr>
+            <a:endParaRPr lang="de-AT" sz="1600" b="1" u="sng" dirty="0">
+              <a:solidFill>
+                <a:schemeClr val="tx1"/>
+              </a:solidFill>
+              <a:latin typeface="Roboto Mono Medium"/>
+              <a:ea typeface="Roboto Mono Medium"/>
+              <a:sym typeface="Roboto Mono Medium"/>
+            </a:endParaRPr>
+          </a:p>
+          <a:p>
+            <a:r>
+              <a:rPr lang="de-AT" sz="1600" b="1" u="sng" dirty="0">
+                <a:solidFill>
+                  <a:schemeClr val="tx1"/>
+                </a:solidFill>
+                <a:latin typeface="Roboto Mono Medium"/>
+                <a:ea typeface="Roboto Mono Medium"/>
+                <a:sym typeface="Roboto Mono Medium"/>
+              </a:rPr>
+              <a:t>Umfrage</a:t>
+            </a:r>
+          </a:p>
+          <a:p>
+            <a:pPr marL="285750" indent="-285750">
+              <a:buFont typeface="Arial" panose="020B0604020202020204" pitchFamily="34" charset="0"/>
+              <a:buChar char="•"/>
+            </a:pPr>
+            <a:r>
+              <a:rPr lang="de-AT" sz="1200" dirty="0">
+                <a:solidFill>
+                  <a:schemeClr val="tx1"/>
+                </a:solidFill>
+                <a:latin typeface="Roboto Mono Medium"/>
+                <a:ea typeface="Roboto Mono Medium"/>
+                <a:sym typeface="Roboto Mono Medium"/>
+              </a:rPr>
+              <a:t>Ja	14,4%</a:t>
+            </a:r>
+          </a:p>
+          <a:p>
+            <a:pPr marL="285750" indent="-285750">
+              <a:buFont typeface="Arial" panose="020B0604020202020204" pitchFamily="34" charset="0"/>
+              <a:buChar char="•"/>
+            </a:pPr>
+            <a:r>
+              <a:rPr lang="de-AT" sz="1200" dirty="0">
+                <a:solidFill>
+                  <a:schemeClr val="tx1"/>
+                </a:solidFill>
+                <a:latin typeface="Roboto Mono Medium"/>
+                <a:ea typeface="Roboto Mono Medium"/>
+                <a:sym typeface="Roboto Mono Medium"/>
+              </a:rPr>
+              <a:t>Nein	85,6%</a:t>
+            </a:r>
+            <a:endParaRPr lang="de-AT" sz="1600" dirty="0">
+              <a:solidFill>
+                <a:schemeClr val="dk1"/>
+              </a:solidFill>
+              <a:latin typeface="Roboto Mono Medium"/>
+              <a:ea typeface="Roboto Mono Medium"/>
+              <a:sym typeface="Roboto Mono Medium"/>
+            </a:endParaRPr>
+          </a:p>
+        </p:txBody>
+      </p:sp>
     </p:spTree>
     <p:extLst>
       <p:ext uri="{BB962C8B-B14F-4D97-AF65-F5344CB8AC3E}">
@@ -12875,7 +14189,7 @@
 </p:sld>
 </file>
 
-<file path=ppt/slides/slide15.xml><?xml version="1.0" encoding="utf-8"?>
+<file path=ppt/slides/slide19.xml><?xml version="1.0" encoding="utf-8"?>
 <p:sld xmlns:a="http://schemas.openxmlformats.org/drawingml/2006/main" xmlns:r="http://schemas.openxmlformats.org/officeDocument/2006/relationships" xmlns:p="http://schemas.openxmlformats.org/presentationml/2006/main">
   <p:cSld>
     <p:spTree>
@@ -12984,7 +14298,169 @@
 </p:sld>
 </file>
 
-<file path=ppt/slides/slide16.xml><?xml version="1.0" encoding="utf-8"?>
+<file path=ppt/slides/slide2.xml><?xml version="1.0" encoding="utf-8"?>
+<p:sld xmlns:a="http://schemas.openxmlformats.org/drawingml/2006/main" xmlns:r="http://schemas.openxmlformats.org/officeDocument/2006/relationships" xmlns:p="http://schemas.openxmlformats.org/presentationml/2006/main">
+  <p:cSld>
+    <p:spTree>
+      <p:nvGrpSpPr>
+        <p:cNvPr id="1" name=""/>
+        <p:cNvGrpSpPr/>
+        <p:nvPr/>
+      </p:nvGrpSpPr>
+      <p:grpSpPr>
+        <a:xfrm>
+          <a:off x="0" y="0"/>
+          <a:ext cx="0" cy="0"/>
+          <a:chOff x="0" y="0"/>
+          <a:chExt cx="0" cy="0"/>
+        </a:xfrm>
+      </p:grpSpPr>
+      <p:sp>
+        <p:nvSpPr>
+          <p:cNvPr id="2" name="Titel 1">
+            <a:extLst>
+              <a:ext uri="{FF2B5EF4-FFF2-40B4-BE49-F238E27FC236}">
+                <a16:creationId xmlns:a16="http://schemas.microsoft.com/office/drawing/2014/main" id="{F3DD32B3-174F-52C9-5943-042730B2AEEE}"/>
+              </a:ext>
+            </a:extLst>
+          </p:cNvPr>
+          <p:cNvSpPr>
+            <a:spLocks noGrp="1"/>
+          </p:cNvSpPr>
+          <p:nvPr>
+            <p:ph type="title"/>
+          </p:nvPr>
+        </p:nvSpPr>
+        <p:spPr/>
+        <p:txBody>
+          <a:bodyPr/>
+          <a:lstStyle/>
+          <a:p>
+            <a:r>
+              <a:rPr lang="de-AT" dirty="0"/>
+              <a:t>Keywords</a:t>
+            </a:r>
+          </a:p>
+        </p:txBody>
+      </p:sp>
+      <p:sp>
+        <p:nvSpPr>
+          <p:cNvPr id="7" name="Textplatzhalter 6">
+            <a:extLst>
+              <a:ext uri="{FF2B5EF4-FFF2-40B4-BE49-F238E27FC236}">
+                <a16:creationId xmlns:a16="http://schemas.microsoft.com/office/drawing/2014/main" id="{22A8EDB7-AE2D-2FE5-41BB-965B1B7F271D}"/>
+              </a:ext>
+            </a:extLst>
+          </p:cNvPr>
+          <p:cNvSpPr>
+            <a:spLocks noGrp="1"/>
+          </p:cNvSpPr>
+          <p:nvPr>
+            <p:ph type="body" idx="1"/>
+          </p:nvPr>
+        </p:nvSpPr>
+        <p:spPr>
+          <a:xfrm>
+            <a:off x="713400" y="1423164"/>
+            <a:ext cx="4181734" cy="3139386"/>
+          </a:xfrm>
+        </p:spPr>
+        <p:txBody>
+          <a:bodyPr/>
+          <a:lstStyle/>
+          <a:p>
+            <a:r>
+              <a:rPr lang="de-AT" dirty="0"/>
+              <a:t>Energieautark / </a:t>
+            </a:r>
+            <a:br>
+              <a:rPr lang="de-AT" dirty="0"/>
+            </a:br>
+            <a:r>
+              <a:rPr lang="de-AT" dirty="0"/>
+              <a:t>Energieeffizient</a:t>
+            </a:r>
+          </a:p>
+          <a:p>
+            <a:r>
+              <a:rPr lang="de-AT" dirty="0"/>
+              <a:t>Smart-Home</a:t>
+            </a:r>
+          </a:p>
+          <a:p>
+            <a:r>
+              <a:rPr lang="de-AT" dirty="0"/>
+              <a:t>Sicherheit</a:t>
+            </a:r>
+          </a:p>
+          <a:p>
+            <a:r>
+              <a:rPr lang="de-AT" dirty="0"/>
+              <a:t>Ambient </a:t>
+            </a:r>
+            <a:r>
+              <a:rPr lang="de-AT" dirty="0" err="1"/>
+              <a:t>Assisted</a:t>
+            </a:r>
+            <a:r>
+              <a:rPr lang="de-AT" dirty="0"/>
+              <a:t> Living (AAL)</a:t>
+            </a:r>
+          </a:p>
+          <a:p>
+            <a:r>
+              <a:rPr lang="de-AT" dirty="0"/>
+              <a:t>Nachhaltigkeit mit neuen technischen Lösungen (Wasserstoff- und Eisspeicher, …)</a:t>
+            </a:r>
+          </a:p>
+          <a:p>
+            <a:endParaRPr lang="de-AT" dirty="0"/>
+          </a:p>
+        </p:txBody>
+      </p:sp>
+      <p:pic>
+        <p:nvPicPr>
+          <p:cNvPr id="9" name="Grafik 8">
+            <a:extLst>
+              <a:ext uri="{FF2B5EF4-FFF2-40B4-BE49-F238E27FC236}">
+                <a16:creationId xmlns:a16="http://schemas.microsoft.com/office/drawing/2014/main" id="{82657900-F99C-A5E1-A0DE-FDBDD17B7EB8}"/>
+              </a:ext>
+            </a:extLst>
+          </p:cNvPr>
+          <p:cNvPicPr>
+            <a:picLocks noChangeAspect="1"/>
+          </p:cNvPicPr>
+          <p:nvPr/>
+        </p:nvPicPr>
+        <p:blipFill rotWithShape="1">
+          <a:blip r:embed="rId3"/>
+          <a:srcRect l="4986" r="4709"/>
+          <a:stretch/>
+        </p:blipFill>
+        <p:spPr>
+          <a:xfrm>
+            <a:off x="4489497" y="118474"/>
+            <a:ext cx="4482623" cy="2709771"/>
+          </a:xfrm>
+          <a:prstGeom prst="rect">
+            <a:avLst/>
+          </a:prstGeom>
+        </p:spPr>
+      </p:pic>
+    </p:spTree>
+    <p:extLst>
+      <p:ext uri="{BB962C8B-B14F-4D97-AF65-F5344CB8AC3E}">
+        <p14:creationId xmlns:p14="http://schemas.microsoft.com/office/powerpoint/2010/main" val="1214710852"/>
+      </p:ext>
+    </p:extLst>
+  </p:cSld>
+  <p:clrMapOvr>
+    <a:masterClrMapping/>
+  </p:clrMapOvr>
+</p:sld>
+</file>
+
+<file path=ppt/slides/slide20.xml><?xml version="1.0" encoding="utf-8"?>
 <p:sld xmlns:a="http://schemas.openxmlformats.org/drawingml/2006/main" xmlns:r="http://schemas.openxmlformats.org/officeDocument/2006/relationships" xmlns:p="http://schemas.openxmlformats.org/presentationml/2006/main">
   <p:cSld>
     <p:spTree>
@@ -13379,7 +14855,7 @@
 </p:sld>
 </file>
 
-<file path=ppt/slides/slide17.xml><?xml version="1.0" encoding="utf-8"?>
+<file path=ppt/slides/slide21.xml><?xml version="1.0" encoding="utf-8"?>
 <p:sld xmlns:a="http://schemas.openxmlformats.org/drawingml/2006/main" xmlns:r="http://schemas.openxmlformats.org/officeDocument/2006/relationships" xmlns:p="http://schemas.openxmlformats.org/presentationml/2006/main">
   <p:cSld>
     <p:spTree>
@@ -13419,13 +14895,8 @@
           <a:p>
             <a:r>
               <a:rPr lang="de-AT" dirty="0"/>
-              <a:t>Mögliche </a:t>
+              <a:t>Mögliche Plattformen</a:t>
             </a:r>
-            <a:r>
-              <a:rPr lang="de-AT" dirty="0" err="1"/>
-              <a:t>Platformen</a:t>
-            </a:r>
-            <a:endParaRPr lang="de-AT" dirty="0"/>
           </a:p>
         </p:txBody>
       </p:sp>
@@ -13448,7 +14919,7 @@
         <p:spPr>
           <a:xfrm>
             <a:off x="713400" y="1812450"/>
-            <a:ext cx="7809876" cy="2750100"/>
+            <a:ext cx="3782973" cy="2750100"/>
           </a:xfrm>
         </p:spPr>
         <p:txBody>
@@ -13512,6 +14983,332 @@
           </a:p>
         </p:txBody>
       </p:sp>
+      <p:sp>
+        <p:nvSpPr>
+          <p:cNvPr id="4" name="Textplatzhalter 2">
+            <a:extLst>
+              <a:ext uri="{FF2B5EF4-FFF2-40B4-BE49-F238E27FC236}">
+                <a16:creationId xmlns:a16="http://schemas.microsoft.com/office/drawing/2014/main" id="{5A10A224-1290-52F3-479F-7466721FFD47}"/>
+              </a:ext>
+            </a:extLst>
+          </p:cNvPr>
+          <p:cNvSpPr txBox="1">
+            <a:spLocks/>
+          </p:cNvSpPr>
+          <p:nvPr/>
+        </p:nvSpPr>
+        <p:spPr>
+          <a:xfrm>
+            <a:off x="4647627" y="1812450"/>
+            <a:ext cx="3782973" cy="2750100"/>
+          </a:xfrm>
+          <a:prstGeom prst="rect">
+            <a:avLst/>
+          </a:prstGeom>
+          <a:noFill/>
+          <a:ln>
+            <a:noFill/>
+          </a:ln>
+        </p:spPr>
+        <p:txBody>
+          <a:bodyPr spcFirstLastPara="1" wrap="square" lIns="91425" tIns="91425" rIns="91425" bIns="91425" anchor="t" anchorCtr="0">
+            <a:noAutofit/>
+          </a:bodyPr>
+          <a:lstStyle>
+            <a:defPPr marR="0" lvl="0" algn="l" rtl="0">
+              <a:lnSpc>
+                <a:spcPct val="100000"/>
+              </a:lnSpc>
+              <a:spcBef>
+                <a:spcPts val="0"/>
+              </a:spcBef>
+              <a:spcAft>
+                <a:spcPts val="0"/>
+              </a:spcAft>
+            </a:defPPr>
+            <a:lvl1pPr marL="457200" marR="0" lvl="0" indent="-292100" algn="l" rtl="0">
+              <a:lnSpc>
+                <a:spcPct val="100000"/>
+              </a:lnSpc>
+              <a:spcBef>
+                <a:spcPts val="0"/>
+              </a:spcBef>
+              <a:spcAft>
+                <a:spcPts val="0"/>
+              </a:spcAft>
+              <a:buClr>
+                <a:schemeClr val="dk1"/>
+              </a:buClr>
+              <a:buSzPts val="1000"/>
+              <a:buFont typeface="Open Sans Medium"/>
+              <a:buChar char="●"/>
+              <a:defRPr sz="1400" b="0" i="0" u="none" strike="noStrike" cap="none">
+                <a:solidFill>
+                  <a:schemeClr val="dk1"/>
+                </a:solidFill>
+                <a:latin typeface="Roboto Mono Medium"/>
+                <a:ea typeface="Roboto Mono Medium"/>
+                <a:cs typeface="Roboto Mono Medium"/>
+                <a:sym typeface="Roboto Mono Medium"/>
+              </a:defRPr>
+            </a:lvl1pPr>
+            <a:lvl2pPr marL="914400" marR="0" lvl="1" indent="-317500" algn="l" rtl="0">
+              <a:lnSpc>
+                <a:spcPct val="100000"/>
+              </a:lnSpc>
+              <a:spcBef>
+                <a:spcPts val="0"/>
+              </a:spcBef>
+              <a:spcAft>
+                <a:spcPts val="0"/>
+              </a:spcAft>
+              <a:buClr>
+                <a:schemeClr val="dk1"/>
+              </a:buClr>
+              <a:buSzPts val="1400"/>
+              <a:buFont typeface="Open Sans Medium"/>
+              <a:buChar char="○"/>
+              <a:defRPr sz="1400" b="0" i="0" u="none" strike="noStrike" cap="none">
+                <a:solidFill>
+                  <a:schemeClr val="dk1"/>
+                </a:solidFill>
+                <a:latin typeface="Roboto Mono Medium"/>
+                <a:ea typeface="Roboto Mono Medium"/>
+                <a:cs typeface="Roboto Mono Medium"/>
+                <a:sym typeface="Roboto Mono Medium"/>
+              </a:defRPr>
+            </a:lvl2pPr>
+            <a:lvl3pPr marL="1371600" marR="0" lvl="2" indent="-317500" algn="l" rtl="0">
+              <a:lnSpc>
+                <a:spcPct val="100000"/>
+              </a:lnSpc>
+              <a:spcBef>
+                <a:spcPts val="0"/>
+              </a:spcBef>
+              <a:spcAft>
+                <a:spcPts val="0"/>
+              </a:spcAft>
+              <a:buClr>
+                <a:schemeClr val="dk1"/>
+              </a:buClr>
+              <a:buSzPts val="1400"/>
+              <a:buFont typeface="Open Sans Medium"/>
+              <a:buChar char="■"/>
+              <a:defRPr sz="1400" b="0" i="0" u="none" strike="noStrike" cap="none">
+                <a:solidFill>
+                  <a:schemeClr val="dk1"/>
+                </a:solidFill>
+                <a:latin typeface="Roboto Mono Medium"/>
+                <a:ea typeface="Roboto Mono Medium"/>
+                <a:cs typeface="Roboto Mono Medium"/>
+                <a:sym typeface="Roboto Mono Medium"/>
+              </a:defRPr>
+            </a:lvl3pPr>
+            <a:lvl4pPr marL="1828800" marR="0" lvl="3" indent="-317500" algn="l" rtl="0">
+              <a:lnSpc>
+                <a:spcPct val="100000"/>
+              </a:lnSpc>
+              <a:spcBef>
+                <a:spcPts val="0"/>
+              </a:spcBef>
+              <a:spcAft>
+                <a:spcPts val="0"/>
+              </a:spcAft>
+              <a:buClr>
+                <a:schemeClr val="dk1"/>
+              </a:buClr>
+              <a:buSzPts val="1400"/>
+              <a:buFont typeface="Open Sans Medium"/>
+              <a:buChar char="●"/>
+              <a:defRPr sz="1400" b="0" i="0" u="none" strike="noStrike" cap="none">
+                <a:solidFill>
+                  <a:schemeClr val="dk1"/>
+                </a:solidFill>
+                <a:latin typeface="Roboto Mono Medium"/>
+                <a:ea typeface="Roboto Mono Medium"/>
+                <a:cs typeface="Roboto Mono Medium"/>
+                <a:sym typeface="Roboto Mono Medium"/>
+              </a:defRPr>
+            </a:lvl4pPr>
+            <a:lvl5pPr marL="2286000" marR="0" lvl="4" indent="-317500" algn="l" rtl="0">
+              <a:lnSpc>
+                <a:spcPct val="100000"/>
+              </a:lnSpc>
+              <a:spcBef>
+                <a:spcPts val="0"/>
+              </a:spcBef>
+              <a:spcAft>
+                <a:spcPts val="0"/>
+              </a:spcAft>
+              <a:buClr>
+                <a:schemeClr val="dk1"/>
+              </a:buClr>
+              <a:buSzPts val="1400"/>
+              <a:buFont typeface="Open Sans Medium"/>
+              <a:buChar char="○"/>
+              <a:defRPr sz="1400" b="0" i="0" u="none" strike="noStrike" cap="none">
+                <a:solidFill>
+                  <a:schemeClr val="dk1"/>
+                </a:solidFill>
+                <a:latin typeface="Roboto Mono Medium"/>
+                <a:ea typeface="Roboto Mono Medium"/>
+                <a:cs typeface="Roboto Mono Medium"/>
+                <a:sym typeface="Roboto Mono Medium"/>
+              </a:defRPr>
+            </a:lvl5pPr>
+            <a:lvl6pPr marL="2743200" marR="0" lvl="5" indent="-317500" algn="l" rtl="0">
+              <a:lnSpc>
+                <a:spcPct val="100000"/>
+              </a:lnSpc>
+              <a:spcBef>
+                <a:spcPts val="0"/>
+              </a:spcBef>
+              <a:spcAft>
+                <a:spcPts val="0"/>
+              </a:spcAft>
+              <a:buClr>
+                <a:schemeClr val="dk1"/>
+              </a:buClr>
+              <a:buSzPts val="1400"/>
+              <a:buFont typeface="Open Sans Medium"/>
+              <a:buChar char="■"/>
+              <a:defRPr sz="1400" b="0" i="0" u="none" strike="noStrike" cap="none">
+                <a:solidFill>
+                  <a:schemeClr val="dk1"/>
+                </a:solidFill>
+                <a:latin typeface="Roboto Mono Medium"/>
+                <a:ea typeface="Roboto Mono Medium"/>
+                <a:cs typeface="Roboto Mono Medium"/>
+                <a:sym typeface="Roboto Mono Medium"/>
+              </a:defRPr>
+            </a:lvl6pPr>
+            <a:lvl7pPr marL="3200400" marR="0" lvl="6" indent="-317500" algn="l" rtl="0">
+              <a:lnSpc>
+                <a:spcPct val="100000"/>
+              </a:lnSpc>
+              <a:spcBef>
+                <a:spcPts val="0"/>
+              </a:spcBef>
+              <a:spcAft>
+                <a:spcPts val="0"/>
+              </a:spcAft>
+              <a:buClr>
+                <a:schemeClr val="dk1"/>
+              </a:buClr>
+              <a:buSzPts val="1400"/>
+              <a:buFont typeface="Open Sans Medium"/>
+              <a:buChar char="●"/>
+              <a:defRPr sz="1400" b="0" i="0" u="none" strike="noStrike" cap="none">
+                <a:solidFill>
+                  <a:schemeClr val="dk1"/>
+                </a:solidFill>
+                <a:latin typeface="Roboto Mono Medium"/>
+                <a:ea typeface="Roboto Mono Medium"/>
+                <a:cs typeface="Roboto Mono Medium"/>
+                <a:sym typeface="Roboto Mono Medium"/>
+              </a:defRPr>
+            </a:lvl7pPr>
+            <a:lvl8pPr marL="3657600" marR="0" lvl="7" indent="-317500" algn="l" rtl="0">
+              <a:lnSpc>
+                <a:spcPct val="100000"/>
+              </a:lnSpc>
+              <a:spcBef>
+                <a:spcPts val="0"/>
+              </a:spcBef>
+              <a:spcAft>
+                <a:spcPts val="0"/>
+              </a:spcAft>
+              <a:buClr>
+                <a:schemeClr val="dk1"/>
+              </a:buClr>
+              <a:buSzPts val="1400"/>
+              <a:buFont typeface="Open Sans Medium"/>
+              <a:buChar char="○"/>
+              <a:defRPr sz="1400" b="0" i="0" u="none" strike="noStrike" cap="none">
+                <a:solidFill>
+                  <a:schemeClr val="dk1"/>
+                </a:solidFill>
+                <a:latin typeface="Roboto Mono Medium"/>
+                <a:ea typeface="Roboto Mono Medium"/>
+                <a:cs typeface="Roboto Mono Medium"/>
+                <a:sym typeface="Roboto Mono Medium"/>
+              </a:defRPr>
+            </a:lvl8pPr>
+            <a:lvl9pPr marL="4114800" marR="0" lvl="8" indent="-317500" algn="l" rtl="0">
+              <a:lnSpc>
+                <a:spcPct val="100000"/>
+              </a:lnSpc>
+              <a:spcBef>
+                <a:spcPts val="0"/>
+              </a:spcBef>
+              <a:spcAft>
+                <a:spcPts val="0"/>
+              </a:spcAft>
+              <a:buClr>
+                <a:schemeClr val="dk1"/>
+              </a:buClr>
+              <a:buSzPts val="1400"/>
+              <a:buFont typeface="Open Sans Medium"/>
+              <a:buChar char="■"/>
+              <a:defRPr sz="1400" b="0" i="0" u="none" strike="noStrike" cap="none">
+                <a:solidFill>
+                  <a:schemeClr val="dk1"/>
+                </a:solidFill>
+                <a:latin typeface="Roboto Mono Medium"/>
+                <a:ea typeface="Roboto Mono Medium"/>
+                <a:cs typeface="Roboto Mono Medium"/>
+                <a:sym typeface="Roboto Mono Medium"/>
+              </a:defRPr>
+            </a:lvl9pPr>
+          </a:lstStyle>
+          <a:p>
+            <a:r>
+              <a:rPr lang="de-AT" b="1" dirty="0"/>
+              <a:t>Home </a:t>
+            </a:r>
+            <a:r>
+              <a:rPr lang="de-AT" b="1" dirty="0" err="1"/>
+              <a:t>Assistant</a:t>
+            </a:r>
+            <a:endParaRPr lang="de-AT" b="1" dirty="0"/>
+          </a:p>
+          <a:p>
+            <a:pPr lvl="1"/>
+            <a:r>
+              <a:rPr lang="de-AT" dirty="0"/>
+              <a:t>Open Source</a:t>
+            </a:r>
+          </a:p>
+          <a:p>
+            <a:r>
+              <a:rPr lang="de-AT" b="1" dirty="0" err="1"/>
+              <a:t>OpenHab</a:t>
+            </a:r>
+            <a:endParaRPr lang="de-AT" b="1" dirty="0"/>
+          </a:p>
+          <a:p>
+            <a:pPr lvl="1"/>
+            <a:r>
+              <a:rPr lang="de-AT" dirty="0"/>
+              <a:t>Open Source</a:t>
+            </a:r>
+          </a:p>
+          <a:p>
+            <a:r>
+              <a:rPr lang="de-AT" dirty="0" err="1"/>
+              <a:t>Domoticz</a:t>
+            </a:r>
+            <a:endParaRPr lang="de-AT" dirty="0"/>
+          </a:p>
+          <a:p>
+            <a:pPr lvl="1"/>
+            <a:r>
+              <a:rPr lang="de-AT" dirty="0"/>
+              <a:t>Open Source</a:t>
+            </a:r>
+          </a:p>
+        </p:txBody>
+      </p:sp>
     </p:spTree>
     <p:extLst>
       <p:ext uri="{BB962C8B-B14F-4D97-AF65-F5344CB8AC3E}">
@@ -13525,7 +15322,7 @@
 </p:sld>
 </file>
 
-<file path=ppt/slides/slide18.xml><?xml version="1.0" encoding="utf-8"?>
+<file path=ppt/slides/slide22.xml><?xml version="1.0" encoding="utf-8"?>
 <p:sld xmlns:a="http://schemas.openxmlformats.org/drawingml/2006/main" xmlns:r="http://schemas.openxmlformats.org/officeDocument/2006/relationships" xmlns:p="http://schemas.openxmlformats.org/presentationml/2006/main">
   <p:cSld>
     <p:spTree>
@@ -13676,7 +15473,7 @@
 </p:sld>
 </file>
 
-<file path=ppt/slides/slide19.xml><?xml version="1.0" encoding="utf-8"?>
+<file path=ppt/slides/slide23.xml><?xml version="1.0" encoding="utf-8"?>
 <p:sld xmlns:a="http://schemas.openxmlformats.org/drawingml/2006/main" xmlns:r="http://schemas.openxmlformats.org/officeDocument/2006/relationships" xmlns:p="http://schemas.openxmlformats.org/presentationml/2006/main">
   <p:cSld>
     <p:spTree>
@@ -13762,7 +15559,454 @@
 </p:sld>
 </file>
 
-<file path=ppt/slides/slide2.xml><?xml version="1.0" encoding="utf-8"?>
+<file path=ppt/slides/slide3.xml><?xml version="1.0" encoding="utf-8"?>
+<p:sld xmlns:a="http://schemas.openxmlformats.org/drawingml/2006/main" xmlns:r="http://schemas.openxmlformats.org/officeDocument/2006/relationships" xmlns:p="http://schemas.openxmlformats.org/presentationml/2006/main">
+  <p:cSld>
+    <p:spTree>
+      <p:nvGrpSpPr>
+        <p:cNvPr id="1" name=""/>
+        <p:cNvGrpSpPr/>
+        <p:nvPr/>
+      </p:nvGrpSpPr>
+      <p:grpSpPr>
+        <a:xfrm>
+          <a:off x="0" y="0"/>
+          <a:ext cx="0" cy="0"/>
+          <a:chOff x="0" y="0"/>
+          <a:chExt cx="0" cy="0"/>
+        </a:xfrm>
+      </p:grpSpPr>
+      <p:sp>
+        <p:nvSpPr>
+          <p:cNvPr id="2" name="Titel 1">
+            <a:extLst>
+              <a:ext uri="{FF2B5EF4-FFF2-40B4-BE49-F238E27FC236}">
+                <a16:creationId xmlns:a16="http://schemas.microsoft.com/office/drawing/2014/main" id="{4ED3E4F5-4F1B-80E7-A439-B698C0489AFD}"/>
+              </a:ext>
+            </a:extLst>
+          </p:cNvPr>
+          <p:cNvSpPr>
+            <a:spLocks noGrp="1"/>
+          </p:cNvSpPr>
+          <p:nvPr>
+            <p:ph type="title"/>
+          </p:nvPr>
+        </p:nvSpPr>
+        <p:spPr>
+          <a:xfrm>
+            <a:off x="713399" y="580950"/>
+            <a:ext cx="6743049" cy="1231500"/>
+          </a:xfrm>
+        </p:spPr>
+        <p:txBody>
+          <a:bodyPr/>
+          <a:lstStyle/>
+          <a:p>
+            <a:r>
+              <a:rPr lang="de-AT" dirty="0"/>
+              <a:t>Wie wird 2050 aussehen?</a:t>
+            </a:r>
+          </a:p>
+        </p:txBody>
+      </p:sp>
+      <p:sp>
+        <p:nvSpPr>
+          <p:cNvPr id="3" name="Textplatzhalter 2">
+            <a:extLst>
+              <a:ext uri="{FF2B5EF4-FFF2-40B4-BE49-F238E27FC236}">
+                <a16:creationId xmlns:a16="http://schemas.microsoft.com/office/drawing/2014/main" id="{54196253-66F6-2468-5CCD-E93FEA091BEB}"/>
+              </a:ext>
+            </a:extLst>
+          </p:cNvPr>
+          <p:cNvSpPr>
+            <a:spLocks noGrp="1"/>
+          </p:cNvSpPr>
+          <p:nvPr>
+            <p:ph type="body" idx="1"/>
+          </p:nvPr>
+        </p:nvSpPr>
+        <p:spPr/>
+        <p:txBody>
+          <a:bodyPr/>
+          <a:lstStyle/>
+          <a:p>
+            <a:r>
+              <a:rPr lang="de-AT" dirty="0"/>
+              <a:t>Bevölkerung, etc.</a:t>
+            </a:r>
+          </a:p>
+        </p:txBody>
+      </p:sp>
+    </p:spTree>
+    <p:extLst>
+      <p:ext uri="{BB962C8B-B14F-4D97-AF65-F5344CB8AC3E}">
+        <p14:creationId xmlns:p14="http://schemas.microsoft.com/office/powerpoint/2010/main" val="3211226818"/>
+      </p:ext>
+    </p:extLst>
+  </p:cSld>
+  <p:clrMapOvr>
+    <a:masterClrMapping/>
+  </p:clrMapOvr>
+</p:sld>
+</file>
+
+<file path=ppt/slides/slide4.xml><?xml version="1.0" encoding="utf-8"?>
+<p:sld xmlns:a="http://schemas.openxmlformats.org/drawingml/2006/main" xmlns:r="http://schemas.openxmlformats.org/officeDocument/2006/relationships" xmlns:p="http://schemas.openxmlformats.org/presentationml/2006/main">
+  <p:cSld>
+    <p:spTree>
+      <p:nvGrpSpPr>
+        <p:cNvPr id="1" name=""/>
+        <p:cNvGrpSpPr/>
+        <p:nvPr/>
+      </p:nvGrpSpPr>
+      <p:grpSpPr>
+        <a:xfrm>
+          <a:off x="0" y="0"/>
+          <a:ext cx="0" cy="0"/>
+          <a:chOff x="0" y="0"/>
+          <a:chExt cx="0" cy="0"/>
+        </a:xfrm>
+      </p:grpSpPr>
+      <p:sp>
+        <p:nvSpPr>
+          <p:cNvPr id="2" name="Titel 1">
+            <a:extLst>
+              <a:ext uri="{FF2B5EF4-FFF2-40B4-BE49-F238E27FC236}">
+                <a16:creationId xmlns:a16="http://schemas.microsoft.com/office/drawing/2014/main" id="{E9DB7102-9457-C989-4A24-771A5A6C304F}"/>
+              </a:ext>
+            </a:extLst>
+          </p:cNvPr>
+          <p:cNvSpPr>
+            <a:spLocks noGrp="1"/>
+          </p:cNvSpPr>
+          <p:nvPr>
+            <p:ph type="ctrTitle"/>
+          </p:nvPr>
+        </p:nvSpPr>
+        <p:spPr>
+          <a:xfrm>
+            <a:off x="713250" y="2199775"/>
+            <a:ext cx="7717500" cy="1436914"/>
+          </a:xfrm>
+        </p:spPr>
+        <p:txBody>
+          <a:bodyPr/>
+          <a:lstStyle/>
+          <a:p>
+            <a:r>
+              <a:rPr lang="de-AT" sz="3600" dirty="0"/>
+              <a:t>PV war der Anfang, mit Wind geht es weiter?</a:t>
+            </a:r>
+          </a:p>
+        </p:txBody>
+      </p:sp>
+      <p:sp>
+        <p:nvSpPr>
+          <p:cNvPr id="4" name="Titel 1">
+            <a:extLst>
+              <a:ext uri="{FF2B5EF4-FFF2-40B4-BE49-F238E27FC236}">
+                <a16:creationId xmlns:a16="http://schemas.microsoft.com/office/drawing/2014/main" id="{39BEB1E8-0E0A-CA3D-D379-91DA996DF3A2}"/>
+              </a:ext>
+            </a:extLst>
+          </p:cNvPr>
+          <p:cNvSpPr txBox="1">
+            <a:spLocks/>
+          </p:cNvSpPr>
+          <p:nvPr/>
+        </p:nvSpPr>
+        <p:spPr>
+          <a:xfrm>
+            <a:off x="713250" y="281883"/>
+            <a:ext cx="7717500" cy="1224929"/>
+          </a:xfrm>
+          <a:prstGeom prst="rect">
+            <a:avLst/>
+          </a:prstGeom>
+          <a:noFill/>
+          <a:ln>
+            <a:noFill/>
+          </a:ln>
+          <a:effectLst>
+            <a:outerShdw blurRad="185738" algn="bl" rotWithShape="0">
+              <a:schemeClr val="dk1">
+                <a:alpha val="71000"/>
+              </a:schemeClr>
+            </a:outerShdw>
+          </a:effectLst>
+        </p:spPr>
+        <p:txBody>
+          <a:bodyPr spcFirstLastPara="1" wrap="square" lIns="91425" tIns="91425" rIns="91425" bIns="91425" anchor="b" anchorCtr="0">
+            <a:noAutofit/>
+          </a:bodyPr>
+          <a:lstStyle>
+            <a:defPPr marR="0" lvl="0" algn="l" rtl="0">
+              <a:lnSpc>
+                <a:spcPct val="100000"/>
+              </a:lnSpc>
+              <a:spcBef>
+                <a:spcPts val="0"/>
+              </a:spcBef>
+              <a:spcAft>
+                <a:spcPts val="0"/>
+              </a:spcAft>
+            </a:defPPr>
+            <a:lvl1pPr marR="0" lvl="0" algn="ctr" rtl="0">
+              <a:lnSpc>
+                <a:spcPct val="100000"/>
+              </a:lnSpc>
+              <a:spcBef>
+                <a:spcPts val="0"/>
+              </a:spcBef>
+              <a:spcAft>
+                <a:spcPts val="0"/>
+              </a:spcAft>
+              <a:buClr>
+                <a:schemeClr val="dk1"/>
+              </a:buClr>
+              <a:buSzPts val="5200"/>
+              <a:buFont typeface="Michroma"/>
+              <a:buNone/>
+              <a:defRPr sz="4200" b="1" i="0" u="none" strike="noStrike" cap="none">
+                <a:solidFill>
+                  <a:schemeClr val="dk1"/>
+                </a:solidFill>
+                <a:latin typeface="Michroma"/>
+                <a:ea typeface="Michroma"/>
+                <a:cs typeface="Michroma"/>
+                <a:sym typeface="Michroma"/>
+              </a:defRPr>
+            </a:lvl1pPr>
+            <a:lvl2pPr marR="0" lvl="1" algn="ctr" rtl="0">
+              <a:lnSpc>
+                <a:spcPct val="100000"/>
+              </a:lnSpc>
+              <a:spcBef>
+                <a:spcPts val="0"/>
+              </a:spcBef>
+              <a:spcAft>
+                <a:spcPts val="0"/>
+              </a:spcAft>
+              <a:buClr>
+                <a:schemeClr val="dk1"/>
+              </a:buClr>
+              <a:buSzPts val="5200"/>
+              <a:buFont typeface="Michroma"/>
+              <a:buNone/>
+              <a:defRPr sz="5200" b="1" i="0" u="none" strike="noStrike" cap="none">
+                <a:solidFill>
+                  <a:schemeClr val="dk1"/>
+                </a:solidFill>
+                <a:latin typeface="Michroma"/>
+                <a:ea typeface="Michroma"/>
+                <a:cs typeface="Michroma"/>
+                <a:sym typeface="Michroma"/>
+              </a:defRPr>
+            </a:lvl2pPr>
+            <a:lvl3pPr marR="0" lvl="2" algn="ctr" rtl="0">
+              <a:lnSpc>
+                <a:spcPct val="100000"/>
+              </a:lnSpc>
+              <a:spcBef>
+                <a:spcPts val="0"/>
+              </a:spcBef>
+              <a:spcAft>
+                <a:spcPts val="0"/>
+              </a:spcAft>
+              <a:buClr>
+                <a:schemeClr val="dk1"/>
+              </a:buClr>
+              <a:buSzPts val="5200"/>
+              <a:buFont typeface="Michroma"/>
+              <a:buNone/>
+              <a:defRPr sz="5200" b="1" i="0" u="none" strike="noStrike" cap="none">
+                <a:solidFill>
+                  <a:schemeClr val="dk1"/>
+                </a:solidFill>
+                <a:latin typeface="Michroma"/>
+                <a:ea typeface="Michroma"/>
+                <a:cs typeface="Michroma"/>
+                <a:sym typeface="Michroma"/>
+              </a:defRPr>
+            </a:lvl3pPr>
+            <a:lvl4pPr marR="0" lvl="3" algn="ctr" rtl="0">
+              <a:lnSpc>
+                <a:spcPct val="100000"/>
+              </a:lnSpc>
+              <a:spcBef>
+                <a:spcPts val="0"/>
+              </a:spcBef>
+              <a:spcAft>
+                <a:spcPts val="0"/>
+              </a:spcAft>
+              <a:buClr>
+                <a:schemeClr val="dk1"/>
+              </a:buClr>
+              <a:buSzPts val="5200"/>
+              <a:buFont typeface="Michroma"/>
+              <a:buNone/>
+              <a:defRPr sz="5200" b="1" i="0" u="none" strike="noStrike" cap="none">
+                <a:solidFill>
+                  <a:schemeClr val="dk1"/>
+                </a:solidFill>
+                <a:latin typeface="Michroma"/>
+                <a:ea typeface="Michroma"/>
+                <a:cs typeface="Michroma"/>
+                <a:sym typeface="Michroma"/>
+              </a:defRPr>
+            </a:lvl4pPr>
+            <a:lvl5pPr marR="0" lvl="4" algn="ctr" rtl="0">
+              <a:lnSpc>
+                <a:spcPct val="100000"/>
+              </a:lnSpc>
+              <a:spcBef>
+                <a:spcPts val="0"/>
+              </a:spcBef>
+              <a:spcAft>
+                <a:spcPts val="0"/>
+              </a:spcAft>
+              <a:buClr>
+                <a:schemeClr val="dk1"/>
+              </a:buClr>
+              <a:buSzPts val="5200"/>
+              <a:buFont typeface="Michroma"/>
+              <a:buNone/>
+              <a:defRPr sz="5200" b="1" i="0" u="none" strike="noStrike" cap="none">
+                <a:solidFill>
+                  <a:schemeClr val="dk1"/>
+                </a:solidFill>
+                <a:latin typeface="Michroma"/>
+                <a:ea typeface="Michroma"/>
+                <a:cs typeface="Michroma"/>
+                <a:sym typeface="Michroma"/>
+              </a:defRPr>
+            </a:lvl5pPr>
+            <a:lvl6pPr marR="0" lvl="5" algn="ctr" rtl="0">
+              <a:lnSpc>
+                <a:spcPct val="100000"/>
+              </a:lnSpc>
+              <a:spcBef>
+                <a:spcPts val="0"/>
+              </a:spcBef>
+              <a:spcAft>
+                <a:spcPts val="0"/>
+              </a:spcAft>
+              <a:buClr>
+                <a:schemeClr val="dk1"/>
+              </a:buClr>
+              <a:buSzPts val="5200"/>
+              <a:buFont typeface="Michroma"/>
+              <a:buNone/>
+              <a:defRPr sz="5200" b="1" i="0" u="none" strike="noStrike" cap="none">
+                <a:solidFill>
+                  <a:schemeClr val="dk1"/>
+                </a:solidFill>
+                <a:latin typeface="Michroma"/>
+                <a:ea typeface="Michroma"/>
+                <a:cs typeface="Michroma"/>
+                <a:sym typeface="Michroma"/>
+              </a:defRPr>
+            </a:lvl6pPr>
+            <a:lvl7pPr marR="0" lvl="6" algn="ctr" rtl="0">
+              <a:lnSpc>
+                <a:spcPct val="100000"/>
+              </a:lnSpc>
+              <a:spcBef>
+                <a:spcPts val="0"/>
+              </a:spcBef>
+              <a:spcAft>
+                <a:spcPts val="0"/>
+              </a:spcAft>
+              <a:buClr>
+                <a:schemeClr val="dk1"/>
+              </a:buClr>
+              <a:buSzPts val="5200"/>
+              <a:buFont typeface="Michroma"/>
+              <a:buNone/>
+              <a:defRPr sz="5200" b="1" i="0" u="none" strike="noStrike" cap="none">
+                <a:solidFill>
+                  <a:schemeClr val="dk1"/>
+                </a:solidFill>
+                <a:latin typeface="Michroma"/>
+                <a:ea typeface="Michroma"/>
+                <a:cs typeface="Michroma"/>
+                <a:sym typeface="Michroma"/>
+              </a:defRPr>
+            </a:lvl7pPr>
+            <a:lvl8pPr marR="0" lvl="7" algn="ctr" rtl="0">
+              <a:lnSpc>
+                <a:spcPct val="100000"/>
+              </a:lnSpc>
+              <a:spcBef>
+                <a:spcPts val="0"/>
+              </a:spcBef>
+              <a:spcAft>
+                <a:spcPts val="0"/>
+              </a:spcAft>
+              <a:buClr>
+                <a:schemeClr val="dk1"/>
+              </a:buClr>
+              <a:buSzPts val="5200"/>
+              <a:buFont typeface="Michroma"/>
+              <a:buNone/>
+              <a:defRPr sz="5200" b="1" i="0" u="none" strike="noStrike" cap="none">
+                <a:solidFill>
+                  <a:schemeClr val="dk1"/>
+                </a:solidFill>
+                <a:latin typeface="Michroma"/>
+                <a:ea typeface="Michroma"/>
+                <a:cs typeface="Michroma"/>
+                <a:sym typeface="Michroma"/>
+              </a:defRPr>
+            </a:lvl8pPr>
+            <a:lvl9pPr marR="0" lvl="8" algn="ctr" rtl="0">
+              <a:lnSpc>
+                <a:spcPct val="100000"/>
+              </a:lnSpc>
+              <a:spcBef>
+                <a:spcPts val="0"/>
+              </a:spcBef>
+              <a:spcAft>
+                <a:spcPts val="0"/>
+              </a:spcAft>
+              <a:buClr>
+                <a:schemeClr val="dk1"/>
+              </a:buClr>
+              <a:buSzPts val="5200"/>
+              <a:buFont typeface="Michroma"/>
+              <a:buNone/>
+              <a:defRPr sz="5200" b="1" i="0" u="none" strike="noStrike" cap="none">
+                <a:solidFill>
+                  <a:schemeClr val="dk1"/>
+                </a:solidFill>
+                <a:latin typeface="Michroma"/>
+                <a:ea typeface="Michroma"/>
+                <a:cs typeface="Michroma"/>
+                <a:sym typeface="Michroma"/>
+              </a:defRPr>
+            </a:lvl9pPr>
+          </a:lstStyle>
+          <a:p>
+            <a:r>
+              <a:rPr lang="de-AT" dirty="0"/>
+              <a:t>Energieautark</a:t>
+            </a:r>
+          </a:p>
+        </p:txBody>
+      </p:sp>
+    </p:spTree>
+    <p:extLst>
+      <p:ext uri="{BB962C8B-B14F-4D97-AF65-F5344CB8AC3E}">
+        <p14:creationId xmlns:p14="http://schemas.microsoft.com/office/powerpoint/2010/main" val="1280412472"/>
+      </p:ext>
+    </p:extLst>
+  </p:cSld>
+  <p:clrMapOvr>
+    <a:masterClrMapping/>
+  </p:clrMapOvr>
+</p:sld>
+</file>
+
+<file path=ppt/slides/slide5.xml><?xml version="1.0" encoding="utf-8"?>
 <p:sld xmlns:a="http://schemas.openxmlformats.org/drawingml/2006/main" xmlns:r="http://schemas.openxmlformats.org/officeDocument/2006/relationships" xmlns:p="http://schemas.openxmlformats.org/presentationml/2006/main">
   <p:cSld>
     <p:spTree>
@@ -13857,90 +16101,6 @@
             </a:pPr>
             <a:r>
               <a:rPr lang="en" dirty="0"/>
-              <a:t>Mission</a:t>
-            </a:r>
-            <a:endParaRPr dirty="0"/>
-          </a:p>
-        </p:txBody>
-      </p:sp>
-      <p:sp>
-        <p:nvSpPr>
-          <p:cNvPr id="625" name="Google Shape;625;p42"/>
-          <p:cNvSpPr txBox="1">
-            <a:spLocks noGrp="1"/>
-          </p:cNvSpPr>
-          <p:nvPr>
-            <p:ph type="subTitle" idx="1"/>
-          </p:nvPr>
-        </p:nvSpPr>
-        <p:spPr>
-          <a:xfrm>
-            <a:off x="1419676" y="3153338"/>
-            <a:ext cx="2695200" cy="1046700"/>
-          </a:xfrm>
-          <a:prstGeom prst="rect">
-            <a:avLst/>
-          </a:prstGeom>
-        </p:spPr>
-        <p:txBody>
-          <a:bodyPr spcFirstLastPara="1" wrap="square" lIns="91425" tIns="91425" rIns="91425" bIns="91425" anchor="t" anchorCtr="0">
-            <a:noAutofit/>
-          </a:bodyPr>
-          <a:lstStyle/>
-          <a:p>
-            <a:pPr marL="0" lvl="0" indent="0" algn="ctr" rtl="0">
-              <a:spcBef>
-                <a:spcPts val="0"/>
-              </a:spcBef>
-              <a:spcAft>
-                <a:spcPts val="0"/>
-              </a:spcAft>
-              <a:buNone/>
-            </a:pPr>
-            <a:r>
-              <a:rPr lang="de-DE" sz="2000" dirty="0"/>
-              <a:t>Siegerteam beim IMMOTOPIA Innovation Award</a:t>
-            </a:r>
-            <a:endParaRPr sz="2000" dirty="0"/>
-          </a:p>
-        </p:txBody>
-      </p:sp>
-      <p:sp>
-        <p:nvSpPr>
-          <p:cNvPr id="626" name="Google Shape;626;p42"/>
-          <p:cNvSpPr txBox="1">
-            <a:spLocks noGrp="1"/>
-          </p:cNvSpPr>
-          <p:nvPr>
-            <p:ph type="title" idx="3"/>
-          </p:nvPr>
-        </p:nvSpPr>
-        <p:spPr>
-          <a:xfrm>
-            <a:off x="5068955" y="2625638"/>
-            <a:ext cx="2695200" cy="527700"/>
-          </a:xfrm>
-          <a:prstGeom prst="rect">
-            <a:avLst/>
-          </a:prstGeom>
-        </p:spPr>
-        <p:txBody>
-          <a:bodyPr spcFirstLastPara="1" wrap="square" lIns="91425" tIns="91425" rIns="91425" bIns="91425" anchor="ctr" anchorCtr="0">
-            <a:noAutofit/>
-          </a:bodyPr>
-          <a:lstStyle/>
-          <a:p>
-            <a:pPr marL="0" lvl="0" indent="0" algn="ctr" rtl="0">
-              <a:spcBef>
-                <a:spcPts val="0"/>
-              </a:spcBef>
-              <a:spcAft>
-                <a:spcPts val="0"/>
-              </a:spcAft>
-              <a:buNone/>
-            </a:pPr>
-            <a:r>
-              <a:rPr lang="en" dirty="0"/>
               <a:t>Vision</a:t>
             </a:r>
             <a:endParaRPr dirty="0"/>
@@ -13959,7 +16119,7 @@
         </p:nvSpPr>
         <p:spPr>
           <a:xfrm>
-            <a:off x="5084284" y="3134061"/>
+            <a:off x="1419725" y="3213583"/>
             <a:ext cx="2695200" cy="1046700"/>
           </a:xfrm>
           <a:prstGeom prst="rect">
@@ -13989,781 +16149,6 @@
           </a:p>
         </p:txBody>
       </p:sp>
-      <p:grpSp>
-        <p:nvGrpSpPr>
-          <p:cNvPr id="631" name="Google Shape;631;p42"/>
-          <p:cNvGrpSpPr/>
-          <p:nvPr/>
-        </p:nvGrpSpPr>
-        <p:grpSpPr>
-          <a:xfrm>
-            <a:off x="5886192" y="1761688"/>
-            <a:ext cx="981065" cy="810062"/>
-            <a:chOff x="-3137650" y="2787000"/>
-            <a:chExt cx="291450" cy="257575"/>
-          </a:xfrm>
-        </p:grpSpPr>
-        <p:sp>
-          <p:nvSpPr>
-            <p:cNvPr id="632" name="Google Shape;632;p42"/>
-            <p:cNvSpPr/>
-            <p:nvPr/>
-          </p:nvSpPr>
-          <p:spPr>
-            <a:xfrm>
-              <a:off x="-3137650" y="2787000"/>
-              <a:ext cx="291450" cy="257575"/>
-            </a:xfrm>
-            <a:custGeom>
-              <a:avLst/>
-              <a:gdLst/>
-              <a:ahLst/>
-              <a:cxnLst/>
-              <a:rect l="l" t="t" r="r" b="b"/>
-              <a:pathLst>
-                <a:path w="11658" h="10303" extrusionOk="0">
-                  <a:moveTo>
-                    <a:pt x="10618" y="693"/>
-                  </a:moveTo>
-                  <a:cubicBezTo>
-                    <a:pt x="10807" y="693"/>
-                    <a:pt x="10964" y="851"/>
-                    <a:pt x="10964" y="1040"/>
-                  </a:cubicBezTo>
-                  <a:lnTo>
-                    <a:pt x="10964" y="2741"/>
-                  </a:lnTo>
-                  <a:lnTo>
-                    <a:pt x="662" y="2741"/>
-                  </a:lnTo>
-                  <a:lnTo>
-                    <a:pt x="662" y="1040"/>
-                  </a:lnTo>
-                  <a:cubicBezTo>
-                    <a:pt x="662" y="851"/>
-                    <a:pt x="820" y="693"/>
-                    <a:pt x="1009" y="693"/>
-                  </a:cubicBezTo>
-                  <a:close/>
-                  <a:moveTo>
-                    <a:pt x="10996" y="3403"/>
-                  </a:moveTo>
-                  <a:lnTo>
-                    <a:pt x="10996" y="9231"/>
-                  </a:lnTo>
-                  <a:cubicBezTo>
-                    <a:pt x="10964" y="9420"/>
-                    <a:pt x="10838" y="9578"/>
-                    <a:pt x="10618" y="9578"/>
-                  </a:cubicBezTo>
-                  <a:lnTo>
-                    <a:pt x="1009" y="9578"/>
-                  </a:lnTo>
-                  <a:cubicBezTo>
-                    <a:pt x="820" y="9578"/>
-                    <a:pt x="662" y="9420"/>
-                    <a:pt x="662" y="9231"/>
-                  </a:cubicBezTo>
-                  <a:lnTo>
-                    <a:pt x="662" y="3403"/>
-                  </a:lnTo>
-                  <a:close/>
-                  <a:moveTo>
-                    <a:pt x="1009" y="0"/>
-                  </a:moveTo>
-                  <a:cubicBezTo>
-                    <a:pt x="473" y="0"/>
-                    <a:pt x="1" y="473"/>
-                    <a:pt x="1" y="1040"/>
-                  </a:cubicBezTo>
-                  <a:lnTo>
-                    <a:pt x="1" y="9263"/>
-                  </a:lnTo>
-                  <a:cubicBezTo>
-                    <a:pt x="1" y="9830"/>
-                    <a:pt x="473" y="10302"/>
-                    <a:pt x="1009" y="10302"/>
-                  </a:cubicBezTo>
-                  <a:lnTo>
-                    <a:pt x="10618" y="10302"/>
-                  </a:lnTo>
-                  <a:cubicBezTo>
-                    <a:pt x="11185" y="10302"/>
-                    <a:pt x="11658" y="9830"/>
-                    <a:pt x="11658" y="9263"/>
-                  </a:cubicBezTo>
-                  <a:lnTo>
-                    <a:pt x="11658" y="1040"/>
-                  </a:lnTo>
-                  <a:cubicBezTo>
-                    <a:pt x="11658" y="441"/>
-                    <a:pt x="11217" y="0"/>
-                    <a:pt x="10618" y="0"/>
-                  </a:cubicBezTo>
-                  <a:close/>
-                </a:path>
-              </a:pathLst>
-            </a:custGeom>
-            <a:solidFill>
-              <a:schemeClr val="dk1"/>
-            </a:solidFill>
-            <a:ln>
-              <a:noFill/>
-            </a:ln>
-            <a:effectLst>
-              <a:outerShdw blurRad="57150" algn="bl" rotWithShape="0">
-                <a:schemeClr val="dk1">
-                  <a:alpha val="50000"/>
-                </a:schemeClr>
-              </a:outerShdw>
-            </a:effectLst>
-          </p:spPr>
-          <p:txBody>
-            <a:bodyPr spcFirstLastPara="1" wrap="square" lIns="91425" tIns="91425" rIns="91425" bIns="91425" anchor="ctr" anchorCtr="0">
-              <a:noAutofit/>
-            </a:bodyPr>
-            <a:lstStyle/>
-            <a:p>
-              <a:pPr marL="0" lvl="0" indent="0" algn="l" rtl="0">
-                <a:spcBef>
-                  <a:spcPts val="0"/>
-                </a:spcBef>
-                <a:spcAft>
-                  <a:spcPts val="0"/>
-                </a:spcAft>
-                <a:buNone/>
-              </a:pPr>
-              <a:endParaRPr/>
-            </a:p>
-          </p:txBody>
-        </p:sp>
-        <p:sp>
-          <p:nvSpPr>
-            <p:cNvPr id="633" name="Google Shape;633;p42"/>
-            <p:cNvSpPr/>
-            <p:nvPr/>
-          </p:nvSpPr>
-          <p:spPr>
-            <a:xfrm>
-              <a:off x="-3104575" y="2820875"/>
-              <a:ext cx="18150" cy="17350"/>
-            </a:xfrm>
-            <a:custGeom>
-              <a:avLst/>
-              <a:gdLst/>
-              <a:ahLst/>
-              <a:cxnLst/>
-              <a:rect l="l" t="t" r="r" b="b"/>
-              <a:pathLst>
-                <a:path w="726" h="694" extrusionOk="0">
-                  <a:moveTo>
-                    <a:pt x="348" y="0"/>
-                  </a:moveTo>
-                  <a:cubicBezTo>
-                    <a:pt x="158" y="0"/>
-                    <a:pt x="1" y="158"/>
-                    <a:pt x="1" y="347"/>
-                  </a:cubicBezTo>
-                  <a:cubicBezTo>
-                    <a:pt x="1" y="536"/>
-                    <a:pt x="158" y="693"/>
-                    <a:pt x="348" y="693"/>
-                  </a:cubicBezTo>
-                  <a:cubicBezTo>
-                    <a:pt x="568" y="693"/>
-                    <a:pt x="726" y="536"/>
-                    <a:pt x="726" y="347"/>
-                  </a:cubicBezTo>
-                  <a:cubicBezTo>
-                    <a:pt x="726" y="158"/>
-                    <a:pt x="568" y="0"/>
-                    <a:pt x="348" y="0"/>
-                  </a:cubicBezTo>
-                  <a:close/>
-                </a:path>
-              </a:pathLst>
-            </a:custGeom>
-            <a:solidFill>
-              <a:schemeClr val="dk1"/>
-            </a:solidFill>
-            <a:ln>
-              <a:noFill/>
-            </a:ln>
-            <a:effectLst>
-              <a:outerShdw blurRad="57150" algn="bl" rotWithShape="0">
-                <a:schemeClr val="dk1">
-                  <a:alpha val="50000"/>
-                </a:schemeClr>
-              </a:outerShdw>
-            </a:effectLst>
-          </p:spPr>
-          <p:txBody>
-            <a:bodyPr spcFirstLastPara="1" wrap="square" lIns="91425" tIns="91425" rIns="91425" bIns="91425" anchor="ctr" anchorCtr="0">
-              <a:noAutofit/>
-            </a:bodyPr>
-            <a:lstStyle/>
-            <a:p>
-              <a:pPr marL="0" lvl="0" indent="0" algn="l" rtl="0">
-                <a:spcBef>
-                  <a:spcPts val="0"/>
-                </a:spcBef>
-                <a:spcAft>
-                  <a:spcPts val="0"/>
-                </a:spcAft>
-                <a:buNone/>
-              </a:pPr>
-              <a:endParaRPr/>
-            </a:p>
-          </p:txBody>
-        </p:sp>
-        <p:sp>
-          <p:nvSpPr>
-            <p:cNvPr id="634" name="Google Shape;634;p42"/>
-            <p:cNvSpPr/>
-            <p:nvPr/>
-          </p:nvSpPr>
-          <p:spPr>
-            <a:xfrm>
-              <a:off x="-3069900" y="2820875"/>
-              <a:ext cx="17350" cy="17350"/>
-            </a:xfrm>
-            <a:custGeom>
-              <a:avLst/>
-              <a:gdLst/>
-              <a:ahLst/>
-              <a:cxnLst/>
-              <a:rect l="l" t="t" r="r" b="b"/>
-              <a:pathLst>
-                <a:path w="694" h="694" extrusionOk="0">
-                  <a:moveTo>
-                    <a:pt x="347" y="0"/>
-                  </a:moveTo>
-                  <a:cubicBezTo>
-                    <a:pt x="158" y="0"/>
-                    <a:pt x="0" y="158"/>
-                    <a:pt x="0" y="347"/>
-                  </a:cubicBezTo>
-                  <a:cubicBezTo>
-                    <a:pt x="0" y="536"/>
-                    <a:pt x="158" y="693"/>
-                    <a:pt x="347" y="693"/>
-                  </a:cubicBezTo>
-                  <a:cubicBezTo>
-                    <a:pt x="536" y="693"/>
-                    <a:pt x="693" y="536"/>
-                    <a:pt x="693" y="347"/>
-                  </a:cubicBezTo>
-                  <a:cubicBezTo>
-                    <a:pt x="693" y="158"/>
-                    <a:pt x="536" y="0"/>
-                    <a:pt x="347" y="0"/>
-                  </a:cubicBezTo>
-                  <a:close/>
-                </a:path>
-              </a:pathLst>
-            </a:custGeom>
-            <a:solidFill>
-              <a:schemeClr val="dk1"/>
-            </a:solidFill>
-            <a:ln>
-              <a:noFill/>
-            </a:ln>
-            <a:effectLst>
-              <a:outerShdw blurRad="57150" algn="bl" rotWithShape="0">
-                <a:schemeClr val="dk1">
-                  <a:alpha val="50000"/>
-                </a:schemeClr>
-              </a:outerShdw>
-            </a:effectLst>
-          </p:spPr>
-          <p:txBody>
-            <a:bodyPr spcFirstLastPara="1" wrap="square" lIns="91425" tIns="91425" rIns="91425" bIns="91425" anchor="ctr" anchorCtr="0">
-              <a:noAutofit/>
-            </a:bodyPr>
-            <a:lstStyle/>
-            <a:p>
-              <a:pPr marL="0" lvl="0" indent="0" algn="l" rtl="0">
-                <a:spcBef>
-                  <a:spcPts val="0"/>
-                </a:spcBef>
-                <a:spcAft>
-                  <a:spcPts val="0"/>
-                </a:spcAft>
-                <a:buNone/>
-              </a:pPr>
-              <a:endParaRPr/>
-            </a:p>
-          </p:txBody>
-        </p:sp>
-        <p:sp>
-          <p:nvSpPr>
-            <p:cNvPr id="635" name="Google Shape;635;p42"/>
-            <p:cNvSpPr/>
-            <p:nvPr/>
-          </p:nvSpPr>
-          <p:spPr>
-            <a:xfrm>
-              <a:off x="-3035250" y="2820875"/>
-              <a:ext cx="17350" cy="17350"/>
-            </a:xfrm>
-            <a:custGeom>
-              <a:avLst/>
-              <a:gdLst/>
-              <a:ahLst/>
-              <a:cxnLst/>
-              <a:rect l="l" t="t" r="r" b="b"/>
-              <a:pathLst>
-                <a:path w="694" h="694" extrusionOk="0">
-                  <a:moveTo>
-                    <a:pt x="347" y="0"/>
-                  </a:moveTo>
-                  <a:cubicBezTo>
-                    <a:pt x="158" y="0"/>
-                    <a:pt x="0" y="158"/>
-                    <a:pt x="0" y="347"/>
-                  </a:cubicBezTo>
-                  <a:cubicBezTo>
-                    <a:pt x="0" y="536"/>
-                    <a:pt x="158" y="693"/>
-                    <a:pt x="347" y="693"/>
-                  </a:cubicBezTo>
-                  <a:cubicBezTo>
-                    <a:pt x="536" y="693"/>
-                    <a:pt x="693" y="536"/>
-                    <a:pt x="693" y="347"/>
-                  </a:cubicBezTo>
-                  <a:cubicBezTo>
-                    <a:pt x="693" y="158"/>
-                    <a:pt x="536" y="0"/>
-                    <a:pt x="347" y="0"/>
-                  </a:cubicBezTo>
-                  <a:close/>
-                </a:path>
-              </a:pathLst>
-            </a:custGeom>
-            <a:solidFill>
-              <a:schemeClr val="dk1"/>
-            </a:solidFill>
-            <a:ln>
-              <a:noFill/>
-            </a:ln>
-            <a:effectLst>
-              <a:outerShdw blurRad="57150" algn="bl" rotWithShape="0">
-                <a:schemeClr val="dk1">
-                  <a:alpha val="50000"/>
-                </a:schemeClr>
-              </a:outerShdw>
-            </a:effectLst>
-          </p:spPr>
-          <p:txBody>
-            <a:bodyPr spcFirstLastPara="1" wrap="square" lIns="91425" tIns="91425" rIns="91425" bIns="91425" anchor="ctr" anchorCtr="0">
-              <a:noAutofit/>
-            </a:bodyPr>
-            <a:lstStyle/>
-            <a:p>
-              <a:pPr marL="0" lvl="0" indent="0" algn="l" rtl="0">
-                <a:spcBef>
-                  <a:spcPts val="0"/>
-                </a:spcBef>
-                <a:spcAft>
-                  <a:spcPts val="0"/>
-                </a:spcAft>
-                <a:buNone/>
-              </a:pPr>
-              <a:endParaRPr/>
-            </a:p>
-          </p:txBody>
-        </p:sp>
-        <p:sp>
-          <p:nvSpPr>
-            <p:cNvPr id="636" name="Google Shape;636;p42"/>
-            <p:cNvSpPr/>
-            <p:nvPr/>
-          </p:nvSpPr>
-          <p:spPr>
-            <a:xfrm>
-              <a:off x="-3002175" y="2820875"/>
-              <a:ext cx="121325" cy="17350"/>
-            </a:xfrm>
-            <a:custGeom>
-              <a:avLst/>
-              <a:gdLst/>
-              <a:ahLst/>
-              <a:cxnLst/>
-              <a:rect l="l" t="t" r="r" b="b"/>
-              <a:pathLst>
-                <a:path w="4853" h="694" extrusionOk="0">
-                  <a:moveTo>
-                    <a:pt x="347" y="0"/>
-                  </a:moveTo>
-                  <a:cubicBezTo>
-                    <a:pt x="158" y="0"/>
-                    <a:pt x="1" y="158"/>
-                    <a:pt x="1" y="347"/>
-                  </a:cubicBezTo>
-                  <a:cubicBezTo>
-                    <a:pt x="32" y="536"/>
-                    <a:pt x="190" y="693"/>
-                    <a:pt x="347" y="693"/>
-                  </a:cubicBezTo>
-                  <a:lnTo>
-                    <a:pt x="4506" y="693"/>
-                  </a:lnTo>
-                  <a:cubicBezTo>
-                    <a:pt x="4695" y="693"/>
-                    <a:pt x="4852" y="536"/>
-                    <a:pt x="4852" y="347"/>
-                  </a:cubicBezTo>
-                  <a:cubicBezTo>
-                    <a:pt x="4852" y="158"/>
-                    <a:pt x="4695" y="0"/>
-                    <a:pt x="4506" y="0"/>
-                  </a:cubicBezTo>
-                  <a:close/>
-                </a:path>
-              </a:pathLst>
-            </a:custGeom>
-            <a:solidFill>
-              <a:schemeClr val="dk1"/>
-            </a:solidFill>
-            <a:ln>
-              <a:noFill/>
-            </a:ln>
-            <a:effectLst>
-              <a:outerShdw blurRad="57150" algn="bl" rotWithShape="0">
-                <a:schemeClr val="dk1">
-                  <a:alpha val="50000"/>
-                </a:schemeClr>
-              </a:outerShdw>
-            </a:effectLst>
-          </p:spPr>
-          <p:txBody>
-            <a:bodyPr spcFirstLastPara="1" wrap="square" lIns="91425" tIns="91425" rIns="91425" bIns="91425" anchor="ctr" anchorCtr="0">
-              <a:noAutofit/>
-            </a:bodyPr>
-            <a:lstStyle/>
-            <a:p>
-              <a:pPr marL="0" lvl="0" indent="0" algn="l" rtl="0">
-                <a:spcBef>
-                  <a:spcPts val="0"/>
-                </a:spcBef>
-                <a:spcAft>
-                  <a:spcPts val="0"/>
-                </a:spcAft>
-                <a:buNone/>
-              </a:pPr>
-              <a:endParaRPr/>
-            </a:p>
-          </p:txBody>
-        </p:sp>
-        <p:sp>
-          <p:nvSpPr>
-            <p:cNvPr id="637" name="Google Shape;637;p42"/>
-            <p:cNvSpPr/>
-            <p:nvPr/>
-          </p:nvSpPr>
-          <p:spPr>
-            <a:xfrm>
-              <a:off x="-2948625" y="2907300"/>
-              <a:ext cx="52025" cy="85300"/>
-            </a:xfrm>
-            <a:custGeom>
-              <a:avLst/>
-              <a:gdLst/>
-              <a:ahLst/>
-              <a:cxnLst/>
-              <a:rect l="l" t="t" r="r" b="b"/>
-              <a:pathLst>
-                <a:path w="2081" h="3412" extrusionOk="0">
-                  <a:moveTo>
-                    <a:pt x="347" y="1"/>
-                  </a:moveTo>
-                  <a:cubicBezTo>
-                    <a:pt x="261" y="1"/>
-                    <a:pt x="174" y="24"/>
-                    <a:pt x="127" y="72"/>
-                  </a:cubicBezTo>
-                  <a:cubicBezTo>
-                    <a:pt x="1" y="198"/>
-                    <a:pt x="1" y="450"/>
-                    <a:pt x="127" y="544"/>
-                  </a:cubicBezTo>
-                  <a:lnTo>
-                    <a:pt x="1261" y="1710"/>
-                  </a:lnTo>
-                  <a:lnTo>
-                    <a:pt x="127" y="2844"/>
-                  </a:lnTo>
-                  <a:cubicBezTo>
-                    <a:pt x="1" y="2970"/>
-                    <a:pt x="1" y="3191"/>
-                    <a:pt x="127" y="3317"/>
-                  </a:cubicBezTo>
-                  <a:cubicBezTo>
-                    <a:pt x="174" y="3380"/>
-                    <a:pt x="261" y="3411"/>
-                    <a:pt x="347" y="3411"/>
-                  </a:cubicBezTo>
-                  <a:cubicBezTo>
-                    <a:pt x="434" y="3411"/>
-                    <a:pt x="521" y="3380"/>
-                    <a:pt x="568" y="3317"/>
-                  </a:cubicBezTo>
-                  <a:lnTo>
-                    <a:pt x="1954" y="1930"/>
-                  </a:lnTo>
-                  <a:cubicBezTo>
-                    <a:pt x="2080" y="1804"/>
-                    <a:pt x="2080" y="1584"/>
-                    <a:pt x="1954" y="1458"/>
-                  </a:cubicBezTo>
-                  <a:lnTo>
-                    <a:pt x="568" y="72"/>
-                  </a:lnTo>
-                  <a:cubicBezTo>
-                    <a:pt x="521" y="24"/>
-                    <a:pt x="434" y="1"/>
-                    <a:pt x="347" y="1"/>
-                  </a:cubicBezTo>
-                  <a:close/>
-                </a:path>
-              </a:pathLst>
-            </a:custGeom>
-            <a:solidFill>
-              <a:schemeClr val="dk1"/>
-            </a:solidFill>
-            <a:ln>
-              <a:noFill/>
-            </a:ln>
-            <a:effectLst>
-              <a:outerShdw blurRad="57150" algn="bl" rotWithShape="0">
-                <a:schemeClr val="dk1">
-                  <a:alpha val="50000"/>
-                </a:schemeClr>
-              </a:outerShdw>
-            </a:effectLst>
-          </p:spPr>
-          <p:txBody>
-            <a:bodyPr spcFirstLastPara="1" wrap="square" lIns="91425" tIns="91425" rIns="91425" bIns="91425" anchor="ctr" anchorCtr="0">
-              <a:noAutofit/>
-            </a:bodyPr>
-            <a:lstStyle/>
-            <a:p>
-              <a:pPr marL="0" lvl="0" indent="0" algn="l" rtl="0">
-                <a:spcBef>
-                  <a:spcPts val="0"/>
-                </a:spcBef>
-                <a:spcAft>
-                  <a:spcPts val="0"/>
-                </a:spcAft>
-                <a:buNone/>
-              </a:pPr>
-              <a:endParaRPr/>
-            </a:p>
-          </p:txBody>
-        </p:sp>
-        <p:sp>
-          <p:nvSpPr>
-            <p:cNvPr id="638" name="Google Shape;638;p42"/>
-            <p:cNvSpPr/>
-            <p:nvPr/>
-          </p:nvSpPr>
-          <p:spPr>
-            <a:xfrm>
-              <a:off x="-3088025" y="2907300"/>
-              <a:ext cx="53575" cy="85300"/>
-            </a:xfrm>
-            <a:custGeom>
-              <a:avLst/>
-              <a:gdLst/>
-              <a:ahLst/>
-              <a:cxnLst/>
-              <a:rect l="l" t="t" r="r" b="b"/>
-              <a:pathLst>
-                <a:path w="2143" h="3412" extrusionOk="0">
-                  <a:moveTo>
-                    <a:pt x="1749" y="1"/>
-                  </a:moveTo>
-                  <a:cubicBezTo>
-                    <a:pt x="1662" y="1"/>
-                    <a:pt x="1576" y="24"/>
-                    <a:pt x="1513" y="72"/>
-                  </a:cubicBezTo>
-                  <a:lnTo>
-                    <a:pt x="127" y="1458"/>
-                  </a:lnTo>
-                  <a:cubicBezTo>
-                    <a:pt x="1" y="1584"/>
-                    <a:pt x="1" y="1804"/>
-                    <a:pt x="127" y="1930"/>
-                  </a:cubicBezTo>
-                  <a:lnTo>
-                    <a:pt x="1513" y="3317"/>
-                  </a:lnTo>
-                  <a:cubicBezTo>
-                    <a:pt x="1576" y="3380"/>
-                    <a:pt x="1662" y="3411"/>
-                    <a:pt x="1749" y="3411"/>
-                  </a:cubicBezTo>
-                  <a:cubicBezTo>
-                    <a:pt x="1836" y="3411"/>
-                    <a:pt x="1922" y="3380"/>
-                    <a:pt x="1985" y="3317"/>
-                  </a:cubicBezTo>
-                  <a:cubicBezTo>
-                    <a:pt x="2111" y="3191"/>
-                    <a:pt x="2111" y="2970"/>
-                    <a:pt x="1985" y="2844"/>
-                  </a:cubicBezTo>
-                  <a:lnTo>
-                    <a:pt x="851" y="1710"/>
-                  </a:lnTo>
-                  <a:lnTo>
-                    <a:pt x="1985" y="544"/>
-                  </a:lnTo>
-                  <a:cubicBezTo>
-                    <a:pt x="2143" y="450"/>
-                    <a:pt x="2143" y="198"/>
-                    <a:pt x="1985" y="72"/>
-                  </a:cubicBezTo>
-                  <a:cubicBezTo>
-                    <a:pt x="1922" y="24"/>
-                    <a:pt x="1836" y="1"/>
-                    <a:pt x="1749" y="1"/>
-                  </a:cubicBezTo>
-                  <a:close/>
-                </a:path>
-              </a:pathLst>
-            </a:custGeom>
-            <a:solidFill>
-              <a:schemeClr val="dk1"/>
-            </a:solidFill>
-            <a:ln>
-              <a:noFill/>
-            </a:ln>
-            <a:effectLst>
-              <a:outerShdw blurRad="57150" algn="bl" rotWithShape="0">
-                <a:schemeClr val="dk1">
-                  <a:alpha val="50000"/>
-                </a:schemeClr>
-              </a:outerShdw>
-            </a:effectLst>
-          </p:spPr>
-          <p:txBody>
-            <a:bodyPr spcFirstLastPara="1" wrap="square" lIns="91425" tIns="91425" rIns="91425" bIns="91425" anchor="ctr" anchorCtr="0">
-              <a:noAutofit/>
-            </a:bodyPr>
-            <a:lstStyle/>
-            <a:p>
-              <a:pPr marL="0" lvl="0" indent="0" algn="l" rtl="0">
-                <a:spcBef>
-                  <a:spcPts val="0"/>
-                </a:spcBef>
-                <a:spcAft>
-                  <a:spcPts val="0"/>
-                </a:spcAft>
-                <a:buNone/>
-              </a:pPr>
-              <a:endParaRPr/>
-            </a:p>
-          </p:txBody>
-        </p:sp>
-        <p:sp>
-          <p:nvSpPr>
-            <p:cNvPr id="639" name="Google Shape;639;p42"/>
-            <p:cNvSpPr/>
-            <p:nvPr/>
-          </p:nvSpPr>
-          <p:spPr>
-            <a:xfrm>
-              <a:off x="-3019500" y="2888975"/>
-              <a:ext cx="54375" cy="119400"/>
-            </a:xfrm>
-            <a:custGeom>
-              <a:avLst/>
-              <a:gdLst/>
-              <a:ahLst/>
-              <a:cxnLst/>
-              <a:rect l="l" t="t" r="r" b="b"/>
-              <a:pathLst>
-                <a:path w="2175" h="4776" extrusionOk="0">
-                  <a:moveTo>
-                    <a:pt x="1778" y="0"/>
-                  </a:moveTo>
-                  <a:cubicBezTo>
-                    <a:pt x="1617" y="0"/>
-                    <a:pt x="1501" y="108"/>
-                    <a:pt x="1450" y="237"/>
-                  </a:cubicBezTo>
-                  <a:lnTo>
-                    <a:pt x="63" y="4333"/>
-                  </a:lnTo>
-                  <a:cubicBezTo>
-                    <a:pt x="0" y="4522"/>
-                    <a:pt x="95" y="4680"/>
-                    <a:pt x="253" y="4743"/>
-                  </a:cubicBezTo>
-                  <a:cubicBezTo>
-                    <a:pt x="305" y="4765"/>
-                    <a:pt x="354" y="4775"/>
-                    <a:pt x="399" y="4775"/>
-                  </a:cubicBezTo>
-                  <a:cubicBezTo>
-                    <a:pt x="543" y="4775"/>
-                    <a:pt x="646" y="4674"/>
-                    <a:pt x="694" y="4554"/>
-                  </a:cubicBezTo>
-                  <a:lnTo>
-                    <a:pt x="2080" y="458"/>
-                  </a:lnTo>
-                  <a:cubicBezTo>
-                    <a:pt x="2174" y="300"/>
-                    <a:pt x="2048" y="111"/>
-                    <a:pt x="1891" y="17"/>
-                  </a:cubicBezTo>
-                  <a:cubicBezTo>
-                    <a:pt x="1851" y="6"/>
-                    <a:pt x="1813" y="0"/>
-                    <a:pt x="1778" y="0"/>
-                  </a:cubicBezTo>
-                  <a:close/>
-                </a:path>
-              </a:pathLst>
-            </a:custGeom>
-            <a:solidFill>
-              <a:schemeClr val="dk1"/>
-            </a:solidFill>
-            <a:ln>
-              <a:noFill/>
-            </a:ln>
-            <a:effectLst>
-              <a:outerShdw blurRad="57150" algn="bl" rotWithShape="0">
-                <a:schemeClr val="dk1">
-                  <a:alpha val="50000"/>
-                </a:schemeClr>
-              </a:outerShdw>
-            </a:effectLst>
-          </p:spPr>
-          <p:txBody>
-            <a:bodyPr spcFirstLastPara="1" wrap="square" lIns="91425" tIns="91425" rIns="91425" bIns="91425" anchor="ctr" anchorCtr="0">
-              <a:noAutofit/>
-            </a:bodyPr>
-            <a:lstStyle/>
-            <a:p>
-              <a:pPr marL="0" lvl="0" indent="0" algn="l" rtl="0">
-                <a:spcBef>
-                  <a:spcPts val="0"/>
-                </a:spcBef>
-                <a:spcAft>
-                  <a:spcPts val="0"/>
-                </a:spcAft>
-                <a:buNone/>
-              </a:pPr>
-              <a:endParaRPr/>
-            </a:p>
-          </p:txBody>
-        </p:sp>
-      </p:grpSp>
       <p:grpSp>
         <p:nvGrpSpPr>
           <p:cNvPr id="640" name="Google Shape;640;p42"/>
@@ -15399,10 +16784,590 @@
       </p:grpSp>
       <p:sp>
         <p:nvSpPr>
-          <p:cNvPr id="2" name="Google Shape;9095;p68">
+          <p:cNvPr id="3" name="Google Shape;624;p42">
             <a:extLst>
               <a:ext uri="{FF2B5EF4-FFF2-40B4-BE49-F238E27FC236}">
-                <a16:creationId xmlns:a16="http://schemas.microsoft.com/office/drawing/2014/main" id="{3FE5CC57-39F9-D139-43FE-CE580B3A76CF}"/>
+                <a16:creationId xmlns:a16="http://schemas.microsoft.com/office/drawing/2014/main" id="{808C678D-E3AF-3E2D-77D4-02506FB5C0B9}"/>
+              </a:ext>
+            </a:extLst>
+          </p:cNvPr>
+          <p:cNvSpPr txBox="1">
+            <a:spLocks/>
+          </p:cNvSpPr>
+          <p:nvPr/>
+        </p:nvSpPr>
+        <p:spPr>
+          <a:xfrm>
+            <a:off x="5068906" y="2685883"/>
+            <a:ext cx="2695200" cy="527700"/>
+          </a:xfrm>
+          <a:prstGeom prst="rect">
+            <a:avLst/>
+          </a:prstGeom>
+          <a:noFill/>
+          <a:ln>
+            <a:noFill/>
+          </a:ln>
+          <a:effectLst>
+            <a:outerShdw blurRad="42863" algn="bl" rotWithShape="0">
+              <a:schemeClr val="dk1">
+                <a:alpha val="58000"/>
+              </a:schemeClr>
+            </a:outerShdw>
+          </a:effectLst>
+        </p:spPr>
+        <p:txBody>
+          <a:bodyPr spcFirstLastPara="1" wrap="square" lIns="91425" tIns="91425" rIns="91425" bIns="91425" anchor="ctr" anchorCtr="0">
+            <a:noAutofit/>
+          </a:bodyPr>
+          <a:lstStyle>
+            <a:defPPr marR="0" lvl="0" algn="l" rtl="0">
+              <a:lnSpc>
+                <a:spcPct val="100000"/>
+              </a:lnSpc>
+              <a:spcBef>
+                <a:spcPts val="0"/>
+              </a:spcBef>
+              <a:spcAft>
+                <a:spcPts val="0"/>
+              </a:spcAft>
+            </a:defPPr>
+            <a:lvl1pPr marR="0" lvl="0" algn="ctr" rtl="0">
+              <a:lnSpc>
+                <a:spcPct val="100000"/>
+              </a:lnSpc>
+              <a:spcBef>
+                <a:spcPts val="0"/>
+              </a:spcBef>
+              <a:spcAft>
+                <a:spcPts val="0"/>
+              </a:spcAft>
+              <a:buClr>
+                <a:schemeClr val="dk1"/>
+              </a:buClr>
+              <a:buSzPts val="2500"/>
+              <a:buFont typeface="Michroma"/>
+              <a:buNone/>
+              <a:defRPr sz="2200" b="1" i="0" u="none" strike="noStrike" cap="none">
+                <a:solidFill>
+                  <a:schemeClr val="dk1"/>
+                </a:solidFill>
+                <a:latin typeface="Michroma"/>
+                <a:ea typeface="Michroma"/>
+                <a:cs typeface="Michroma"/>
+                <a:sym typeface="Michroma"/>
+              </a:defRPr>
+            </a:lvl1pPr>
+            <a:lvl2pPr marR="0" lvl="1" algn="ctr" rtl="0">
+              <a:lnSpc>
+                <a:spcPct val="100000"/>
+              </a:lnSpc>
+              <a:spcBef>
+                <a:spcPts val="0"/>
+              </a:spcBef>
+              <a:spcAft>
+                <a:spcPts val="0"/>
+              </a:spcAft>
+              <a:buClr>
+                <a:schemeClr val="dk1"/>
+              </a:buClr>
+              <a:buSzPts val="2500"/>
+              <a:buFont typeface="Michroma"/>
+              <a:buNone/>
+              <a:defRPr sz="2500" b="1" i="0" u="none" strike="noStrike" cap="none">
+                <a:solidFill>
+                  <a:schemeClr val="dk1"/>
+                </a:solidFill>
+                <a:latin typeface="Michroma"/>
+                <a:ea typeface="Michroma"/>
+                <a:cs typeface="Michroma"/>
+                <a:sym typeface="Michroma"/>
+              </a:defRPr>
+            </a:lvl2pPr>
+            <a:lvl3pPr marR="0" lvl="2" algn="ctr" rtl="0">
+              <a:lnSpc>
+                <a:spcPct val="100000"/>
+              </a:lnSpc>
+              <a:spcBef>
+                <a:spcPts val="0"/>
+              </a:spcBef>
+              <a:spcAft>
+                <a:spcPts val="0"/>
+              </a:spcAft>
+              <a:buClr>
+                <a:schemeClr val="dk1"/>
+              </a:buClr>
+              <a:buSzPts val="2500"/>
+              <a:buFont typeface="Michroma"/>
+              <a:buNone/>
+              <a:defRPr sz="2500" b="1" i="0" u="none" strike="noStrike" cap="none">
+                <a:solidFill>
+                  <a:schemeClr val="dk1"/>
+                </a:solidFill>
+                <a:latin typeface="Michroma"/>
+                <a:ea typeface="Michroma"/>
+                <a:cs typeface="Michroma"/>
+                <a:sym typeface="Michroma"/>
+              </a:defRPr>
+            </a:lvl3pPr>
+            <a:lvl4pPr marR="0" lvl="3" algn="ctr" rtl="0">
+              <a:lnSpc>
+                <a:spcPct val="100000"/>
+              </a:lnSpc>
+              <a:spcBef>
+                <a:spcPts val="0"/>
+              </a:spcBef>
+              <a:spcAft>
+                <a:spcPts val="0"/>
+              </a:spcAft>
+              <a:buClr>
+                <a:schemeClr val="dk1"/>
+              </a:buClr>
+              <a:buSzPts val="2500"/>
+              <a:buFont typeface="Michroma"/>
+              <a:buNone/>
+              <a:defRPr sz="2500" b="1" i="0" u="none" strike="noStrike" cap="none">
+                <a:solidFill>
+                  <a:schemeClr val="dk1"/>
+                </a:solidFill>
+                <a:latin typeface="Michroma"/>
+                <a:ea typeface="Michroma"/>
+                <a:cs typeface="Michroma"/>
+                <a:sym typeface="Michroma"/>
+              </a:defRPr>
+            </a:lvl4pPr>
+            <a:lvl5pPr marR="0" lvl="4" algn="ctr" rtl="0">
+              <a:lnSpc>
+                <a:spcPct val="100000"/>
+              </a:lnSpc>
+              <a:spcBef>
+                <a:spcPts val="0"/>
+              </a:spcBef>
+              <a:spcAft>
+                <a:spcPts val="0"/>
+              </a:spcAft>
+              <a:buClr>
+                <a:schemeClr val="dk1"/>
+              </a:buClr>
+              <a:buSzPts val="2500"/>
+              <a:buFont typeface="Michroma"/>
+              <a:buNone/>
+              <a:defRPr sz="2500" b="1" i="0" u="none" strike="noStrike" cap="none">
+                <a:solidFill>
+                  <a:schemeClr val="dk1"/>
+                </a:solidFill>
+                <a:latin typeface="Michroma"/>
+                <a:ea typeface="Michroma"/>
+                <a:cs typeface="Michroma"/>
+                <a:sym typeface="Michroma"/>
+              </a:defRPr>
+            </a:lvl5pPr>
+            <a:lvl6pPr marR="0" lvl="5" algn="ctr" rtl="0">
+              <a:lnSpc>
+                <a:spcPct val="100000"/>
+              </a:lnSpc>
+              <a:spcBef>
+                <a:spcPts val="0"/>
+              </a:spcBef>
+              <a:spcAft>
+                <a:spcPts val="0"/>
+              </a:spcAft>
+              <a:buClr>
+                <a:schemeClr val="dk1"/>
+              </a:buClr>
+              <a:buSzPts val="2500"/>
+              <a:buFont typeface="Michroma"/>
+              <a:buNone/>
+              <a:defRPr sz="2500" b="1" i="0" u="none" strike="noStrike" cap="none">
+                <a:solidFill>
+                  <a:schemeClr val="dk1"/>
+                </a:solidFill>
+                <a:latin typeface="Michroma"/>
+                <a:ea typeface="Michroma"/>
+                <a:cs typeface="Michroma"/>
+                <a:sym typeface="Michroma"/>
+              </a:defRPr>
+            </a:lvl6pPr>
+            <a:lvl7pPr marR="0" lvl="6" algn="ctr" rtl="0">
+              <a:lnSpc>
+                <a:spcPct val="100000"/>
+              </a:lnSpc>
+              <a:spcBef>
+                <a:spcPts val="0"/>
+              </a:spcBef>
+              <a:spcAft>
+                <a:spcPts val="0"/>
+              </a:spcAft>
+              <a:buClr>
+                <a:schemeClr val="dk1"/>
+              </a:buClr>
+              <a:buSzPts val="2500"/>
+              <a:buFont typeface="Michroma"/>
+              <a:buNone/>
+              <a:defRPr sz="2500" b="1" i="0" u="none" strike="noStrike" cap="none">
+                <a:solidFill>
+                  <a:schemeClr val="dk1"/>
+                </a:solidFill>
+                <a:latin typeface="Michroma"/>
+                <a:ea typeface="Michroma"/>
+                <a:cs typeface="Michroma"/>
+                <a:sym typeface="Michroma"/>
+              </a:defRPr>
+            </a:lvl7pPr>
+            <a:lvl8pPr marR="0" lvl="7" algn="ctr" rtl="0">
+              <a:lnSpc>
+                <a:spcPct val="100000"/>
+              </a:lnSpc>
+              <a:spcBef>
+                <a:spcPts val="0"/>
+              </a:spcBef>
+              <a:spcAft>
+                <a:spcPts val="0"/>
+              </a:spcAft>
+              <a:buClr>
+                <a:schemeClr val="dk1"/>
+              </a:buClr>
+              <a:buSzPts val="2500"/>
+              <a:buFont typeface="Michroma"/>
+              <a:buNone/>
+              <a:defRPr sz="2500" b="1" i="0" u="none" strike="noStrike" cap="none">
+                <a:solidFill>
+                  <a:schemeClr val="dk1"/>
+                </a:solidFill>
+                <a:latin typeface="Michroma"/>
+                <a:ea typeface="Michroma"/>
+                <a:cs typeface="Michroma"/>
+                <a:sym typeface="Michroma"/>
+              </a:defRPr>
+            </a:lvl8pPr>
+            <a:lvl9pPr marR="0" lvl="8" algn="ctr" rtl="0">
+              <a:lnSpc>
+                <a:spcPct val="100000"/>
+              </a:lnSpc>
+              <a:spcBef>
+                <a:spcPts val="0"/>
+              </a:spcBef>
+              <a:spcAft>
+                <a:spcPts val="0"/>
+              </a:spcAft>
+              <a:buClr>
+                <a:schemeClr val="dk1"/>
+              </a:buClr>
+              <a:buSzPts val="2500"/>
+              <a:buFont typeface="Michroma"/>
+              <a:buNone/>
+              <a:defRPr sz="2500" b="1" i="0" u="none" strike="noStrike" cap="none">
+                <a:solidFill>
+                  <a:schemeClr val="dk1"/>
+                </a:solidFill>
+                <a:latin typeface="Michroma"/>
+                <a:ea typeface="Michroma"/>
+                <a:cs typeface="Michroma"/>
+                <a:sym typeface="Michroma"/>
+              </a:defRPr>
+            </a:lvl9pPr>
+          </a:lstStyle>
+          <a:p>
+            <a:r>
+              <a:rPr lang="de-AT" dirty="0"/>
+              <a:t>Mission</a:t>
+            </a:r>
+          </a:p>
+        </p:txBody>
+      </p:sp>
+      <p:sp>
+        <p:nvSpPr>
+          <p:cNvPr id="4" name="Google Shape;625;p42">
+            <a:extLst>
+              <a:ext uri="{FF2B5EF4-FFF2-40B4-BE49-F238E27FC236}">
+                <a16:creationId xmlns:a16="http://schemas.microsoft.com/office/drawing/2014/main" id="{DFD403F1-4B4A-71C4-F9A2-C53FAF4250B7}"/>
+              </a:ext>
+            </a:extLst>
+          </p:cNvPr>
+          <p:cNvSpPr txBox="1">
+            <a:spLocks/>
+          </p:cNvSpPr>
+          <p:nvPr/>
+        </p:nvSpPr>
+        <p:spPr>
+          <a:xfrm>
+            <a:off x="5068857" y="3213583"/>
+            <a:ext cx="2695200" cy="1046700"/>
+          </a:xfrm>
+          <a:prstGeom prst="rect">
+            <a:avLst/>
+          </a:prstGeom>
+          <a:noFill/>
+          <a:ln>
+            <a:noFill/>
+          </a:ln>
+        </p:spPr>
+        <p:txBody>
+          <a:bodyPr spcFirstLastPara="1" wrap="square" lIns="91425" tIns="91425" rIns="91425" bIns="91425" anchor="t" anchorCtr="0">
+            <a:noAutofit/>
+          </a:bodyPr>
+          <a:lstStyle>
+            <a:defPPr marR="0" lvl="0" algn="l" rtl="0">
+              <a:lnSpc>
+                <a:spcPct val="100000"/>
+              </a:lnSpc>
+              <a:spcBef>
+                <a:spcPts val="0"/>
+              </a:spcBef>
+              <a:spcAft>
+                <a:spcPts val="0"/>
+              </a:spcAft>
+            </a:defPPr>
+            <a:lvl1pPr marL="457200" marR="0" lvl="0" indent="-317500" algn="ctr" rtl="0">
+              <a:lnSpc>
+                <a:spcPct val="100000"/>
+              </a:lnSpc>
+              <a:spcBef>
+                <a:spcPts val="0"/>
+              </a:spcBef>
+              <a:spcAft>
+                <a:spcPts val="0"/>
+              </a:spcAft>
+              <a:buClr>
+                <a:schemeClr val="dk1"/>
+              </a:buClr>
+              <a:buSzPts val="1400"/>
+              <a:buFont typeface="Roboto Mono Medium"/>
+              <a:buNone/>
+              <a:defRPr sz="1400" b="0" i="0" u="none" strike="noStrike" cap="none">
+                <a:solidFill>
+                  <a:schemeClr val="dk1"/>
+                </a:solidFill>
+                <a:latin typeface="Roboto Mono Medium"/>
+                <a:ea typeface="Roboto Mono Medium"/>
+                <a:cs typeface="Roboto Mono Medium"/>
+                <a:sym typeface="Roboto Mono Medium"/>
+              </a:defRPr>
+            </a:lvl1pPr>
+            <a:lvl2pPr marL="914400" marR="0" lvl="1" indent="-317500" algn="ctr" rtl="0">
+              <a:lnSpc>
+                <a:spcPct val="100000"/>
+              </a:lnSpc>
+              <a:spcBef>
+                <a:spcPts val="0"/>
+              </a:spcBef>
+              <a:spcAft>
+                <a:spcPts val="0"/>
+              </a:spcAft>
+              <a:buClr>
+                <a:schemeClr val="dk1"/>
+              </a:buClr>
+              <a:buSzPts val="1400"/>
+              <a:buFont typeface="Roboto Mono Medium"/>
+              <a:buNone/>
+              <a:defRPr sz="1400" b="0" i="0" u="none" strike="noStrike" cap="none">
+                <a:solidFill>
+                  <a:schemeClr val="dk1"/>
+                </a:solidFill>
+                <a:latin typeface="Roboto Mono Medium"/>
+                <a:ea typeface="Roboto Mono Medium"/>
+                <a:cs typeface="Roboto Mono Medium"/>
+                <a:sym typeface="Roboto Mono Medium"/>
+              </a:defRPr>
+            </a:lvl2pPr>
+            <a:lvl3pPr marL="1371600" marR="0" lvl="2" indent="-317500" algn="ctr" rtl="0">
+              <a:lnSpc>
+                <a:spcPct val="100000"/>
+              </a:lnSpc>
+              <a:spcBef>
+                <a:spcPts val="0"/>
+              </a:spcBef>
+              <a:spcAft>
+                <a:spcPts val="0"/>
+              </a:spcAft>
+              <a:buClr>
+                <a:schemeClr val="dk1"/>
+              </a:buClr>
+              <a:buSzPts val="1400"/>
+              <a:buFont typeface="Roboto Mono Medium"/>
+              <a:buNone/>
+              <a:defRPr sz="1400" b="0" i="0" u="none" strike="noStrike" cap="none">
+                <a:solidFill>
+                  <a:schemeClr val="dk1"/>
+                </a:solidFill>
+                <a:latin typeface="Roboto Mono Medium"/>
+                <a:ea typeface="Roboto Mono Medium"/>
+                <a:cs typeface="Roboto Mono Medium"/>
+                <a:sym typeface="Roboto Mono Medium"/>
+              </a:defRPr>
+            </a:lvl3pPr>
+            <a:lvl4pPr marL="1828800" marR="0" lvl="3" indent="-317500" algn="ctr" rtl="0">
+              <a:lnSpc>
+                <a:spcPct val="100000"/>
+              </a:lnSpc>
+              <a:spcBef>
+                <a:spcPts val="0"/>
+              </a:spcBef>
+              <a:spcAft>
+                <a:spcPts val="0"/>
+              </a:spcAft>
+              <a:buClr>
+                <a:schemeClr val="dk1"/>
+              </a:buClr>
+              <a:buSzPts val="1400"/>
+              <a:buFont typeface="Roboto Mono Medium"/>
+              <a:buNone/>
+              <a:defRPr sz="1400" b="0" i="0" u="none" strike="noStrike" cap="none">
+                <a:solidFill>
+                  <a:schemeClr val="dk1"/>
+                </a:solidFill>
+                <a:latin typeface="Roboto Mono Medium"/>
+                <a:ea typeface="Roboto Mono Medium"/>
+                <a:cs typeface="Roboto Mono Medium"/>
+                <a:sym typeface="Roboto Mono Medium"/>
+              </a:defRPr>
+            </a:lvl4pPr>
+            <a:lvl5pPr marL="2286000" marR="0" lvl="4" indent="-317500" algn="ctr" rtl="0">
+              <a:lnSpc>
+                <a:spcPct val="100000"/>
+              </a:lnSpc>
+              <a:spcBef>
+                <a:spcPts val="0"/>
+              </a:spcBef>
+              <a:spcAft>
+                <a:spcPts val="0"/>
+              </a:spcAft>
+              <a:buClr>
+                <a:schemeClr val="dk1"/>
+              </a:buClr>
+              <a:buSzPts val="1400"/>
+              <a:buFont typeface="Roboto Mono Medium"/>
+              <a:buNone/>
+              <a:defRPr sz="1400" b="0" i="0" u="none" strike="noStrike" cap="none">
+                <a:solidFill>
+                  <a:schemeClr val="dk1"/>
+                </a:solidFill>
+                <a:latin typeface="Roboto Mono Medium"/>
+                <a:ea typeface="Roboto Mono Medium"/>
+                <a:cs typeface="Roboto Mono Medium"/>
+                <a:sym typeface="Roboto Mono Medium"/>
+              </a:defRPr>
+            </a:lvl5pPr>
+            <a:lvl6pPr marL="2743200" marR="0" lvl="5" indent="-317500" algn="ctr" rtl="0">
+              <a:lnSpc>
+                <a:spcPct val="100000"/>
+              </a:lnSpc>
+              <a:spcBef>
+                <a:spcPts val="0"/>
+              </a:spcBef>
+              <a:spcAft>
+                <a:spcPts val="0"/>
+              </a:spcAft>
+              <a:buClr>
+                <a:schemeClr val="dk1"/>
+              </a:buClr>
+              <a:buSzPts val="1400"/>
+              <a:buFont typeface="Roboto Mono Medium"/>
+              <a:buNone/>
+              <a:defRPr sz="1400" b="0" i="0" u="none" strike="noStrike" cap="none">
+                <a:solidFill>
+                  <a:schemeClr val="dk1"/>
+                </a:solidFill>
+                <a:latin typeface="Roboto Mono Medium"/>
+                <a:ea typeface="Roboto Mono Medium"/>
+                <a:cs typeface="Roboto Mono Medium"/>
+                <a:sym typeface="Roboto Mono Medium"/>
+              </a:defRPr>
+            </a:lvl6pPr>
+            <a:lvl7pPr marL="3200400" marR="0" lvl="6" indent="-317500" algn="ctr" rtl="0">
+              <a:lnSpc>
+                <a:spcPct val="100000"/>
+              </a:lnSpc>
+              <a:spcBef>
+                <a:spcPts val="0"/>
+              </a:spcBef>
+              <a:spcAft>
+                <a:spcPts val="0"/>
+              </a:spcAft>
+              <a:buClr>
+                <a:schemeClr val="dk1"/>
+              </a:buClr>
+              <a:buSzPts val="1400"/>
+              <a:buFont typeface="Roboto Mono Medium"/>
+              <a:buNone/>
+              <a:defRPr sz="1400" b="0" i="0" u="none" strike="noStrike" cap="none">
+                <a:solidFill>
+                  <a:schemeClr val="dk1"/>
+                </a:solidFill>
+                <a:latin typeface="Roboto Mono Medium"/>
+                <a:ea typeface="Roboto Mono Medium"/>
+                <a:cs typeface="Roboto Mono Medium"/>
+                <a:sym typeface="Roboto Mono Medium"/>
+              </a:defRPr>
+            </a:lvl7pPr>
+            <a:lvl8pPr marL="3657600" marR="0" lvl="7" indent="-317500" algn="ctr" rtl="0">
+              <a:lnSpc>
+                <a:spcPct val="100000"/>
+              </a:lnSpc>
+              <a:spcBef>
+                <a:spcPts val="0"/>
+              </a:spcBef>
+              <a:spcAft>
+                <a:spcPts val="0"/>
+              </a:spcAft>
+              <a:buClr>
+                <a:schemeClr val="dk1"/>
+              </a:buClr>
+              <a:buSzPts val="1400"/>
+              <a:buFont typeface="Roboto Mono Medium"/>
+              <a:buNone/>
+              <a:defRPr sz="1400" b="0" i="0" u="none" strike="noStrike" cap="none">
+                <a:solidFill>
+                  <a:schemeClr val="dk1"/>
+                </a:solidFill>
+                <a:latin typeface="Roboto Mono Medium"/>
+                <a:ea typeface="Roboto Mono Medium"/>
+                <a:cs typeface="Roboto Mono Medium"/>
+                <a:sym typeface="Roboto Mono Medium"/>
+              </a:defRPr>
+            </a:lvl8pPr>
+            <a:lvl9pPr marL="4114800" marR="0" lvl="8" indent="-317500" algn="ctr" rtl="0">
+              <a:lnSpc>
+                <a:spcPct val="100000"/>
+              </a:lnSpc>
+              <a:spcBef>
+                <a:spcPts val="0"/>
+              </a:spcBef>
+              <a:spcAft>
+                <a:spcPts val="0"/>
+              </a:spcAft>
+              <a:buClr>
+                <a:schemeClr val="dk1"/>
+              </a:buClr>
+              <a:buSzPts val="1400"/>
+              <a:buFont typeface="Roboto Mono Medium"/>
+              <a:buNone/>
+              <a:defRPr sz="1400" b="0" i="0" u="none" strike="noStrike" cap="none">
+                <a:solidFill>
+                  <a:schemeClr val="dk1"/>
+                </a:solidFill>
+                <a:latin typeface="Roboto Mono Medium"/>
+                <a:ea typeface="Roboto Mono Medium"/>
+                <a:cs typeface="Roboto Mono Medium"/>
+                <a:sym typeface="Roboto Mono Medium"/>
+              </a:defRPr>
+            </a:lvl9pPr>
+          </a:lstStyle>
+          <a:p>
+            <a:pPr marL="0" indent="0"/>
+            <a:r>
+              <a:rPr lang="de-DE" sz="2000" dirty="0"/>
+              <a:t>Siegerteam beim IMMOTOPIA Innovation Award</a:t>
+            </a:r>
+          </a:p>
+        </p:txBody>
+      </p:sp>
+      <p:sp>
+        <p:nvSpPr>
+          <p:cNvPr id="5" name="Google Shape;9095;p68">
+            <a:extLst>
+              <a:ext uri="{FF2B5EF4-FFF2-40B4-BE49-F238E27FC236}">
+                <a16:creationId xmlns:a16="http://schemas.microsoft.com/office/drawing/2014/main" id="{FF670319-0AC0-A7A2-453B-774D062636CA}"/>
               </a:ext>
             </a:extLst>
           </p:cNvPr>
@@ -15411,7 +17376,7 @@
         </p:nvSpPr>
         <p:spPr>
           <a:xfrm>
-            <a:off x="2335689" y="1707799"/>
+            <a:off x="5984870" y="1768044"/>
             <a:ext cx="863174" cy="810063"/>
           </a:xfrm>
           <a:custGeom>
@@ -15681,6 +17646,835 @@
           </a:p>
         </p:txBody>
       </p:sp>
+      <p:grpSp>
+        <p:nvGrpSpPr>
+          <p:cNvPr id="12" name="Google Shape;631;p42">
+            <a:extLst>
+              <a:ext uri="{FF2B5EF4-FFF2-40B4-BE49-F238E27FC236}">
+                <a16:creationId xmlns:a16="http://schemas.microsoft.com/office/drawing/2014/main" id="{969F4742-032A-10E4-FDFD-F83468D803A0}"/>
+              </a:ext>
+            </a:extLst>
+          </p:cNvPr>
+          <p:cNvGrpSpPr/>
+          <p:nvPr/>
+        </p:nvGrpSpPr>
+        <p:grpSpPr>
+          <a:xfrm>
+            <a:off x="2336795" y="1761688"/>
+            <a:ext cx="981065" cy="810062"/>
+            <a:chOff x="-3137650" y="2787000"/>
+            <a:chExt cx="291450" cy="257575"/>
+          </a:xfrm>
+        </p:grpSpPr>
+        <p:sp>
+          <p:nvSpPr>
+            <p:cNvPr id="13" name="Google Shape;632;p42">
+              <a:extLst>
+                <a:ext uri="{FF2B5EF4-FFF2-40B4-BE49-F238E27FC236}">
+                  <a16:creationId xmlns:a16="http://schemas.microsoft.com/office/drawing/2014/main" id="{C05B8145-7CCF-6137-E7FA-0C44A5D9193F}"/>
+                </a:ext>
+              </a:extLst>
+            </p:cNvPr>
+            <p:cNvSpPr/>
+            <p:nvPr/>
+          </p:nvSpPr>
+          <p:spPr>
+            <a:xfrm>
+              <a:off x="-3137650" y="2787000"/>
+              <a:ext cx="291450" cy="257575"/>
+            </a:xfrm>
+            <a:custGeom>
+              <a:avLst/>
+              <a:gdLst/>
+              <a:ahLst/>
+              <a:cxnLst/>
+              <a:rect l="l" t="t" r="r" b="b"/>
+              <a:pathLst>
+                <a:path w="11658" h="10303" extrusionOk="0">
+                  <a:moveTo>
+                    <a:pt x="10618" y="693"/>
+                  </a:moveTo>
+                  <a:cubicBezTo>
+                    <a:pt x="10807" y="693"/>
+                    <a:pt x="10964" y="851"/>
+                    <a:pt x="10964" y="1040"/>
+                  </a:cubicBezTo>
+                  <a:lnTo>
+                    <a:pt x="10964" y="2741"/>
+                  </a:lnTo>
+                  <a:lnTo>
+                    <a:pt x="662" y="2741"/>
+                  </a:lnTo>
+                  <a:lnTo>
+                    <a:pt x="662" y="1040"/>
+                  </a:lnTo>
+                  <a:cubicBezTo>
+                    <a:pt x="662" y="851"/>
+                    <a:pt x="820" y="693"/>
+                    <a:pt x="1009" y="693"/>
+                  </a:cubicBezTo>
+                  <a:close/>
+                  <a:moveTo>
+                    <a:pt x="10996" y="3403"/>
+                  </a:moveTo>
+                  <a:lnTo>
+                    <a:pt x="10996" y="9231"/>
+                  </a:lnTo>
+                  <a:cubicBezTo>
+                    <a:pt x="10964" y="9420"/>
+                    <a:pt x="10838" y="9578"/>
+                    <a:pt x="10618" y="9578"/>
+                  </a:cubicBezTo>
+                  <a:lnTo>
+                    <a:pt x="1009" y="9578"/>
+                  </a:lnTo>
+                  <a:cubicBezTo>
+                    <a:pt x="820" y="9578"/>
+                    <a:pt x="662" y="9420"/>
+                    <a:pt x="662" y="9231"/>
+                  </a:cubicBezTo>
+                  <a:lnTo>
+                    <a:pt x="662" y="3403"/>
+                  </a:lnTo>
+                  <a:close/>
+                  <a:moveTo>
+                    <a:pt x="1009" y="0"/>
+                  </a:moveTo>
+                  <a:cubicBezTo>
+                    <a:pt x="473" y="0"/>
+                    <a:pt x="1" y="473"/>
+                    <a:pt x="1" y="1040"/>
+                  </a:cubicBezTo>
+                  <a:lnTo>
+                    <a:pt x="1" y="9263"/>
+                  </a:lnTo>
+                  <a:cubicBezTo>
+                    <a:pt x="1" y="9830"/>
+                    <a:pt x="473" y="10302"/>
+                    <a:pt x="1009" y="10302"/>
+                  </a:cubicBezTo>
+                  <a:lnTo>
+                    <a:pt x="10618" y="10302"/>
+                  </a:lnTo>
+                  <a:cubicBezTo>
+                    <a:pt x="11185" y="10302"/>
+                    <a:pt x="11658" y="9830"/>
+                    <a:pt x="11658" y="9263"/>
+                  </a:cubicBezTo>
+                  <a:lnTo>
+                    <a:pt x="11658" y="1040"/>
+                  </a:lnTo>
+                  <a:cubicBezTo>
+                    <a:pt x="11658" y="441"/>
+                    <a:pt x="11217" y="0"/>
+                    <a:pt x="10618" y="0"/>
+                  </a:cubicBezTo>
+                  <a:close/>
+                </a:path>
+              </a:pathLst>
+            </a:custGeom>
+            <a:solidFill>
+              <a:schemeClr val="dk1"/>
+            </a:solidFill>
+            <a:ln>
+              <a:noFill/>
+            </a:ln>
+            <a:effectLst>
+              <a:outerShdw blurRad="57150" algn="bl" rotWithShape="0">
+                <a:schemeClr val="dk1">
+                  <a:alpha val="50000"/>
+                </a:schemeClr>
+              </a:outerShdw>
+            </a:effectLst>
+          </p:spPr>
+          <p:txBody>
+            <a:bodyPr spcFirstLastPara="1" wrap="square" lIns="91425" tIns="91425" rIns="91425" bIns="91425" anchor="ctr" anchorCtr="0">
+              <a:noAutofit/>
+            </a:bodyPr>
+            <a:lstStyle/>
+            <a:p>
+              <a:pPr marL="0" lvl="0" indent="0" algn="l" rtl="0">
+                <a:spcBef>
+                  <a:spcPts val="0"/>
+                </a:spcBef>
+                <a:spcAft>
+                  <a:spcPts val="0"/>
+                </a:spcAft>
+                <a:buNone/>
+              </a:pPr>
+              <a:endParaRPr/>
+            </a:p>
+          </p:txBody>
+        </p:sp>
+        <p:sp>
+          <p:nvSpPr>
+            <p:cNvPr id="14" name="Google Shape;633;p42">
+              <a:extLst>
+                <a:ext uri="{FF2B5EF4-FFF2-40B4-BE49-F238E27FC236}">
+                  <a16:creationId xmlns:a16="http://schemas.microsoft.com/office/drawing/2014/main" id="{23815BE2-8A63-7178-A2BF-BAB5362F643B}"/>
+                </a:ext>
+              </a:extLst>
+            </p:cNvPr>
+            <p:cNvSpPr/>
+            <p:nvPr/>
+          </p:nvSpPr>
+          <p:spPr>
+            <a:xfrm>
+              <a:off x="-3104575" y="2820875"/>
+              <a:ext cx="18150" cy="17350"/>
+            </a:xfrm>
+            <a:custGeom>
+              <a:avLst/>
+              <a:gdLst/>
+              <a:ahLst/>
+              <a:cxnLst/>
+              <a:rect l="l" t="t" r="r" b="b"/>
+              <a:pathLst>
+                <a:path w="726" h="694" extrusionOk="0">
+                  <a:moveTo>
+                    <a:pt x="348" y="0"/>
+                  </a:moveTo>
+                  <a:cubicBezTo>
+                    <a:pt x="158" y="0"/>
+                    <a:pt x="1" y="158"/>
+                    <a:pt x="1" y="347"/>
+                  </a:cubicBezTo>
+                  <a:cubicBezTo>
+                    <a:pt x="1" y="536"/>
+                    <a:pt x="158" y="693"/>
+                    <a:pt x="348" y="693"/>
+                  </a:cubicBezTo>
+                  <a:cubicBezTo>
+                    <a:pt x="568" y="693"/>
+                    <a:pt x="726" y="536"/>
+                    <a:pt x="726" y="347"/>
+                  </a:cubicBezTo>
+                  <a:cubicBezTo>
+                    <a:pt x="726" y="158"/>
+                    <a:pt x="568" y="0"/>
+                    <a:pt x="348" y="0"/>
+                  </a:cubicBezTo>
+                  <a:close/>
+                </a:path>
+              </a:pathLst>
+            </a:custGeom>
+            <a:solidFill>
+              <a:schemeClr val="dk1"/>
+            </a:solidFill>
+            <a:ln>
+              <a:noFill/>
+            </a:ln>
+            <a:effectLst>
+              <a:outerShdw blurRad="57150" algn="bl" rotWithShape="0">
+                <a:schemeClr val="dk1">
+                  <a:alpha val="50000"/>
+                </a:schemeClr>
+              </a:outerShdw>
+            </a:effectLst>
+          </p:spPr>
+          <p:txBody>
+            <a:bodyPr spcFirstLastPara="1" wrap="square" lIns="91425" tIns="91425" rIns="91425" bIns="91425" anchor="ctr" anchorCtr="0">
+              <a:noAutofit/>
+            </a:bodyPr>
+            <a:lstStyle/>
+            <a:p>
+              <a:pPr marL="0" lvl="0" indent="0" algn="l" rtl="0">
+                <a:spcBef>
+                  <a:spcPts val="0"/>
+                </a:spcBef>
+                <a:spcAft>
+                  <a:spcPts val="0"/>
+                </a:spcAft>
+                <a:buNone/>
+              </a:pPr>
+              <a:endParaRPr/>
+            </a:p>
+          </p:txBody>
+        </p:sp>
+        <p:sp>
+          <p:nvSpPr>
+            <p:cNvPr id="15" name="Google Shape;634;p42">
+              <a:extLst>
+                <a:ext uri="{FF2B5EF4-FFF2-40B4-BE49-F238E27FC236}">
+                  <a16:creationId xmlns:a16="http://schemas.microsoft.com/office/drawing/2014/main" id="{1AD97EC7-8FD9-178B-19E7-E8152743D410}"/>
+                </a:ext>
+              </a:extLst>
+            </p:cNvPr>
+            <p:cNvSpPr/>
+            <p:nvPr/>
+          </p:nvSpPr>
+          <p:spPr>
+            <a:xfrm>
+              <a:off x="-3069900" y="2820875"/>
+              <a:ext cx="17350" cy="17350"/>
+            </a:xfrm>
+            <a:custGeom>
+              <a:avLst/>
+              <a:gdLst/>
+              <a:ahLst/>
+              <a:cxnLst/>
+              <a:rect l="l" t="t" r="r" b="b"/>
+              <a:pathLst>
+                <a:path w="694" h="694" extrusionOk="0">
+                  <a:moveTo>
+                    <a:pt x="347" y="0"/>
+                  </a:moveTo>
+                  <a:cubicBezTo>
+                    <a:pt x="158" y="0"/>
+                    <a:pt x="0" y="158"/>
+                    <a:pt x="0" y="347"/>
+                  </a:cubicBezTo>
+                  <a:cubicBezTo>
+                    <a:pt x="0" y="536"/>
+                    <a:pt x="158" y="693"/>
+                    <a:pt x="347" y="693"/>
+                  </a:cubicBezTo>
+                  <a:cubicBezTo>
+                    <a:pt x="536" y="693"/>
+                    <a:pt x="693" y="536"/>
+                    <a:pt x="693" y="347"/>
+                  </a:cubicBezTo>
+                  <a:cubicBezTo>
+                    <a:pt x="693" y="158"/>
+                    <a:pt x="536" y="0"/>
+                    <a:pt x="347" y="0"/>
+                  </a:cubicBezTo>
+                  <a:close/>
+                </a:path>
+              </a:pathLst>
+            </a:custGeom>
+            <a:solidFill>
+              <a:schemeClr val="dk1"/>
+            </a:solidFill>
+            <a:ln>
+              <a:noFill/>
+            </a:ln>
+            <a:effectLst>
+              <a:outerShdw blurRad="57150" algn="bl" rotWithShape="0">
+                <a:schemeClr val="dk1">
+                  <a:alpha val="50000"/>
+                </a:schemeClr>
+              </a:outerShdw>
+            </a:effectLst>
+          </p:spPr>
+          <p:txBody>
+            <a:bodyPr spcFirstLastPara="1" wrap="square" lIns="91425" tIns="91425" rIns="91425" bIns="91425" anchor="ctr" anchorCtr="0">
+              <a:noAutofit/>
+            </a:bodyPr>
+            <a:lstStyle/>
+            <a:p>
+              <a:pPr marL="0" lvl="0" indent="0" algn="l" rtl="0">
+                <a:spcBef>
+                  <a:spcPts val="0"/>
+                </a:spcBef>
+                <a:spcAft>
+                  <a:spcPts val="0"/>
+                </a:spcAft>
+                <a:buNone/>
+              </a:pPr>
+              <a:endParaRPr/>
+            </a:p>
+          </p:txBody>
+        </p:sp>
+        <p:sp>
+          <p:nvSpPr>
+            <p:cNvPr id="16" name="Google Shape;635;p42">
+              <a:extLst>
+                <a:ext uri="{FF2B5EF4-FFF2-40B4-BE49-F238E27FC236}">
+                  <a16:creationId xmlns:a16="http://schemas.microsoft.com/office/drawing/2014/main" id="{26CCFA25-CC40-AB20-FD89-D7EE06AEE723}"/>
+                </a:ext>
+              </a:extLst>
+            </p:cNvPr>
+            <p:cNvSpPr/>
+            <p:nvPr/>
+          </p:nvSpPr>
+          <p:spPr>
+            <a:xfrm>
+              <a:off x="-3035250" y="2820875"/>
+              <a:ext cx="17350" cy="17350"/>
+            </a:xfrm>
+            <a:custGeom>
+              <a:avLst/>
+              <a:gdLst/>
+              <a:ahLst/>
+              <a:cxnLst/>
+              <a:rect l="l" t="t" r="r" b="b"/>
+              <a:pathLst>
+                <a:path w="694" h="694" extrusionOk="0">
+                  <a:moveTo>
+                    <a:pt x="347" y="0"/>
+                  </a:moveTo>
+                  <a:cubicBezTo>
+                    <a:pt x="158" y="0"/>
+                    <a:pt x="0" y="158"/>
+                    <a:pt x="0" y="347"/>
+                  </a:cubicBezTo>
+                  <a:cubicBezTo>
+                    <a:pt x="0" y="536"/>
+                    <a:pt x="158" y="693"/>
+                    <a:pt x="347" y="693"/>
+                  </a:cubicBezTo>
+                  <a:cubicBezTo>
+                    <a:pt x="536" y="693"/>
+                    <a:pt x="693" y="536"/>
+                    <a:pt x="693" y="347"/>
+                  </a:cubicBezTo>
+                  <a:cubicBezTo>
+                    <a:pt x="693" y="158"/>
+                    <a:pt x="536" y="0"/>
+                    <a:pt x="347" y="0"/>
+                  </a:cubicBezTo>
+                  <a:close/>
+                </a:path>
+              </a:pathLst>
+            </a:custGeom>
+            <a:solidFill>
+              <a:schemeClr val="dk1"/>
+            </a:solidFill>
+            <a:ln>
+              <a:noFill/>
+            </a:ln>
+            <a:effectLst>
+              <a:outerShdw blurRad="57150" algn="bl" rotWithShape="0">
+                <a:schemeClr val="dk1">
+                  <a:alpha val="50000"/>
+                </a:schemeClr>
+              </a:outerShdw>
+            </a:effectLst>
+          </p:spPr>
+          <p:txBody>
+            <a:bodyPr spcFirstLastPara="1" wrap="square" lIns="91425" tIns="91425" rIns="91425" bIns="91425" anchor="ctr" anchorCtr="0">
+              <a:noAutofit/>
+            </a:bodyPr>
+            <a:lstStyle/>
+            <a:p>
+              <a:pPr marL="0" lvl="0" indent="0" algn="l" rtl="0">
+                <a:spcBef>
+                  <a:spcPts val="0"/>
+                </a:spcBef>
+                <a:spcAft>
+                  <a:spcPts val="0"/>
+                </a:spcAft>
+                <a:buNone/>
+              </a:pPr>
+              <a:endParaRPr/>
+            </a:p>
+          </p:txBody>
+        </p:sp>
+        <p:sp>
+          <p:nvSpPr>
+            <p:cNvPr id="17" name="Google Shape;636;p42">
+              <a:extLst>
+                <a:ext uri="{FF2B5EF4-FFF2-40B4-BE49-F238E27FC236}">
+                  <a16:creationId xmlns:a16="http://schemas.microsoft.com/office/drawing/2014/main" id="{6303A990-7506-CD29-61D7-9049946DDDF6}"/>
+                </a:ext>
+              </a:extLst>
+            </p:cNvPr>
+            <p:cNvSpPr/>
+            <p:nvPr/>
+          </p:nvSpPr>
+          <p:spPr>
+            <a:xfrm>
+              <a:off x="-3002175" y="2820875"/>
+              <a:ext cx="121325" cy="17350"/>
+            </a:xfrm>
+            <a:custGeom>
+              <a:avLst/>
+              <a:gdLst/>
+              <a:ahLst/>
+              <a:cxnLst/>
+              <a:rect l="l" t="t" r="r" b="b"/>
+              <a:pathLst>
+                <a:path w="4853" h="694" extrusionOk="0">
+                  <a:moveTo>
+                    <a:pt x="347" y="0"/>
+                  </a:moveTo>
+                  <a:cubicBezTo>
+                    <a:pt x="158" y="0"/>
+                    <a:pt x="1" y="158"/>
+                    <a:pt x="1" y="347"/>
+                  </a:cubicBezTo>
+                  <a:cubicBezTo>
+                    <a:pt x="32" y="536"/>
+                    <a:pt x="190" y="693"/>
+                    <a:pt x="347" y="693"/>
+                  </a:cubicBezTo>
+                  <a:lnTo>
+                    <a:pt x="4506" y="693"/>
+                  </a:lnTo>
+                  <a:cubicBezTo>
+                    <a:pt x="4695" y="693"/>
+                    <a:pt x="4852" y="536"/>
+                    <a:pt x="4852" y="347"/>
+                  </a:cubicBezTo>
+                  <a:cubicBezTo>
+                    <a:pt x="4852" y="158"/>
+                    <a:pt x="4695" y="0"/>
+                    <a:pt x="4506" y="0"/>
+                  </a:cubicBezTo>
+                  <a:close/>
+                </a:path>
+              </a:pathLst>
+            </a:custGeom>
+            <a:solidFill>
+              <a:schemeClr val="dk1"/>
+            </a:solidFill>
+            <a:ln>
+              <a:noFill/>
+            </a:ln>
+            <a:effectLst>
+              <a:outerShdw blurRad="57150" algn="bl" rotWithShape="0">
+                <a:schemeClr val="dk1">
+                  <a:alpha val="50000"/>
+                </a:schemeClr>
+              </a:outerShdw>
+            </a:effectLst>
+          </p:spPr>
+          <p:txBody>
+            <a:bodyPr spcFirstLastPara="1" wrap="square" lIns="91425" tIns="91425" rIns="91425" bIns="91425" anchor="ctr" anchorCtr="0">
+              <a:noAutofit/>
+            </a:bodyPr>
+            <a:lstStyle/>
+            <a:p>
+              <a:pPr marL="0" lvl="0" indent="0" algn="l" rtl="0">
+                <a:spcBef>
+                  <a:spcPts val="0"/>
+                </a:spcBef>
+                <a:spcAft>
+                  <a:spcPts val="0"/>
+                </a:spcAft>
+                <a:buNone/>
+              </a:pPr>
+              <a:endParaRPr/>
+            </a:p>
+          </p:txBody>
+        </p:sp>
+        <p:sp>
+          <p:nvSpPr>
+            <p:cNvPr id="18" name="Google Shape;637;p42">
+              <a:extLst>
+                <a:ext uri="{FF2B5EF4-FFF2-40B4-BE49-F238E27FC236}">
+                  <a16:creationId xmlns:a16="http://schemas.microsoft.com/office/drawing/2014/main" id="{89D9BBDB-AA28-A738-E5C8-EC3DC6A058B3}"/>
+                </a:ext>
+              </a:extLst>
+            </p:cNvPr>
+            <p:cNvSpPr/>
+            <p:nvPr/>
+          </p:nvSpPr>
+          <p:spPr>
+            <a:xfrm>
+              <a:off x="-2948625" y="2907300"/>
+              <a:ext cx="52025" cy="85300"/>
+            </a:xfrm>
+            <a:custGeom>
+              <a:avLst/>
+              <a:gdLst/>
+              <a:ahLst/>
+              <a:cxnLst/>
+              <a:rect l="l" t="t" r="r" b="b"/>
+              <a:pathLst>
+                <a:path w="2081" h="3412" extrusionOk="0">
+                  <a:moveTo>
+                    <a:pt x="347" y="1"/>
+                  </a:moveTo>
+                  <a:cubicBezTo>
+                    <a:pt x="261" y="1"/>
+                    <a:pt x="174" y="24"/>
+                    <a:pt x="127" y="72"/>
+                  </a:cubicBezTo>
+                  <a:cubicBezTo>
+                    <a:pt x="1" y="198"/>
+                    <a:pt x="1" y="450"/>
+                    <a:pt x="127" y="544"/>
+                  </a:cubicBezTo>
+                  <a:lnTo>
+                    <a:pt x="1261" y="1710"/>
+                  </a:lnTo>
+                  <a:lnTo>
+                    <a:pt x="127" y="2844"/>
+                  </a:lnTo>
+                  <a:cubicBezTo>
+                    <a:pt x="1" y="2970"/>
+                    <a:pt x="1" y="3191"/>
+                    <a:pt x="127" y="3317"/>
+                  </a:cubicBezTo>
+                  <a:cubicBezTo>
+                    <a:pt x="174" y="3380"/>
+                    <a:pt x="261" y="3411"/>
+                    <a:pt x="347" y="3411"/>
+                  </a:cubicBezTo>
+                  <a:cubicBezTo>
+                    <a:pt x="434" y="3411"/>
+                    <a:pt x="521" y="3380"/>
+                    <a:pt x="568" y="3317"/>
+                  </a:cubicBezTo>
+                  <a:lnTo>
+                    <a:pt x="1954" y="1930"/>
+                  </a:lnTo>
+                  <a:cubicBezTo>
+                    <a:pt x="2080" y="1804"/>
+                    <a:pt x="2080" y="1584"/>
+                    <a:pt x="1954" y="1458"/>
+                  </a:cubicBezTo>
+                  <a:lnTo>
+                    <a:pt x="568" y="72"/>
+                  </a:lnTo>
+                  <a:cubicBezTo>
+                    <a:pt x="521" y="24"/>
+                    <a:pt x="434" y="1"/>
+                    <a:pt x="347" y="1"/>
+                  </a:cubicBezTo>
+                  <a:close/>
+                </a:path>
+              </a:pathLst>
+            </a:custGeom>
+            <a:solidFill>
+              <a:schemeClr val="dk1"/>
+            </a:solidFill>
+            <a:ln>
+              <a:noFill/>
+            </a:ln>
+            <a:effectLst>
+              <a:outerShdw blurRad="57150" algn="bl" rotWithShape="0">
+                <a:schemeClr val="dk1">
+                  <a:alpha val="50000"/>
+                </a:schemeClr>
+              </a:outerShdw>
+            </a:effectLst>
+          </p:spPr>
+          <p:txBody>
+            <a:bodyPr spcFirstLastPara="1" wrap="square" lIns="91425" tIns="91425" rIns="91425" bIns="91425" anchor="ctr" anchorCtr="0">
+              <a:noAutofit/>
+            </a:bodyPr>
+            <a:lstStyle/>
+            <a:p>
+              <a:pPr marL="0" lvl="0" indent="0" algn="l" rtl="0">
+                <a:spcBef>
+                  <a:spcPts val="0"/>
+                </a:spcBef>
+                <a:spcAft>
+                  <a:spcPts val="0"/>
+                </a:spcAft>
+                <a:buNone/>
+              </a:pPr>
+              <a:endParaRPr/>
+            </a:p>
+          </p:txBody>
+        </p:sp>
+        <p:sp>
+          <p:nvSpPr>
+            <p:cNvPr id="19" name="Google Shape;638;p42">
+              <a:extLst>
+                <a:ext uri="{FF2B5EF4-FFF2-40B4-BE49-F238E27FC236}">
+                  <a16:creationId xmlns:a16="http://schemas.microsoft.com/office/drawing/2014/main" id="{B13870AD-79C9-3907-64F6-D7C4926CB7C3}"/>
+                </a:ext>
+              </a:extLst>
+            </p:cNvPr>
+            <p:cNvSpPr/>
+            <p:nvPr/>
+          </p:nvSpPr>
+          <p:spPr>
+            <a:xfrm>
+              <a:off x="-3088025" y="2907300"/>
+              <a:ext cx="53575" cy="85300"/>
+            </a:xfrm>
+            <a:custGeom>
+              <a:avLst/>
+              <a:gdLst/>
+              <a:ahLst/>
+              <a:cxnLst/>
+              <a:rect l="l" t="t" r="r" b="b"/>
+              <a:pathLst>
+                <a:path w="2143" h="3412" extrusionOk="0">
+                  <a:moveTo>
+                    <a:pt x="1749" y="1"/>
+                  </a:moveTo>
+                  <a:cubicBezTo>
+                    <a:pt x="1662" y="1"/>
+                    <a:pt x="1576" y="24"/>
+                    <a:pt x="1513" y="72"/>
+                  </a:cubicBezTo>
+                  <a:lnTo>
+                    <a:pt x="127" y="1458"/>
+                  </a:lnTo>
+                  <a:cubicBezTo>
+                    <a:pt x="1" y="1584"/>
+                    <a:pt x="1" y="1804"/>
+                    <a:pt x="127" y="1930"/>
+                  </a:cubicBezTo>
+                  <a:lnTo>
+                    <a:pt x="1513" y="3317"/>
+                  </a:lnTo>
+                  <a:cubicBezTo>
+                    <a:pt x="1576" y="3380"/>
+                    <a:pt x="1662" y="3411"/>
+                    <a:pt x="1749" y="3411"/>
+                  </a:cubicBezTo>
+                  <a:cubicBezTo>
+                    <a:pt x="1836" y="3411"/>
+                    <a:pt x="1922" y="3380"/>
+                    <a:pt x="1985" y="3317"/>
+                  </a:cubicBezTo>
+                  <a:cubicBezTo>
+                    <a:pt x="2111" y="3191"/>
+                    <a:pt x="2111" y="2970"/>
+                    <a:pt x="1985" y="2844"/>
+                  </a:cubicBezTo>
+                  <a:lnTo>
+                    <a:pt x="851" y="1710"/>
+                  </a:lnTo>
+                  <a:lnTo>
+                    <a:pt x="1985" y="544"/>
+                  </a:lnTo>
+                  <a:cubicBezTo>
+                    <a:pt x="2143" y="450"/>
+                    <a:pt x="2143" y="198"/>
+                    <a:pt x="1985" y="72"/>
+                  </a:cubicBezTo>
+                  <a:cubicBezTo>
+                    <a:pt x="1922" y="24"/>
+                    <a:pt x="1836" y="1"/>
+                    <a:pt x="1749" y="1"/>
+                  </a:cubicBezTo>
+                  <a:close/>
+                </a:path>
+              </a:pathLst>
+            </a:custGeom>
+            <a:solidFill>
+              <a:schemeClr val="dk1"/>
+            </a:solidFill>
+            <a:ln>
+              <a:noFill/>
+            </a:ln>
+            <a:effectLst>
+              <a:outerShdw blurRad="57150" algn="bl" rotWithShape="0">
+                <a:schemeClr val="dk1">
+                  <a:alpha val="50000"/>
+                </a:schemeClr>
+              </a:outerShdw>
+            </a:effectLst>
+          </p:spPr>
+          <p:txBody>
+            <a:bodyPr spcFirstLastPara="1" wrap="square" lIns="91425" tIns="91425" rIns="91425" bIns="91425" anchor="ctr" anchorCtr="0">
+              <a:noAutofit/>
+            </a:bodyPr>
+            <a:lstStyle/>
+            <a:p>
+              <a:pPr marL="0" lvl="0" indent="0" algn="l" rtl="0">
+                <a:spcBef>
+                  <a:spcPts val="0"/>
+                </a:spcBef>
+                <a:spcAft>
+                  <a:spcPts val="0"/>
+                </a:spcAft>
+                <a:buNone/>
+              </a:pPr>
+              <a:endParaRPr/>
+            </a:p>
+          </p:txBody>
+        </p:sp>
+        <p:sp>
+          <p:nvSpPr>
+            <p:cNvPr id="20" name="Google Shape;639;p42">
+              <a:extLst>
+                <a:ext uri="{FF2B5EF4-FFF2-40B4-BE49-F238E27FC236}">
+                  <a16:creationId xmlns:a16="http://schemas.microsoft.com/office/drawing/2014/main" id="{02B2F837-624D-1716-BEF8-93F44884938C}"/>
+                </a:ext>
+              </a:extLst>
+            </p:cNvPr>
+            <p:cNvSpPr/>
+            <p:nvPr/>
+          </p:nvSpPr>
+          <p:spPr>
+            <a:xfrm>
+              <a:off x="-3019500" y="2888975"/>
+              <a:ext cx="54375" cy="119400"/>
+            </a:xfrm>
+            <a:custGeom>
+              <a:avLst/>
+              <a:gdLst/>
+              <a:ahLst/>
+              <a:cxnLst/>
+              <a:rect l="l" t="t" r="r" b="b"/>
+              <a:pathLst>
+                <a:path w="2175" h="4776" extrusionOk="0">
+                  <a:moveTo>
+                    <a:pt x="1778" y="0"/>
+                  </a:moveTo>
+                  <a:cubicBezTo>
+                    <a:pt x="1617" y="0"/>
+                    <a:pt x="1501" y="108"/>
+                    <a:pt x="1450" y="237"/>
+                  </a:cubicBezTo>
+                  <a:lnTo>
+                    <a:pt x="63" y="4333"/>
+                  </a:lnTo>
+                  <a:cubicBezTo>
+                    <a:pt x="0" y="4522"/>
+                    <a:pt x="95" y="4680"/>
+                    <a:pt x="253" y="4743"/>
+                  </a:cubicBezTo>
+                  <a:cubicBezTo>
+                    <a:pt x="305" y="4765"/>
+                    <a:pt x="354" y="4775"/>
+                    <a:pt x="399" y="4775"/>
+                  </a:cubicBezTo>
+                  <a:cubicBezTo>
+                    <a:pt x="543" y="4775"/>
+                    <a:pt x="646" y="4674"/>
+                    <a:pt x="694" y="4554"/>
+                  </a:cubicBezTo>
+                  <a:lnTo>
+                    <a:pt x="2080" y="458"/>
+                  </a:lnTo>
+                  <a:cubicBezTo>
+                    <a:pt x="2174" y="300"/>
+                    <a:pt x="2048" y="111"/>
+                    <a:pt x="1891" y="17"/>
+                  </a:cubicBezTo>
+                  <a:cubicBezTo>
+                    <a:pt x="1851" y="6"/>
+                    <a:pt x="1813" y="0"/>
+                    <a:pt x="1778" y="0"/>
+                  </a:cubicBezTo>
+                  <a:close/>
+                </a:path>
+              </a:pathLst>
+            </a:custGeom>
+            <a:solidFill>
+              <a:schemeClr val="dk1"/>
+            </a:solidFill>
+            <a:ln>
+              <a:noFill/>
+            </a:ln>
+            <a:effectLst>
+              <a:outerShdw blurRad="57150" algn="bl" rotWithShape="0">
+                <a:schemeClr val="dk1">
+                  <a:alpha val="50000"/>
+                </a:schemeClr>
+              </a:outerShdw>
+            </a:effectLst>
+          </p:spPr>
+          <p:txBody>
+            <a:bodyPr spcFirstLastPara="1" wrap="square" lIns="91425" tIns="91425" rIns="91425" bIns="91425" anchor="ctr" anchorCtr="0">
+              <a:noAutofit/>
+            </a:bodyPr>
+            <a:lstStyle/>
+            <a:p>
+              <a:pPr marL="0" lvl="0" indent="0" algn="l" rtl="0">
+                <a:spcBef>
+                  <a:spcPts val="0"/>
+                </a:spcBef>
+                <a:spcAft>
+                  <a:spcPts val="0"/>
+                </a:spcAft>
+                <a:buNone/>
+              </a:pPr>
+              <a:endParaRPr/>
+            </a:p>
+          </p:txBody>
+        </p:sp>
+      </p:grpSp>
     </p:spTree>
   </p:cSld>
   <p:clrMapOvr>
@@ -15689,7 +18483,7 @@
 </p:sld>
 </file>
 
-<file path=ppt/slides/slide3.xml><?xml version="1.0" encoding="utf-8"?>
+<file path=ppt/slides/slide6.xml><?xml version="1.0" encoding="utf-8"?>
 <p:sld xmlns:a="http://schemas.openxmlformats.org/drawingml/2006/main" xmlns:r="http://schemas.openxmlformats.org/officeDocument/2006/relationships" xmlns:p="http://schemas.openxmlformats.org/presentationml/2006/main">
   <p:cSld>
     <p:bg>
@@ -16101,7 +18895,7 @@
         <p:spPr>
           <a:xfrm>
             <a:off x="2057808" y="2034344"/>
-            <a:ext cx="5028384" cy="1074811"/>
+            <a:ext cx="5028384" cy="1769473"/>
           </a:xfrm>
           <a:prstGeom prst="rect">
             <a:avLst/>
@@ -16141,7 +18935,7 @@
               <a:buNone/>
             </a:pPr>
             <a:r>
-              <a:rPr lang="en" sz="6000" dirty="0">
+              <a:rPr lang="en" sz="3600" dirty="0">
                 <a:solidFill>
                   <a:schemeClr val="tx1"/>
                 </a:solidFill>
@@ -16154,9 +18948,9 @@
                   </a:glow>
                 </a:effectLst>
               </a:rPr>
-              <a:t>2050</a:t>
+              <a:t>Umfrage unter 1300 Schüler*innen</a:t>
             </a:r>
-            <a:endParaRPr sz="6000" dirty="0">
+            <a:endParaRPr sz="3600" dirty="0">
               <a:solidFill>
                 <a:schemeClr val="tx1"/>
               </a:solidFill>
@@ -16180,507 +18974,7 @@
 </p:sld>
 </file>
 
-<file path=ppt/slides/slide4.xml><?xml version="1.0" encoding="utf-8"?>
-<p:sld xmlns:a="http://schemas.openxmlformats.org/drawingml/2006/main" xmlns:r="http://schemas.openxmlformats.org/officeDocument/2006/relationships" xmlns:p="http://schemas.openxmlformats.org/presentationml/2006/main">
-  <p:cSld>
-    <p:spTree>
-      <p:nvGrpSpPr>
-        <p:cNvPr id="1" name="Shape 756"/>
-        <p:cNvGrpSpPr/>
-        <p:nvPr/>
-      </p:nvGrpSpPr>
-      <p:grpSpPr>
-        <a:xfrm>
-          <a:off x="0" y="0"/>
-          <a:ext cx="0" cy="0"/>
-          <a:chOff x="0" y="0"/>
-          <a:chExt cx="0" cy="0"/>
-        </a:xfrm>
-      </p:grpSpPr>
-      <p:grpSp>
-        <p:nvGrpSpPr>
-          <p:cNvPr id="757" name="Google Shape;757;p47"/>
-          <p:cNvGrpSpPr/>
-          <p:nvPr/>
-        </p:nvGrpSpPr>
-        <p:grpSpPr>
-          <a:xfrm>
-            <a:off x="1514700" y="804150"/>
-            <a:ext cx="6114600" cy="3535200"/>
-            <a:chOff x="1514700" y="804150"/>
-            <a:chExt cx="6114600" cy="3535200"/>
-          </a:xfrm>
-        </p:grpSpPr>
-        <p:sp>
-          <p:nvSpPr>
-            <p:cNvPr id="758" name="Google Shape;758;p47"/>
-            <p:cNvSpPr/>
-            <p:nvPr/>
-          </p:nvSpPr>
-          <p:spPr>
-            <a:xfrm>
-              <a:off x="1514700" y="3310050"/>
-              <a:ext cx="6114600" cy="1029300"/>
-            </a:xfrm>
-            <a:prstGeom prst="roundRect">
-              <a:avLst>
-                <a:gd name="adj" fmla="val 0"/>
-              </a:avLst>
-            </a:prstGeom>
-            <a:noFill/>
-            <a:ln w="19050" cap="flat" cmpd="sng">
-              <a:solidFill>
-                <a:schemeClr val="dk1"/>
-              </a:solidFill>
-              <a:prstDash val="solid"/>
-              <a:round/>
-              <a:headEnd type="none" w="sm" len="sm"/>
-              <a:tailEnd type="none" w="sm" len="sm"/>
-            </a:ln>
-          </p:spPr>
-          <p:txBody>
-            <a:bodyPr spcFirstLastPara="1" wrap="square" lIns="91425" tIns="91425" rIns="91425" bIns="91425" anchor="ctr" anchorCtr="0">
-              <a:noAutofit/>
-            </a:bodyPr>
-            <a:lstStyle/>
-            <a:p>
-              <a:pPr marL="0" lvl="0" indent="0" algn="ctr" rtl="0">
-                <a:spcBef>
-                  <a:spcPts val="0"/>
-                </a:spcBef>
-                <a:spcAft>
-                  <a:spcPts val="0"/>
-                </a:spcAft>
-                <a:buNone/>
-              </a:pPr>
-              <a:endParaRPr sz="2200" b="1">
-                <a:solidFill>
-                  <a:schemeClr val="dk1"/>
-                </a:solidFill>
-                <a:latin typeface="Michroma"/>
-                <a:ea typeface="Michroma"/>
-                <a:cs typeface="Michroma"/>
-                <a:sym typeface="Michroma"/>
-              </a:endParaRPr>
-            </a:p>
-          </p:txBody>
-        </p:sp>
-        <p:sp>
-          <p:nvSpPr>
-            <p:cNvPr id="759" name="Google Shape;759;p47"/>
-            <p:cNvSpPr/>
-            <p:nvPr/>
-          </p:nvSpPr>
-          <p:spPr>
-            <a:xfrm>
-              <a:off x="1514700" y="804150"/>
-              <a:ext cx="6114600" cy="2505900"/>
-            </a:xfrm>
-            <a:prstGeom prst="roundRect">
-              <a:avLst>
-                <a:gd name="adj" fmla="val 0"/>
-              </a:avLst>
-            </a:prstGeom>
-            <a:solidFill>
-              <a:srgbClr val="FFFFFF">
-                <a:alpha val="17860"/>
-              </a:srgbClr>
-            </a:solidFill>
-            <a:ln w="19050" cap="flat" cmpd="sng">
-              <a:solidFill>
-                <a:schemeClr val="dk1"/>
-              </a:solidFill>
-              <a:prstDash val="solid"/>
-              <a:round/>
-              <a:headEnd type="none" w="sm" len="sm"/>
-              <a:tailEnd type="none" w="sm" len="sm"/>
-            </a:ln>
-          </p:spPr>
-          <p:txBody>
-            <a:bodyPr spcFirstLastPara="1" wrap="square" lIns="91425" tIns="91425" rIns="91425" bIns="91425" anchor="ctr" anchorCtr="0">
-              <a:noAutofit/>
-            </a:bodyPr>
-            <a:lstStyle/>
-            <a:p>
-              <a:pPr marL="0" lvl="0" indent="0" algn="ctr" rtl="0">
-                <a:spcBef>
-                  <a:spcPts val="0"/>
-                </a:spcBef>
-                <a:spcAft>
-                  <a:spcPts val="0"/>
-                </a:spcAft>
-                <a:buNone/>
-              </a:pPr>
-              <a:endParaRPr sz="2200" b="1">
-                <a:solidFill>
-                  <a:schemeClr val="dk1"/>
-                </a:solidFill>
-                <a:latin typeface="Michroma"/>
-                <a:ea typeface="Michroma"/>
-                <a:cs typeface="Michroma"/>
-                <a:sym typeface="Michroma"/>
-              </a:endParaRPr>
-            </a:p>
-          </p:txBody>
-        </p:sp>
-      </p:grpSp>
-      <p:sp>
-        <p:nvSpPr>
-          <p:cNvPr id="760" name="Google Shape;760;p47"/>
-          <p:cNvSpPr txBox="1">
-            <a:spLocks noGrp="1"/>
-          </p:cNvSpPr>
-          <p:nvPr>
-            <p:ph type="title"/>
-          </p:nvPr>
-        </p:nvSpPr>
-        <p:spPr>
-          <a:xfrm>
-            <a:off x="2114575" y="1385675"/>
-            <a:ext cx="4914900" cy="1416000"/>
-          </a:xfrm>
-          <a:prstGeom prst="rect">
-            <a:avLst/>
-          </a:prstGeom>
-        </p:spPr>
-        <p:txBody>
-          <a:bodyPr spcFirstLastPara="1" wrap="square" lIns="91425" tIns="91425" rIns="91425" bIns="91425" anchor="b" anchorCtr="0">
-            <a:noAutofit/>
-          </a:bodyPr>
-          <a:lstStyle/>
-          <a:p>
-            <a:pPr marL="0" lvl="0" indent="0" algn="ctr" rtl="0">
-              <a:spcBef>
-                <a:spcPts val="0"/>
-              </a:spcBef>
-              <a:spcAft>
-                <a:spcPts val="0"/>
-              </a:spcAft>
-              <a:buNone/>
-            </a:pPr>
-            <a:r>
-              <a:rPr lang="en" dirty="0">
-                <a:solidFill>
-                  <a:schemeClr val="tx1"/>
-                </a:solidFill>
-              </a:rPr>
-              <a:t>~230</a:t>
-            </a:r>
-            <a:endParaRPr dirty="0">
-              <a:solidFill>
-                <a:schemeClr val="tx1"/>
-              </a:solidFill>
-            </a:endParaRPr>
-          </a:p>
-        </p:txBody>
-      </p:sp>
-      <p:sp>
-        <p:nvSpPr>
-          <p:cNvPr id="761" name="Google Shape;761;p47"/>
-          <p:cNvSpPr txBox="1">
-            <a:spLocks noGrp="1"/>
-          </p:cNvSpPr>
-          <p:nvPr>
-            <p:ph type="subTitle" idx="1"/>
-          </p:nvPr>
-        </p:nvSpPr>
-        <p:spPr>
-          <a:xfrm>
-            <a:off x="1619795" y="3455250"/>
-            <a:ext cx="5919266" cy="738900"/>
-          </a:xfrm>
-          <a:prstGeom prst="rect">
-            <a:avLst/>
-          </a:prstGeom>
-        </p:spPr>
-        <p:txBody>
-          <a:bodyPr spcFirstLastPara="1" wrap="square" lIns="91425" tIns="91425" rIns="91425" bIns="91425" anchor="t" anchorCtr="0">
-            <a:noAutofit/>
-          </a:bodyPr>
-          <a:lstStyle/>
-          <a:p>
-            <a:pPr marL="0" lvl="0" indent="0" algn="ctr" rtl="0">
-              <a:spcBef>
-                <a:spcPts val="0"/>
-              </a:spcBef>
-              <a:spcAft>
-                <a:spcPts val="0"/>
-              </a:spcAft>
-              <a:buNone/>
-            </a:pPr>
-            <a:r>
-              <a:rPr lang="de-DE" sz="2800" dirty="0"/>
-              <a:t>Anzahl der Teilnehmer</a:t>
-            </a:r>
-            <a:endParaRPr sz="2800" dirty="0"/>
-          </a:p>
-        </p:txBody>
-      </p:sp>
-      <p:pic>
-        <p:nvPicPr>
-          <p:cNvPr id="762" name="Google Shape;762;p47"/>
-          <p:cNvPicPr preferRelativeResize="0"/>
-          <p:nvPr/>
-        </p:nvPicPr>
-        <p:blipFill>
-          <a:blip r:embed="rId3">
-            <a:alphaModFix/>
-          </a:blip>
-          <a:stretch>
-            <a:fillRect/>
-          </a:stretch>
-        </p:blipFill>
-        <p:spPr>
-          <a:xfrm rot="7977296">
-            <a:off x="6865246" y="-802160"/>
-            <a:ext cx="4486836" cy="4275948"/>
-          </a:xfrm>
-          <a:prstGeom prst="rect">
-            <a:avLst/>
-          </a:prstGeom>
-          <a:noFill/>
-          <a:ln>
-            <a:noFill/>
-          </a:ln>
-          <a:effectLst>
-            <a:outerShdw blurRad="142875" algn="bl" rotWithShape="0">
-              <a:schemeClr val="lt2">
-                <a:alpha val="69000"/>
-              </a:schemeClr>
-            </a:outerShdw>
-          </a:effectLst>
-        </p:spPr>
-      </p:pic>
-      <p:pic>
-        <p:nvPicPr>
-          <p:cNvPr id="763" name="Google Shape;763;p47"/>
-          <p:cNvPicPr preferRelativeResize="0"/>
-          <p:nvPr/>
-        </p:nvPicPr>
-        <p:blipFill>
-          <a:blip r:embed="rId3">
-            <a:alphaModFix/>
-          </a:blip>
-          <a:stretch>
-            <a:fillRect/>
-          </a:stretch>
-        </p:blipFill>
-        <p:spPr>
-          <a:xfrm rot="10800000" flipH="1">
-            <a:off x="-1213725" y="3548133"/>
-            <a:ext cx="4252300" cy="4052442"/>
-          </a:xfrm>
-          <a:prstGeom prst="rect">
-            <a:avLst/>
-          </a:prstGeom>
-          <a:noFill/>
-          <a:ln>
-            <a:noFill/>
-          </a:ln>
-          <a:effectLst>
-            <a:outerShdw blurRad="157163" algn="bl" rotWithShape="0">
-              <a:schemeClr val="lt2">
-                <a:alpha val="71000"/>
-              </a:schemeClr>
-            </a:outerShdw>
-          </a:effectLst>
-        </p:spPr>
-      </p:pic>
-      <p:grpSp>
-        <p:nvGrpSpPr>
-          <p:cNvPr id="764" name="Google Shape;764;p47"/>
-          <p:cNvGrpSpPr/>
-          <p:nvPr/>
-        </p:nvGrpSpPr>
-        <p:grpSpPr>
-          <a:xfrm>
-            <a:off x="360863" y="2301375"/>
-            <a:ext cx="790500" cy="540750"/>
-            <a:chOff x="7640213" y="804050"/>
-            <a:chExt cx="790500" cy="540750"/>
-          </a:xfrm>
-        </p:grpSpPr>
-        <p:grpSp>
-          <p:nvGrpSpPr>
-            <p:cNvPr id="765" name="Google Shape;765;p47"/>
-            <p:cNvGrpSpPr/>
-            <p:nvPr/>
-          </p:nvGrpSpPr>
-          <p:grpSpPr>
-            <a:xfrm>
-              <a:off x="7900044" y="804050"/>
-              <a:ext cx="270837" cy="173750"/>
-              <a:chOff x="4718250" y="942975"/>
-              <a:chExt cx="482775" cy="306600"/>
-            </a:xfrm>
-          </p:grpSpPr>
-          <p:sp>
-            <p:nvSpPr>
-              <p:cNvPr id="766" name="Google Shape;766;p47"/>
-              <p:cNvSpPr/>
-              <p:nvPr/>
-            </p:nvSpPr>
-            <p:spPr>
-              <a:xfrm rot="5400000">
-                <a:off x="4697550" y="963675"/>
-                <a:ext cx="306600" cy="265200"/>
-              </a:xfrm>
-              <a:prstGeom prst="triangle">
-                <a:avLst>
-                  <a:gd name="adj" fmla="val 50000"/>
-                </a:avLst>
-              </a:prstGeom>
-              <a:solidFill>
-                <a:schemeClr val="dk1"/>
-              </a:solidFill>
-              <a:ln>
-                <a:noFill/>
-              </a:ln>
-              <a:effectLst>
-                <a:outerShdw blurRad="142875" algn="bl" rotWithShape="0">
-                  <a:schemeClr val="dk1">
-                    <a:alpha val="71000"/>
-                  </a:schemeClr>
-                </a:outerShdw>
-              </a:effectLst>
-            </p:spPr>
-            <p:txBody>
-              <a:bodyPr spcFirstLastPara="1" wrap="square" lIns="91425" tIns="91425" rIns="91425" bIns="91425" anchor="ctr" anchorCtr="0">
-                <a:noAutofit/>
-              </a:bodyPr>
-              <a:lstStyle/>
-              <a:p>
-                <a:pPr marL="0" lvl="0" indent="0" algn="l" rtl="0">
-                  <a:spcBef>
-                    <a:spcPts val="0"/>
-                  </a:spcBef>
-                  <a:spcAft>
-                    <a:spcPts val="0"/>
-                  </a:spcAft>
-                  <a:buNone/>
-                </a:pPr>
-                <a:endParaRPr/>
-              </a:p>
-            </p:txBody>
-          </p:sp>
-          <p:sp>
-            <p:nvSpPr>
-              <p:cNvPr id="767" name="Google Shape;767;p47"/>
-              <p:cNvSpPr/>
-              <p:nvPr/>
-            </p:nvSpPr>
-            <p:spPr>
-              <a:xfrm rot="5400000">
-                <a:off x="4915125" y="963675"/>
-                <a:ext cx="306600" cy="265200"/>
-              </a:xfrm>
-              <a:prstGeom prst="triangle">
-                <a:avLst>
-                  <a:gd name="adj" fmla="val 50000"/>
-                </a:avLst>
-              </a:prstGeom>
-              <a:solidFill>
-                <a:schemeClr val="dk1"/>
-              </a:solidFill>
-              <a:ln>
-                <a:noFill/>
-              </a:ln>
-              <a:effectLst>
-                <a:outerShdw blurRad="142875" algn="bl" rotWithShape="0">
-                  <a:schemeClr val="dk1">
-                    <a:alpha val="71000"/>
-                  </a:schemeClr>
-                </a:outerShdw>
-              </a:effectLst>
-            </p:spPr>
-            <p:txBody>
-              <a:bodyPr spcFirstLastPara="1" wrap="square" lIns="91425" tIns="91425" rIns="91425" bIns="91425" anchor="ctr" anchorCtr="0">
-                <a:noAutofit/>
-              </a:bodyPr>
-              <a:lstStyle/>
-              <a:p>
-                <a:pPr marL="0" lvl="0" indent="0" algn="l" rtl="0">
-                  <a:spcBef>
-                    <a:spcPts val="0"/>
-                  </a:spcBef>
-                  <a:spcAft>
-                    <a:spcPts val="0"/>
-                  </a:spcAft>
-                  <a:buNone/>
-                </a:pPr>
-                <a:endParaRPr/>
-              </a:p>
-            </p:txBody>
-          </p:sp>
-        </p:grpSp>
-        <p:sp>
-          <p:nvSpPr>
-            <p:cNvPr id="768" name="Google Shape;768;p47"/>
-            <p:cNvSpPr txBox="1"/>
-            <p:nvPr/>
-          </p:nvSpPr>
-          <p:spPr>
-            <a:xfrm>
-              <a:off x="7640213" y="1006100"/>
-              <a:ext cx="790500" cy="338700"/>
-            </a:xfrm>
-            <a:prstGeom prst="rect">
-              <a:avLst/>
-            </a:prstGeom>
-            <a:noFill/>
-            <a:ln>
-              <a:noFill/>
-            </a:ln>
-          </p:spPr>
-          <p:txBody>
-            <a:bodyPr spcFirstLastPara="1" wrap="square" lIns="91425" tIns="91425" rIns="91425" bIns="91425" anchor="t" anchorCtr="0">
-              <a:noAutofit/>
-            </a:bodyPr>
-            <a:lstStyle/>
-            <a:p>
-              <a:pPr marL="0" lvl="0" indent="0" algn="ctr" rtl="0">
-                <a:spcBef>
-                  <a:spcPts val="0"/>
-                </a:spcBef>
-                <a:spcAft>
-                  <a:spcPts val="0"/>
-                </a:spcAft>
-                <a:buNone/>
-              </a:pPr>
-              <a:r>
-                <a:rPr lang="en" sz="1000">
-                  <a:solidFill>
-                    <a:schemeClr val="dk1"/>
-                  </a:solidFill>
-                  <a:latin typeface="Roboto Mono Medium"/>
-                  <a:ea typeface="Roboto Mono Medium"/>
-                  <a:cs typeface="Roboto Mono Medium"/>
-                  <a:sym typeface="Roboto Mono Medium"/>
-                </a:rPr>
-                <a:t>FFWD</a:t>
-              </a:r>
-              <a:endParaRPr sz="1000">
-                <a:solidFill>
-                  <a:schemeClr val="dk1"/>
-                </a:solidFill>
-                <a:latin typeface="Roboto Mono Medium"/>
-                <a:ea typeface="Roboto Mono Medium"/>
-                <a:cs typeface="Roboto Mono Medium"/>
-                <a:sym typeface="Roboto Mono Medium"/>
-              </a:endParaRPr>
-            </a:p>
-          </p:txBody>
-        </p:sp>
-      </p:grpSp>
-    </p:spTree>
-  </p:cSld>
-  <p:clrMapOvr>
-    <a:masterClrMapping/>
-  </p:clrMapOvr>
-</p:sld>
-</file>
-
-<file path=ppt/slides/slide5.xml><?xml version="1.0" encoding="utf-8"?>
+<file path=ppt/slides/slide7.xml><?xml version="1.0" encoding="utf-8"?>
 <p:sld xmlns:a="http://schemas.openxmlformats.org/drawingml/2006/main" xmlns:r="http://schemas.openxmlformats.org/officeDocument/2006/relationships" xmlns:p="http://schemas.openxmlformats.org/presentationml/2006/main">
   <p:cSld>
     <p:spTree>
@@ -19343,7 +21637,7 @@
 </p:sld>
 </file>
 
-<file path=ppt/slides/slide6.xml><?xml version="1.0" encoding="utf-8"?>
+<file path=ppt/slides/slide8.xml><?xml version="1.0" encoding="utf-8"?>
 <p:sld xmlns:a="http://schemas.openxmlformats.org/drawingml/2006/main" xmlns:r="http://schemas.openxmlformats.org/officeDocument/2006/relationships" xmlns:p="http://schemas.openxmlformats.org/presentationml/2006/main">
   <p:cSld>
     <p:spTree>
@@ -19394,326 +21688,6 @@
               </a:rPr>
               <a:t>Wenn du an das Jahr 2050 denkst, was wird sich im Bereich Wohnen ändern?</a:t>
             </a:r>
-          </a:p>
-        </p:txBody>
-      </p:sp>
-      <p:sp>
-        <p:nvSpPr>
-          <p:cNvPr id="2" name="Inhaltsplatzhalter 2">
-            <a:extLst>
-              <a:ext uri="{FF2B5EF4-FFF2-40B4-BE49-F238E27FC236}">
-                <a16:creationId xmlns:a16="http://schemas.microsoft.com/office/drawing/2014/main" id="{DD316B7F-C354-4863-48F9-0FF9FA33BFF4}"/>
-              </a:ext>
-            </a:extLst>
-          </p:cNvPr>
-          <p:cNvSpPr txBox="1">
-            <a:spLocks/>
-          </p:cNvSpPr>
-          <p:nvPr/>
-        </p:nvSpPr>
-        <p:spPr>
-          <a:xfrm>
-            <a:off x="407488" y="3504837"/>
-            <a:ext cx="8633823" cy="1243918"/>
-          </a:xfrm>
-          <a:prstGeom prst="rect">
-            <a:avLst/>
-          </a:prstGeom>
-          <a:noFill/>
-          <a:ln>
-            <a:noFill/>
-          </a:ln>
-        </p:spPr>
-        <p:txBody>
-          <a:bodyPr spcFirstLastPara="1" wrap="square" lIns="91425" tIns="91425" rIns="91425" bIns="91425" anchor="t" anchorCtr="0">
-            <a:normAutofit lnSpcReduction="10000"/>
-          </a:bodyPr>
-          <a:lstStyle>
-            <a:defPPr marR="0" lvl="0" algn="l" rtl="0">
-              <a:lnSpc>
-                <a:spcPct val="100000"/>
-              </a:lnSpc>
-              <a:spcBef>
-                <a:spcPts val="0"/>
-              </a:spcBef>
-              <a:spcAft>
-                <a:spcPts val="0"/>
-              </a:spcAft>
-            </a:defPPr>
-            <a:lvl1pPr marL="457200" marR="0" lvl="0" indent="-292100" algn="l" rtl="0">
-              <a:lnSpc>
-                <a:spcPct val="100000"/>
-              </a:lnSpc>
-              <a:spcBef>
-                <a:spcPts val="0"/>
-              </a:spcBef>
-              <a:spcAft>
-                <a:spcPts val="0"/>
-              </a:spcAft>
-              <a:buClr>
-                <a:schemeClr val="dk1"/>
-              </a:buClr>
-              <a:buSzPts val="1000"/>
-              <a:buFont typeface="Open Sans Medium"/>
-              <a:buChar char="●"/>
-              <a:defRPr sz="1400" b="0" i="0" u="none" strike="noStrike" cap="none">
-                <a:solidFill>
-                  <a:schemeClr val="dk1"/>
-                </a:solidFill>
-                <a:latin typeface="Roboto Mono Medium"/>
-                <a:ea typeface="Roboto Mono Medium"/>
-                <a:cs typeface="Roboto Mono Medium"/>
-                <a:sym typeface="Roboto Mono Medium"/>
-              </a:defRPr>
-            </a:lvl1pPr>
-            <a:lvl2pPr marL="914400" marR="0" lvl="1" indent="-317500" algn="l" rtl="0">
-              <a:lnSpc>
-                <a:spcPct val="100000"/>
-              </a:lnSpc>
-              <a:spcBef>
-                <a:spcPts val="0"/>
-              </a:spcBef>
-              <a:spcAft>
-                <a:spcPts val="0"/>
-              </a:spcAft>
-              <a:buClr>
-                <a:schemeClr val="dk1"/>
-              </a:buClr>
-              <a:buSzPts val="1400"/>
-              <a:buFont typeface="Open Sans Medium"/>
-              <a:buChar char="○"/>
-              <a:defRPr sz="1400" b="0" i="0" u="none" strike="noStrike" cap="none">
-                <a:solidFill>
-                  <a:schemeClr val="dk1"/>
-                </a:solidFill>
-                <a:latin typeface="Roboto Mono Medium"/>
-                <a:ea typeface="Roboto Mono Medium"/>
-                <a:cs typeface="Roboto Mono Medium"/>
-                <a:sym typeface="Roboto Mono Medium"/>
-              </a:defRPr>
-            </a:lvl2pPr>
-            <a:lvl3pPr marL="1371600" marR="0" lvl="2" indent="-317500" algn="l" rtl="0">
-              <a:lnSpc>
-                <a:spcPct val="100000"/>
-              </a:lnSpc>
-              <a:spcBef>
-                <a:spcPts val="0"/>
-              </a:spcBef>
-              <a:spcAft>
-                <a:spcPts val="0"/>
-              </a:spcAft>
-              <a:buClr>
-                <a:schemeClr val="dk1"/>
-              </a:buClr>
-              <a:buSzPts val="1400"/>
-              <a:buFont typeface="Open Sans Medium"/>
-              <a:buChar char="■"/>
-              <a:defRPr sz="1400" b="0" i="0" u="none" strike="noStrike" cap="none">
-                <a:solidFill>
-                  <a:schemeClr val="dk1"/>
-                </a:solidFill>
-                <a:latin typeface="Roboto Mono Medium"/>
-                <a:ea typeface="Roboto Mono Medium"/>
-                <a:cs typeface="Roboto Mono Medium"/>
-                <a:sym typeface="Roboto Mono Medium"/>
-              </a:defRPr>
-            </a:lvl3pPr>
-            <a:lvl4pPr marL="1828800" marR="0" lvl="3" indent="-317500" algn="l" rtl="0">
-              <a:lnSpc>
-                <a:spcPct val="100000"/>
-              </a:lnSpc>
-              <a:spcBef>
-                <a:spcPts val="0"/>
-              </a:spcBef>
-              <a:spcAft>
-                <a:spcPts val="0"/>
-              </a:spcAft>
-              <a:buClr>
-                <a:schemeClr val="dk1"/>
-              </a:buClr>
-              <a:buSzPts val="1400"/>
-              <a:buFont typeface="Open Sans Medium"/>
-              <a:buChar char="●"/>
-              <a:defRPr sz="1400" b="0" i="0" u="none" strike="noStrike" cap="none">
-                <a:solidFill>
-                  <a:schemeClr val="dk1"/>
-                </a:solidFill>
-                <a:latin typeface="Roboto Mono Medium"/>
-                <a:ea typeface="Roboto Mono Medium"/>
-                <a:cs typeface="Roboto Mono Medium"/>
-                <a:sym typeface="Roboto Mono Medium"/>
-              </a:defRPr>
-            </a:lvl4pPr>
-            <a:lvl5pPr marL="2286000" marR="0" lvl="4" indent="-317500" algn="l" rtl="0">
-              <a:lnSpc>
-                <a:spcPct val="100000"/>
-              </a:lnSpc>
-              <a:spcBef>
-                <a:spcPts val="0"/>
-              </a:spcBef>
-              <a:spcAft>
-                <a:spcPts val="0"/>
-              </a:spcAft>
-              <a:buClr>
-                <a:schemeClr val="dk1"/>
-              </a:buClr>
-              <a:buSzPts val="1400"/>
-              <a:buFont typeface="Open Sans Medium"/>
-              <a:buChar char="○"/>
-              <a:defRPr sz="1400" b="0" i="0" u="none" strike="noStrike" cap="none">
-                <a:solidFill>
-                  <a:schemeClr val="dk1"/>
-                </a:solidFill>
-                <a:latin typeface="Roboto Mono Medium"/>
-                <a:ea typeface="Roboto Mono Medium"/>
-                <a:cs typeface="Roboto Mono Medium"/>
-                <a:sym typeface="Roboto Mono Medium"/>
-              </a:defRPr>
-            </a:lvl5pPr>
-            <a:lvl6pPr marL="2743200" marR="0" lvl="5" indent="-317500" algn="l" rtl="0">
-              <a:lnSpc>
-                <a:spcPct val="100000"/>
-              </a:lnSpc>
-              <a:spcBef>
-                <a:spcPts val="0"/>
-              </a:spcBef>
-              <a:spcAft>
-                <a:spcPts val="0"/>
-              </a:spcAft>
-              <a:buClr>
-                <a:schemeClr val="dk1"/>
-              </a:buClr>
-              <a:buSzPts val="1400"/>
-              <a:buFont typeface="Open Sans Medium"/>
-              <a:buChar char="■"/>
-              <a:defRPr sz="1400" b="0" i="0" u="none" strike="noStrike" cap="none">
-                <a:solidFill>
-                  <a:schemeClr val="dk1"/>
-                </a:solidFill>
-                <a:latin typeface="Roboto Mono Medium"/>
-                <a:ea typeface="Roboto Mono Medium"/>
-                <a:cs typeface="Roboto Mono Medium"/>
-                <a:sym typeface="Roboto Mono Medium"/>
-              </a:defRPr>
-            </a:lvl6pPr>
-            <a:lvl7pPr marL="3200400" marR="0" lvl="6" indent="-317500" algn="l" rtl="0">
-              <a:lnSpc>
-                <a:spcPct val="100000"/>
-              </a:lnSpc>
-              <a:spcBef>
-                <a:spcPts val="0"/>
-              </a:spcBef>
-              <a:spcAft>
-                <a:spcPts val="0"/>
-              </a:spcAft>
-              <a:buClr>
-                <a:schemeClr val="dk1"/>
-              </a:buClr>
-              <a:buSzPts val="1400"/>
-              <a:buFont typeface="Open Sans Medium"/>
-              <a:buChar char="●"/>
-              <a:defRPr sz="1400" b="0" i="0" u="none" strike="noStrike" cap="none">
-                <a:solidFill>
-                  <a:schemeClr val="dk1"/>
-                </a:solidFill>
-                <a:latin typeface="Roboto Mono Medium"/>
-                <a:ea typeface="Roboto Mono Medium"/>
-                <a:cs typeface="Roboto Mono Medium"/>
-                <a:sym typeface="Roboto Mono Medium"/>
-              </a:defRPr>
-            </a:lvl7pPr>
-            <a:lvl8pPr marL="3657600" marR="0" lvl="7" indent="-317500" algn="l" rtl="0">
-              <a:lnSpc>
-                <a:spcPct val="100000"/>
-              </a:lnSpc>
-              <a:spcBef>
-                <a:spcPts val="0"/>
-              </a:spcBef>
-              <a:spcAft>
-                <a:spcPts val="0"/>
-              </a:spcAft>
-              <a:buClr>
-                <a:schemeClr val="dk1"/>
-              </a:buClr>
-              <a:buSzPts val="1400"/>
-              <a:buFont typeface="Open Sans Medium"/>
-              <a:buChar char="○"/>
-              <a:defRPr sz="1400" b="0" i="0" u="none" strike="noStrike" cap="none">
-                <a:solidFill>
-                  <a:schemeClr val="dk1"/>
-                </a:solidFill>
-                <a:latin typeface="Roboto Mono Medium"/>
-                <a:ea typeface="Roboto Mono Medium"/>
-                <a:cs typeface="Roboto Mono Medium"/>
-                <a:sym typeface="Roboto Mono Medium"/>
-              </a:defRPr>
-            </a:lvl8pPr>
-            <a:lvl9pPr marL="4114800" marR="0" lvl="8" indent="-317500" algn="l" rtl="0">
-              <a:lnSpc>
-                <a:spcPct val="100000"/>
-              </a:lnSpc>
-              <a:spcBef>
-                <a:spcPts val="0"/>
-              </a:spcBef>
-              <a:spcAft>
-                <a:spcPts val="0"/>
-              </a:spcAft>
-              <a:buClr>
-                <a:schemeClr val="dk1"/>
-              </a:buClr>
-              <a:buSzPts val="1400"/>
-              <a:buFont typeface="Open Sans Medium"/>
-              <a:buChar char="■"/>
-              <a:defRPr sz="1400" b="0" i="0" u="none" strike="noStrike" cap="none">
-                <a:solidFill>
-                  <a:schemeClr val="dk1"/>
-                </a:solidFill>
-                <a:latin typeface="Roboto Mono Medium"/>
-                <a:ea typeface="Roboto Mono Medium"/>
-                <a:cs typeface="Roboto Mono Medium"/>
-                <a:sym typeface="Roboto Mono Medium"/>
-              </a:defRPr>
-            </a:lvl9pPr>
-          </a:lstStyle>
-          <a:p>
-            <a:pPr marL="165100" indent="0">
-              <a:buNone/>
-            </a:pPr>
-            <a:r>
-              <a:rPr lang="de-DE" dirty="0"/>
-              <a:t>Negative Aspekte:</a:t>
-            </a:r>
-          </a:p>
-          <a:p>
-            <a:pPr marL="165100" indent="0">
-              <a:buNone/>
-            </a:pPr>
-            <a:endParaRPr lang="de-DE" dirty="0"/>
-          </a:p>
-          <a:p>
-            <a:r>
-              <a:rPr lang="de-DE" dirty="0"/>
-              <a:t>Enorme Teuerung (Wohn- und Heizkosten)</a:t>
-            </a:r>
-          </a:p>
-          <a:p>
-            <a:r>
-              <a:rPr lang="de-DE" dirty="0"/>
-              <a:t>Weniger und dichter besiedelte Wohnfläche</a:t>
-            </a:r>
-          </a:p>
-          <a:p>
-            <a:r>
-              <a:rPr lang="de-DE" dirty="0"/>
-              <a:t>Höhere Häuser und weniger Einfamilienhäuser</a:t>
-            </a:r>
-            <a:endParaRPr lang="de-DE" b="1" dirty="0"/>
-          </a:p>
-          <a:p>
-            <a:endParaRPr lang="de-DE" dirty="0"/>
-          </a:p>
-          <a:p>
-            <a:endParaRPr lang="de-AT" dirty="0"/>
           </a:p>
         </p:txBody>
       </p:sp>
@@ -20060,7 +22034,7 @@
 </p:sld>
 </file>
 
-<file path=ppt/slides/slide7.xml><?xml version="1.0" encoding="utf-8"?>
+<file path=ppt/slides/slide9.xml><?xml version="1.0" encoding="utf-8"?>
 <p:sld xmlns:a="http://schemas.openxmlformats.org/drawingml/2006/main" xmlns:r="http://schemas.openxmlformats.org/officeDocument/2006/relationships" xmlns:p="http://schemas.openxmlformats.org/presentationml/2006/main">
   <p:cSld>
     <p:spTree>
@@ -20451,797 +22425,6 @@
     <p:extLst>
       <p:ext uri="{BB962C8B-B14F-4D97-AF65-F5344CB8AC3E}">
         <p14:creationId xmlns:p14="http://schemas.microsoft.com/office/powerpoint/2010/main" val="840537487"/>
-      </p:ext>
-    </p:extLst>
-  </p:cSld>
-  <p:clrMapOvr>
-    <a:masterClrMapping/>
-  </p:clrMapOvr>
-</p:sld>
-</file>
-
-<file path=ppt/slides/slide8.xml><?xml version="1.0" encoding="utf-8"?>
-<p:sld xmlns:a="http://schemas.openxmlformats.org/drawingml/2006/main" xmlns:r="http://schemas.openxmlformats.org/officeDocument/2006/relationships" xmlns:p="http://schemas.openxmlformats.org/presentationml/2006/main">
-  <p:cSld>
-    <p:spTree>
-      <p:nvGrpSpPr>
-        <p:cNvPr id="1" name=""/>
-        <p:cNvGrpSpPr/>
-        <p:nvPr/>
-      </p:nvGrpSpPr>
-      <p:grpSpPr>
-        <a:xfrm>
-          <a:off x="0" y="0"/>
-          <a:ext cx="0" cy="0"/>
-          <a:chOff x="0" y="0"/>
-          <a:chExt cx="0" cy="0"/>
-        </a:xfrm>
-      </p:grpSpPr>
-      <p:sp>
-        <p:nvSpPr>
-          <p:cNvPr id="6" name="Titel 1">
-            <a:extLst>
-              <a:ext uri="{FF2B5EF4-FFF2-40B4-BE49-F238E27FC236}">
-                <a16:creationId xmlns:a16="http://schemas.microsoft.com/office/drawing/2014/main" id="{C5E154BD-8EBD-3770-3EA3-BA95391F7228}"/>
-              </a:ext>
-            </a:extLst>
-          </p:cNvPr>
-          <p:cNvSpPr>
-            <a:spLocks noGrp="1"/>
-          </p:cNvSpPr>
-          <p:nvPr>
-            <p:ph type="title"/>
-          </p:nvPr>
-        </p:nvSpPr>
-        <p:spPr>
-          <a:xfrm>
-            <a:off x="364127" y="592137"/>
-            <a:ext cx="7401923" cy="1243919"/>
-          </a:xfrm>
-        </p:spPr>
-        <p:txBody>
-          <a:bodyPr>
-            <a:noAutofit/>
-          </a:bodyPr>
-          <a:lstStyle/>
-          <a:p>
-            <a:r>
-              <a:rPr lang="de-AT" sz="2800" dirty="0">
-                <a:latin typeface="MS Reference Sans Serif" panose="020B0604030504040204" pitchFamily="34" charset="0"/>
-              </a:rPr>
-              <a:t>Wie kann der Alltag durch digitale Lösungen unterstützt werden?</a:t>
-            </a:r>
-            <a:endParaRPr lang="de-AT" sz="1600" dirty="0">
-              <a:latin typeface="MS Reference Sans Serif" panose="020B0604030504040204" pitchFamily="34" charset="0"/>
-            </a:endParaRPr>
-          </a:p>
-        </p:txBody>
-      </p:sp>
-      <p:sp>
-        <p:nvSpPr>
-          <p:cNvPr id="7" name="Inhaltsplatzhalter 2">
-            <a:extLst>
-              <a:ext uri="{FF2B5EF4-FFF2-40B4-BE49-F238E27FC236}">
-                <a16:creationId xmlns:a16="http://schemas.microsoft.com/office/drawing/2014/main" id="{90799B9B-1B7C-A357-C03C-B0ECDA273434}"/>
-              </a:ext>
-            </a:extLst>
-          </p:cNvPr>
-          <p:cNvSpPr txBox="1">
-            <a:spLocks/>
-          </p:cNvSpPr>
-          <p:nvPr/>
-        </p:nvSpPr>
-        <p:spPr>
-          <a:xfrm>
-            <a:off x="222250" y="1836056"/>
-            <a:ext cx="9048750" cy="2983593"/>
-          </a:xfrm>
-          <a:prstGeom prst="rect">
-            <a:avLst/>
-          </a:prstGeom>
-          <a:noFill/>
-          <a:ln>
-            <a:noFill/>
-          </a:ln>
-        </p:spPr>
-        <p:txBody>
-          <a:bodyPr spcFirstLastPara="1" wrap="square" lIns="91425" tIns="91425" rIns="91425" bIns="91425" anchor="t" anchorCtr="0">
-            <a:normAutofit/>
-          </a:bodyPr>
-          <a:lstStyle>
-            <a:defPPr marR="0" lvl="0" algn="l" rtl="0">
-              <a:lnSpc>
-                <a:spcPct val="100000"/>
-              </a:lnSpc>
-              <a:spcBef>
-                <a:spcPts val="0"/>
-              </a:spcBef>
-              <a:spcAft>
-                <a:spcPts val="0"/>
-              </a:spcAft>
-            </a:defPPr>
-            <a:lvl1pPr marL="457200" marR="0" lvl="0" indent="-292100" algn="l" rtl="0">
-              <a:lnSpc>
-                <a:spcPct val="100000"/>
-              </a:lnSpc>
-              <a:spcBef>
-                <a:spcPts val="0"/>
-              </a:spcBef>
-              <a:spcAft>
-                <a:spcPts val="0"/>
-              </a:spcAft>
-              <a:buClr>
-                <a:schemeClr val="dk1"/>
-              </a:buClr>
-              <a:buSzPts val="1000"/>
-              <a:buFont typeface="Open Sans Medium"/>
-              <a:buChar char="●"/>
-              <a:defRPr sz="1400" b="0" i="0" u="none" strike="noStrike" cap="none">
-                <a:solidFill>
-                  <a:schemeClr val="dk1"/>
-                </a:solidFill>
-                <a:latin typeface="Roboto Mono Medium"/>
-                <a:ea typeface="Roboto Mono Medium"/>
-                <a:cs typeface="Roboto Mono Medium"/>
-                <a:sym typeface="Roboto Mono Medium"/>
-              </a:defRPr>
-            </a:lvl1pPr>
-            <a:lvl2pPr marL="914400" marR="0" lvl="1" indent="-317500" algn="l" rtl="0">
-              <a:lnSpc>
-                <a:spcPct val="100000"/>
-              </a:lnSpc>
-              <a:spcBef>
-                <a:spcPts val="0"/>
-              </a:spcBef>
-              <a:spcAft>
-                <a:spcPts val="0"/>
-              </a:spcAft>
-              <a:buClr>
-                <a:schemeClr val="dk1"/>
-              </a:buClr>
-              <a:buSzPts val="1400"/>
-              <a:buFont typeface="Open Sans Medium"/>
-              <a:buChar char="○"/>
-              <a:defRPr sz="1400" b="0" i="0" u="none" strike="noStrike" cap="none">
-                <a:solidFill>
-                  <a:schemeClr val="dk1"/>
-                </a:solidFill>
-                <a:latin typeface="Roboto Mono Medium"/>
-                <a:ea typeface="Roboto Mono Medium"/>
-                <a:cs typeface="Roboto Mono Medium"/>
-                <a:sym typeface="Roboto Mono Medium"/>
-              </a:defRPr>
-            </a:lvl2pPr>
-            <a:lvl3pPr marL="1371600" marR="0" lvl="2" indent="-317500" algn="l" rtl="0">
-              <a:lnSpc>
-                <a:spcPct val="100000"/>
-              </a:lnSpc>
-              <a:spcBef>
-                <a:spcPts val="0"/>
-              </a:spcBef>
-              <a:spcAft>
-                <a:spcPts val="0"/>
-              </a:spcAft>
-              <a:buClr>
-                <a:schemeClr val="dk1"/>
-              </a:buClr>
-              <a:buSzPts val="1400"/>
-              <a:buFont typeface="Open Sans Medium"/>
-              <a:buChar char="■"/>
-              <a:defRPr sz="1400" b="0" i="0" u="none" strike="noStrike" cap="none">
-                <a:solidFill>
-                  <a:schemeClr val="dk1"/>
-                </a:solidFill>
-                <a:latin typeface="Roboto Mono Medium"/>
-                <a:ea typeface="Roboto Mono Medium"/>
-                <a:cs typeface="Roboto Mono Medium"/>
-                <a:sym typeface="Roboto Mono Medium"/>
-              </a:defRPr>
-            </a:lvl3pPr>
-            <a:lvl4pPr marL="1828800" marR="0" lvl="3" indent="-317500" algn="l" rtl="0">
-              <a:lnSpc>
-                <a:spcPct val="100000"/>
-              </a:lnSpc>
-              <a:spcBef>
-                <a:spcPts val="0"/>
-              </a:spcBef>
-              <a:spcAft>
-                <a:spcPts val="0"/>
-              </a:spcAft>
-              <a:buClr>
-                <a:schemeClr val="dk1"/>
-              </a:buClr>
-              <a:buSzPts val="1400"/>
-              <a:buFont typeface="Open Sans Medium"/>
-              <a:buChar char="●"/>
-              <a:defRPr sz="1400" b="0" i="0" u="none" strike="noStrike" cap="none">
-                <a:solidFill>
-                  <a:schemeClr val="dk1"/>
-                </a:solidFill>
-                <a:latin typeface="Roboto Mono Medium"/>
-                <a:ea typeface="Roboto Mono Medium"/>
-                <a:cs typeface="Roboto Mono Medium"/>
-                <a:sym typeface="Roboto Mono Medium"/>
-              </a:defRPr>
-            </a:lvl4pPr>
-            <a:lvl5pPr marL="2286000" marR="0" lvl="4" indent="-317500" algn="l" rtl="0">
-              <a:lnSpc>
-                <a:spcPct val="100000"/>
-              </a:lnSpc>
-              <a:spcBef>
-                <a:spcPts val="0"/>
-              </a:spcBef>
-              <a:spcAft>
-                <a:spcPts val="0"/>
-              </a:spcAft>
-              <a:buClr>
-                <a:schemeClr val="dk1"/>
-              </a:buClr>
-              <a:buSzPts val="1400"/>
-              <a:buFont typeface="Open Sans Medium"/>
-              <a:buChar char="○"/>
-              <a:defRPr sz="1400" b="0" i="0" u="none" strike="noStrike" cap="none">
-                <a:solidFill>
-                  <a:schemeClr val="dk1"/>
-                </a:solidFill>
-                <a:latin typeface="Roboto Mono Medium"/>
-                <a:ea typeface="Roboto Mono Medium"/>
-                <a:cs typeface="Roboto Mono Medium"/>
-                <a:sym typeface="Roboto Mono Medium"/>
-              </a:defRPr>
-            </a:lvl5pPr>
-            <a:lvl6pPr marL="2743200" marR="0" lvl="5" indent="-317500" algn="l" rtl="0">
-              <a:lnSpc>
-                <a:spcPct val="100000"/>
-              </a:lnSpc>
-              <a:spcBef>
-                <a:spcPts val="0"/>
-              </a:spcBef>
-              <a:spcAft>
-                <a:spcPts val="0"/>
-              </a:spcAft>
-              <a:buClr>
-                <a:schemeClr val="dk1"/>
-              </a:buClr>
-              <a:buSzPts val="1400"/>
-              <a:buFont typeface="Open Sans Medium"/>
-              <a:buChar char="■"/>
-              <a:defRPr sz="1400" b="0" i="0" u="none" strike="noStrike" cap="none">
-                <a:solidFill>
-                  <a:schemeClr val="dk1"/>
-                </a:solidFill>
-                <a:latin typeface="Roboto Mono Medium"/>
-                <a:ea typeface="Roboto Mono Medium"/>
-                <a:cs typeface="Roboto Mono Medium"/>
-                <a:sym typeface="Roboto Mono Medium"/>
-              </a:defRPr>
-            </a:lvl6pPr>
-            <a:lvl7pPr marL="3200400" marR="0" lvl="6" indent="-317500" algn="l" rtl="0">
-              <a:lnSpc>
-                <a:spcPct val="100000"/>
-              </a:lnSpc>
-              <a:spcBef>
-                <a:spcPts val="0"/>
-              </a:spcBef>
-              <a:spcAft>
-                <a:spcPts val="0"/>
-              </a:spcAft>
-              <a:buClr>
-                <a:schemeClr val="dk1"/>
-              </a:buClr>
-              <a:buSzPts val="1400"/>
-              <a:buFont typeface="Open Sans Medium"/>
-              <a:buChar char="●"/>
-              <a:defRPr sz="1400" b="0" i="0" u="none" strike="noStrike" cap="none">
-                <a:solidFill>
-                  <a:schemeClr val="dk1"/>
-                </a:solidFill>
-                <a:latin typeface="Roboto Mono Medium"/>
-                <a:ea typeface="Roboto Mono Medium"/>
-                <a:cs typeface="Roboto Mono Medium"/>
-                <a:sym typeface="Roboto Mono Medium"/>
-              </a:defRPr>
-            </a:lvl7pPr>
-            <a:lvl8pPr marL="3657600" marR="0" lvl="7" indent="-317500" algn="l" rtl="0">
-              <a:lnSpc>
-                <a:spcPct val="100000"/>
-              </a:lnSpc>
-              <a:spcBef>
-                <a:spcPts val="0"/>
-              </a:spcBef>
-              <a:spcAft>
-                <a:spcPts val="0"/>
-              </a:spcAft>
-              <a:buClr>
-                <a:schemeClr val="dk1"/>
-              </a:buClr>
-              <a:buSzPts val="1400"/>
-              <a:buFont typeface="Open Sans Medium"/>
-              <a:buChar char="○"/>
-              <a:defRPr sz="1400" b="0" i="0" u="none" strike="noStrike" cap="none">
-                <a:solidFill>
-                  <a:schemeClr val="dk1"/>
-                </a:solidFill>
-                <a:latin typeface="Roboto Mono Medium"/>
-                <a:ea typeface="Roboto Mono Medium"/>
-                <a:cs typeface="Roboto Mono Medium"/>
-                <a:sym typeface="Roboto Mono Medium"/>
-              </a:defRPr>
-            </a:lvl8pPr>
-            <a:lvl9pPr marL="4114800" marR="0" lvl="8" indent="-317500" algn="l" rtl="0">
-              <a:lnSpc>
-                <a:spcPct val="100000"/>
-              </a:lnSpc>
-              <a:spcBef>
-                <a:spcPts val="0"/>
-              </a:spcBef>
-              <a:spcAft>
-                <a:spcPts val="0"/>
-              </a:spcAft>
-              <a:buClr>
-                <a:schemeClr val="dk1"/>
-              </a:buClr>
-              <a:buSzPts val="1400"/>
-              <a:buFont typeface="Open Sans Medium"/>
-              <a:buChar char="■"/>
-              <a:defRPr sz="1400" b="0" i="0" u="none" strike="noStrike" cap="none">
-                <a:solidFill>
-                  <a:schemeClr val="dk1"/>
-                </a:solidFill>
-                <a:latin typeface="Roboto Mono Medium"/>
-                <a:ea typeface="Roboto Mono Medium"/>
-                <a:cs typeface="Roboto Mono Medium"/>
-                <a:sym typeface="Roboto Mono Medium"/>
-              </a:defRPr>
-            </a:lvl9pPr>
-          </a:lstStyle>
-          <a:p>
-            <a:r>
-              <a:rPr lang="de-AT" sz="1800" dirty="0"/>
-              <a:t>Automatisierte Nachbestellung von Produkten (Lebensmittel, …)</a:t>
-            </a:r>
-          </a:p>
-          <a:p>
-            <a:r>
-              <a:rPr lang="de-AT" sz="1800" dirty="0"/>
-              <a:t>Home Office: Kommunikation durch VR, AR und Hologramme</a:t>
-            </a:r>
-          </a:p>
-          <a:p>
-            <a:r>
-              <a:rPr lang="de-DE" sz="1800" dirty="0"/>
-              <a:t>Automatisiertes Kochen</a:t>
-            </a:r>
-            <a:endParaRPr lang="de-AT" sz="1800" dirty="0"/>
-          </a:p>
-          <a:p>
-            <a:r>
-              <a:rPr lang="de-AT" sz="1800" dirty="0"/>
-              <a:t>Altenpfleger-Roboter (Bsp.: Tesla-Roboter „Optimus“)</a:t>
-            </a:r>
-          </a:p>
-          <a:p>
-            <a:r>
-              <a:rPr lang="de-AT" sz="1800" dirty="0"/>
-              <a:t>Sprachgesteuerte Elemente in Haushalten</a:t>
-            </a:r>
-          </a:p>
-          <a:p>
-            <a:r>
-              <a:rPr lang="de-DE" sz="1800" dirty="0"/>
-              <a:t>Digitalisierte Kalender (</a:t>
-            </a:r>
-            <a:r>
-              <a:rPr lang="de-DE" sz="1800" dirty="0" err="1"/>
-              <a:t>Reminder</a:t>
-            </a:r>
-            <a:r>
-              <a:rPr lang="de-DE" sz="1800" dirty="0"/>
-              <a:t>)</a:t>
-            </a:r>
-            <a:endParaRPr lang="de-AT" sz="1800" dirty="0"/>
-          </a:p>
-        </p:txBody>
-      </p:sp>
-    </p:spTree>
-    <p:extLst>
-      <p:ext uri="{BB962C8B-B14F-4D97-AF65-F5344CB8AC3E}">
-        <p14:creationId xmlns:p14="http://schemas.microsoft.com/office/powerpoint/2010/main" val="608302222"/>
-      </p:ext>
-    </p:extLst>
-  </p:cSld>
-  <p:clrMapOvr>
-    <a:masterClrMapping/>
-  </p:clrMapOvr>
-</p:sld>
-</file>
-
-<file path=ppt/slides/slide9.xml><?xml version="1.0" encoding="utf-8"?>
-<p:sld xmlns:a="http://schemas.openxmlformats.org/drawingml/2006/main" xmlns:r="http://schemas.openxmlformats.org/officeDocument/2006/relationships" xmlns:p="http://schemas.openxmlformats.org/presentationml/2006/main">
-  <p:cSld>
-    <p:spTree>
-      <p:nvGrpSpPr>
-        <p:cNvPr id="1" name=""/>
-        <p:cNvGrpSpPr/>
-        <p:nvPr/>
-      </p:nvGrpSpPr>
-      <p:grpSpPr>
-        <a:xfrm>
-          <a:off x="0" y="0"/>
-          <a:ext cx="0" cy="0"/>
-          <a:chOff x="0" y="0"/>
-          <a:chExt cx="0" cy="0"/>
-        </a:xfrm>
-      </p:grpSpPr>
-      <p:sp>
-        <p:nvSpPr>
-          <p:cNvPr id="6" name="Titel 1">
-            <a:extLst>
-              <a:ext uri="{FF2B5EF4-FFF2-40B4-BE49-F238E27FC236}">
-                <a16:creationId xmlns:a16="http://schemas.microsoft.com/office/drawing/2014/main" id="{C5E154BD-8EBD-3770-3EA3-BA95391F7228}"/>
-              </a:ext>
-            </a:extLst>
-          </p:cNvPr>
-          <p:cNvSpPr>
-            <a:spLocks noGrp="1"/>
-          </p:cNvSpPr>
-          <p:nvPr>
-            <p:ph type="title"/>
-          </p:nvPr>
-        </p:nvSpPr>
-        <p:spPr>
-          <a:xfrm>
-            <a:off x="364127" y="592137"/>
-            <a:ext cx="7401923" cy="1243919"/>
-          </a:xfrm>
-        </p:spPr>
-        <p:txBody>
-          <a:bodyPr>
-            <a:noAutofit/>
-          </a:bodyPr>
-          <a:lstStyle/>
-          <a:p>
-            <a:r>
-              <a:rPr lang="de-AT" sz="2800" dirty="0">
-                <a:latin typeface="MS Reference Sans Serif" panose="020B0604030504040204" pitchFamily="34" charset="0"/>
-              </a:rPr>
-              <a:t>Welche Technologien werden die Zukunft des Wohnens bestimmen?</a:t>
-            </a:r>
-            <a:endParaRPr lang="de-AT" sz="2000" dirty="0">
-              <a:latin typeface="MS Reference Sans Serif" panose="020B0604030504040204" pitchFamily="34" charset="0"/>
-            </a:endParaRPr>
-          </a:p>
-        </p:txBody>
-      </p:sp>
-      <p:sp>
-        <p:nvSpPr>
-          <p:cNvPr id="7" name="Inhaltsplatzhalter 2">
-            <a:extLst>
-              <a:ext uri="{FF2B5EF4-FFF2-40B4-BE49-F238E27FC236}">
-                <a16:creationId xmlns:a16="http://schemas.microsoft.com/office/drawing/2014/main" id="{90799B9B-1B7C-A357-C03C-B0ECDA273434}"/>
-              </a:ext>
-            </a:extLst>
-          </p:cNvPr>
-          <p:cNvSpPr txBox="1">
-            <a:spLocks/>
-          </p:cNvSpPr>
-          <p:nvPr/>
-        </p:nvSpPr>
-        <p:spPr>
-          <a:xfrm>
-            <a:off x="215900" y="1856012"/>
-            <a:ext cx="9048750" cy="2983593"/>
-          </a:xfrm>
-          <a:prstGeom prst="rect">
-            <a:avLst/>
-          </a:prstGeom>
-          <a:noFill/>
-          <a:ln>
-            <a:noFill/>
-          </a:ln>
-        </p:spPr>
-        <p:txBody>
-          <a:bodyPr spcFirstLastPara="1" wrap="square" lIns="91425" tIns="91425" rIns="91425" bIns="91425" anchor="t" anchorCtr="0">
-            <a:normAutofit/>
-          </a:bodyPr>
-          <a:lstStyle>
-            <a:defPPr marR="0" lvl="0" algn="l" rtl="0">
-              <a:lnSpc>
-                <a:spcPct val="100000"/>
-              </a:lnSpc>
-              <a:spcBef>
-                <a:spcPts val="0"/>
-              </a:spcBef>
-              <a:spcAft>
-                <a:spcPts val="0"/>
-              </a:spcAft>
-            </a:defPPr>
-            <a:lvl1pPr marL="457200" marR="0" lvl="0" indent="-292100" algn="l" rtl="0">
-              <a:lnSpc>
-                <a:spcPct val="100000"/>
-              </a:lnSpc>
-              <a:spcBef>
-                <a:spcPts val="0"/>
-              </a:spcBef>
-              <a:spcAft>
-                <a:spcPts val="0"/>
-              </a:spcAft>
-              <a:buClr>
-                <a:schemeClr val="dk1"/>
-              </a:buClr>
-              <a:buSzPts val="1000"/>
-              <a:buFont typeface="Open Sans Medium"/>
-              <a:buChar char="●"/>
-              <a:defRPr sz="1400" b="0" i="0" u="none" strike="noStrike" cap="none">
-                <a:solidFill>
-                  <a:schemeClr val="dk1"/>
-                </a:solidFill>
-                <a:latin typeface="Roboto Mono Medium"/>
-                <a:ea typeface="Roboto Mono Medium"/>
-                <a:cs typeface="Roboto Mono Medium"/>
-                <a:sym typeface="Roboto Mono Medium"/>
-              </a:defRPr>
-            </a:lvl1pPr>
-            <a:lvl2pPr marL="914400" marR="0" lvl="1" indent="-317500" algn="l" rtl="0">
-              <a:lnSpc>
-                <a:spcPct val="100000"/>
-              </a:lnSpc>
-              <a:spcBef>
-                <a:spcPts val="0"/>
-              </a:spcBef>
-              <a:spcAft>
-                <a:spcPts val="0"/>
-              </a:spcAft>
-              <a:buClr>
-                <a:schemeClr val="dk1"/>
-              </a:buClr>
-              <a:buSzPts val="1400"/>
-              <a:buFont typeface="Open Sans Medium"/>
-              <a:buChar char="○"/>
-              <a:defRPr sz="1400" b="0" i="0" u="none" strike="noStrike" cap="none">
-                <a:solidFill>
-                  <a:schemeClr val="dk1"/>
-                </a:solidFill>
-                <a:latin typeface="Roboto Mono Medium"/>
-                <a:ea typeface="Roboto Mono Medium"/>
-                <a:cs typeface="Roboto Mono Medium"/>
-                <a:sym typeface="Roboto Mono Medium"/>
-              </a:defRPr>
-            </a:lvl2pPr>
-            <a:lvl3pPr marL="1371600" marR="0" lvl="2" indent="-317500" algn="l" rtl="0">
-              <a:lnSpc>
-                <a:spcPct val="100000"/>
-              </a:lnSpc>
-              <a:spcBef>
-                <a:spcPts val="0"/>
-              </a:spcBef>
-              <a:spcAft>
-                <a:spcPts val="0"/>
-              </a:spcAft>
-              <a:buClr>
-                <a:schemeClr val="dk1"/>
-              </a:buClr>
-              <a:buSzPts val="1400"/>
-              <a:buFont typeface="Open Sans Medium"/>
-              <a:buChar char="■"/>
-              <a:defRPr sz="1400" b="0" i="0" u="none" strike="noStrike" cap="none">
-                <a:solidFill>
-                  <a:schemeClr val="dk1"/>
-                </a:solidFill>
-                <a:latin typeface="Roboto Mono Medium"/>
-                <a:ea typeface="Roboto Mono Medium"/>
-                <a:cs typeface="Roboto Mono Medium"/>
-                <a:sym typeface="Roboto Mono Medium"/>
-              </a:defRPr>
-            </a:lvl3pPr>
-            <a:lvl4pPr marL="1828800" marR="0" lvl="3" indent="-317500" algn="l" rtl="0">
-              <a:lnSpc>
-                <a:spcPct val="100000"/>
-              </a:lnSpc>
-              <a:spcBef>
-                <a:spcPts val="0"/>
-              </a:spcBef>
-              <a:spcAft>
-                <a:spcPts val="0"/>
-              </a:spcAft>
-              <a:buClr>
-                <a:schemeClr val="dk1"/>
-              </a:buClr>
-              <a:buSzPts val="1400"/>
-              <a:buFont typeface="Open Sans Medium"/>
-              <a:buChar char="●"/>
-              <a:defRPr sz="1400" b="0" i="0" u="none" strike="noStrike" cap="none">
-                <a:solidFill>
-                  <a:schemeClr val="dk1"/>
-                </a:solidFill>
-                <a:latin typeface="Roboto Mono Medium"/>
-                <a:ea typeface="Roboto Mono Medium"/>
-                <a:cs typeface="Roboto Mono Medium"/>
-                <a:sym typeface="Roboto Mono Medium"/>
-              </a:defRPr>
-            </a:lvl4pPr>
-            <a:lvl5pPr marL="2286000" marR="0" lvl="4" indent="-317500" algn="l" rtl="0">
-              <a:lnSpc>
-                <a:spcPct val="100000"/>
-              </a:lnSpc>
-              <a:spcBef>
-                <a:spcPts val="0"/>
-              </a:spcBef>
-              <a:spcAft>
-                <a:spcPts val="0"/>
-              </a:spcAft>
-              <a:buClr>
-                <a:schemeClr val="dk1"/>
-              </a:buClr>
-              <a:buSzPts val="1400"/>
-              <a:buFont typeface="Open Sans Medium"/>
-              <a:buChar char="○"/>
-              <a:defRPr sz="1400" b="0" i="0" u="none" strike="noStrike" cap="none">
-                <a:solidFill>
-                  <a:schemeClr val="dk1"/>
-                </a:solidFill>
-                <a:latin typeface="Roboto Mono Medium"/>
-                <a:ea typeface="Roboto Mono Medium"/>
-                <a:cs typeface="Roboto Mono Medium"/>
-                <a:sym typeface="Roboto Mono Medium"/>
-              </a:defRPr>
-            </a:lvl5pPr>
-            <a:lvl6pPr marL="2743200" marR="0" lvl="5" indent="-317500" algn="l" rtl="0">
-              <a:lnSpc>
-                <a:spcPct val="100000"/>
-              </a:lnSpc>
-              <a:spcBef>
-                <a:spcPts val="0"/>
-              </a:spcBef>
-              <a:spcAft>
-                <a:spcPts val="0"/>
-              </a:spcAft>
-              <a:buClr>
-                <a:schemeClr val="dk1"/>
-              </a:buClr>
-              <a:buSzPts val="1400"/>
-              <a:buFont typeface="Open Sans Medium"/>
-              <a:buChar char="■"/>
-              <a:defRPr sz="1400" b="0" i="0" u="none" strike="noStrike" cap="none">
-                <a:solidFill>
-                  <a:schemeClr val="dk1"/>
-                </a:solidFill>
-                <a:latin typeface="Roboto Mono Medium"/>
-                <a:ea typeface="Roboto Mono Medium"/>
-                <a:cs typeface="Roboto Mono Medium"/>
-                <a:sym typeface="Roboto Mono Medium"/>
-              </a:defRPr>
-            </a:lvl6pPr>
-            <a:lvl7pPr marL="3200400" marR="0" lvl="6" indent="-317500" algn="l" rtl="0">
-              <a:lnSpc>
-                <a:spcPct val="100000"/>
-              </a:lnSpc>
-              <a:spcBef>
-                <a:spcPts val="0"/>
-              </a:spcBef>
-              <a:spcAft>
-                <a:spcPts val="0"/>
-              </a:spcAft>
-              <a:buClr>
-                <a:schemeClr val="dk1"/>
-              </a:buClr>
-              <a:buSzPts val="1400"/>
-              <a:buFont typeface="Open Sans Medium"/>
-              <a:buChar char="●"/>
-              <a:defRPr sz="1400" b="0" i="0" u="none" strike="noStrike" cap="none">
-                <a:solidFill>
-                  <a:schemeClr val="dk1"/>
-                </a:solidFill>
-                <a:latin typeface="Roboto Mono Medium"/>
-                <a:ea typeface="Roboto Mono Medium"/>
-                <a:cs typeface="Roboto Mono Medium"/>
-                <a:sym typeface="Roboto Mono Medium"/>
-              </a:defRPr>
-            </a:lvl7pPr>
-            <a:lvl8pPr marL="3657600" marR="0" lvl="7" indent="-317500" algn="l" rtl="0">
-              <a:lnSpc>
-                <a:spcPct val="100000"/>
-              </a:lnSpc>
-              <a:spcBef>
-                <a:spcPts val="0"/>
-              </a:spcBef>
-              <a:spcAft>
-                <a:spcPts val="0"/>
-              </a:spcAft>
-              <a:buClr>
-                <a:schemeClr val="dk1"/>
-              </a:buClr>
-              <a:buSzPts val="1400"/>
-              <a:buFont typeface="Open Sans Medium"/>
-              <a:buChar char="○"/>
-              <a:defRPr sz="1400" b="0" i="0" u="none" strike="noStrike" cap="none">
-                <a:solidFill>
-                  <a:schemeClr val="dk1"/>
-                </a:solidFill>
-                <a:latin typeface="Roboto Mono Medium"/>
-                <a:ea typeface="Roboto Mono Medium"/>
-                <a:cs typeface="Roboto Mono Medium"/>
-                <a:sym typeface="Roboto Mono Medium"/>
-              </a:defRPr>
-            </a:lvl8pPr>
-            <a:lvl9pPr marL="4114800" marR="0" lvl="8" indent="-317500" algn="l" rtl="0">
-              <a:lnSpc>
-                <a:spcPct val="100000"/>
-              </a:lnSpc>
-              <a:spcBef>
-                <a:spcPts val="0"/>
-              </a:spcBef>
-              <a:spcAft>
-                <a:spcPts val="0"/>
-              </a:spcAft>
-              <a:buClr>
-                <a:schemeClr val="dk1"/>
-              </a:buClr>
-              <a:buSzPts val="1400"/>
-              <a:buFont typeface="Open Sans Medium"/>
-              <a:buChar char="■"/>
-              <a:defRPr sz="1400" b="0" i="0" u="none" strike="noStrike" cap="none">
-                <a:solidFill>
-                  <a:schemeClr val="dk1"/>
-                </a:solidFill>
-                <a:latin typeface="Roboto Mono Medium"/>
-                <a:ea typeface="Roboto Mono Medium"/>
-                <a:cs typeface="Roboto Mono Medium"/>
-                <a:sym typeface="Roboto Mono Medium"/>
-              </a:defRPr>
-            </a:lvl9pPr>
-          </a:lstStyle>
-          <a:p>
-            <a:r>
-              <a:rPr lang="de-AT" sz="1800" dirty="0"/>
-              <a:t>KI &amp; Robotik</a:t>
-            </a:r>
-          </a:p>
-          <a:p>
-            <a:r>
-              <a:rPr lang="de-AT" sz="1800" dirty="0"/>
-              <a:t>3D Drucker</a:t>
-            </a:r>
-          </a:p>
-          <a:p>
-            <a:r>
-              <a:rPr lang="de-DE" sz="1800" dirty="0"/>
-              <a:t>KI für Routineanalysen</a:t>
-            </a:r>
-          </a:p>
-          <a:p>
-            <a:r>
-              <a:rPr lang="de-DE" sz="1800" dirty="0"/>
-              <a:t>Home Automation Bus (</a:t>
-            </a:r>
-            <a:r>
-              <a:rPr lang="de-DE" sz="1800" i="1" dirty="0" err="1"/>
-              <a:t>openHAB</a:t>
-            </a:r>
-            <a:r>
-              <a:rPr lang="de-DE" sz="1800" dirty="0"/>
-              <a:t>)</a:t>
-            </a:r>
-            <a:endParaRPr lang="de-AT" sz="1800" dirty="0"/>
-          </a:p>
-          <a:p>
-            <a:r>
-              <a:rPr lang="de-AT" sz="1800" dirty="0"/>
-              <a:t>Gesicht- und Spracherkennung</a:t>
-            </a:r>
-          </a:p>
-          <a:p>
-            <a:r>
-              <a:rPr lang="de-AT" sz="1800" dirty="0"/>
-              <a:t>Fingerabdruck Sensoren &amp; Pupillen Scanner</a:t>
-            </a:r>
-          </a:p>
-        </p:txBody>
-      </p:sp>
-    </p:spTree>
-    <p:extLst>
-      <p:ext uri="{BB962C8B-B14F-4D97-AF65-F5344CB8AC3E}">
-        <p14:creationId xmlns:p14="http://schemas.microsoft.com/office/powerpoint/2010/main" val="3684867070"/>
       </p:ext>
     </p:extLst>
   </p:cSld>
